--- a/presentation/EO2020_hyperspec_presentation.pptx
+++ b/presentation/EO2020_hyperspec_presentation.pptx
@@ -454,7 +454,7 @@
               <a:pPr>
                 <a:defRPr/>
               </a:pPr>
-              <a:t>‹#›</a:t>
+              <a:t>‹Nr.›</a:t>
             </a:fld>
             <a:endParaRPr lang="de-DE"/>
           </a:p>
@@ -801,7 +801,7 @@
               <a:pPr>
                 <a:defRPr/>
               </a:pPr>
-              <a:t>‹#›</a:t>
+              <a:t>‹Nr.›</a:t>
             </a:fld>
             <a:endParaRPr lang="de-DE"/>
           </a:p>
@@ -1825,7 +1825,7 @@
               <a:pPr algn="r" eaLnBrk="1" hangingPunct="1">
                 <a:defRPr/>
               </a:pPr>
-              <a:t>‹#›</a:t>
+              <a:t>‹Nr.›</a:t>
             </a:fld>
             <a:endParaRPr lang="de-DE" altLang="de-DE" sz="1100">
               <a:solidFill>
@@ -2644,22 +2644,13 @@
               <a:defRPr/>
             </a:pPr>
             <a:r>
-              <a:rPr lang="de-DE" altLang="en-US" sz="2400" kern="0" dirty="0">
+              <a:rPr lang="de-DE" altLang="en-US" sz="2400" kern="0" dirty="0" err="1">
                 <a:solidFill>
                   <a:srgbClr val="113665"/>
                 </a:solidFill>
                 <a:latin typeface="Verdana" panose="020B0604030504040204" pitchFamily="34" charset="0"/>
               </a:rPr>
-              <a:t>Christian </a:t>
-            </a:r>
-            <a:r>
-              <a:rPr lang="de-DE" altLang="en-US" sz="2400" kern="0" dirty="0" err="1">
-                <a:solidFill>
-                  <a:srgbClr val="113665"/>
-                </a:solidFill>
-                <a:latin typeface="Verdana" panose="020B0604030504040204" pitchFamily="34" charset="0"/>
-              </a:rPr>
-              <a:t>Liehr</a:t>
+              <a:t>Phy_Liehr</a:t>
             </a:r>
             <a:r>
               <a:rPr lang="de-DE" altLang="en-US" sz="2400" kern="0" dirty="0">
@@ -2936,7 +2927,7 @@
         <p:spPr bwMode="auto">
           <a:xfrm>
             <a:off x="5385" y="6587192"/>
-            <a:ext cx="3412666" cy="276614"/>
+            <a:ext cx="4513928" cy="276614"/>
           </a:xfrm>
           <a:prstGeom prst="rect">
             <a:avLst/>
@@ -2987,18 +2978,13 @@
               </a:spcAft>
             </a:pPr>
             <a:r>
-              <a:rPr lang="en-GB" sz="1200">
+              <a:rPr lang="en-GB" sz="1200" dirty="0">
                 <a:solidFill>
                   <a:srgbClr val="00376C"/>
                 </a:solidFill>
               </a:rPr>
-              <a:t>EO 2021 – Earth Observation Symposium</a:t>
+              <a:t>EO 2021 – Earth Observation Symposium – 14.07.2021</a:t>
             </a:r>
-            <a:endParaRPr lang="en-GB" sz="1200" dirty="0">
-              <a:solidFill>
-                <a:srgbClr val="00376C"/>
-              </a:solidFill>
-            </a:endParaRPr>
           </a:p>
         </p:txBody>
       </p:sp>
@@ -3048,8 +3034,8 @@
           <a:lstStyle/>
           <a:p>
             <a:r>
-              <a:rPr lang="en-GB" dirty="0"/>
-              <a:t>Project background &amp; RQs</a:t>
+              <a:rPr lang="en-GB" sz="2400" dirty="0"/>
+              <a:t>Research goal</a:t>
             </a:r>
           </a:p>
         </p:txBody>
@@ -3069,28 +3055,150 @@
           <a:bodyPr/>
           <a:lstStyle/>
           <a:p>
-            <a:pPr marL="457200" indent="-457200">
-              <a:buAutoNum type="arabicParenR"/>
+            <a:pPr marL="0" indent="0">
+              <a:buNone/>
+            </a:pPr>
+            <a:endParaRPr lang="en-GB" sz="1800" dirty="0"/>
+          </a:p>
+          <a:p>
+            <a:pPr marL="0" indent="0">
+              <a:buNone/>
+            </a:pPr>
+            <a:endParaRPr lang="en-GB" sz="1800" dirty="0"/>
+          </a:p>
+          <a:p>
+            <a:pPr marL="0" indent="0">
+              <a:buNone/>
+            </a:pPr>
+            <a:endParaRPr lang="en-GB" sz="1800" dirty="0"/>
+          </a:p>
+          <a:p>
+            <a:pPr marL="0" indent="0">
+              <a:buNone/>
+            </a:pPr>
+            <a:endParaRPr lang="en-GB" sz="1800" dirty="0"/>
+          </a:p>
+          <a:p>
+            <a:pPr marL="0" indent="0">
+              <a:buNone/>
+            </a:pPr>
+            <a:endParaRPr lang="en-GB" sz="1800" dirty="0"/>
+          </a:p>
+          <a:p>
+            <a:pPr marL="0" indent="0" algn="ctr">
+              <a:buNone/>
             </a:pPr>
             <a:r>
               <a:rPr lang="en-GB" dirty="0"/>
-              <a:t>How can narrowband indices derived from hyperspectral imagery be used to better map vegetation class fractions as compared to multispectral imagery? </a:t>
+              <a:t>Comparison of vegetation class fraction maps based on hyperspectral and multi-temporal multi-spectral imagery </a:t>
             </a:r>
           </a:p>
           <a:p>
-            <a:pPr marL="457200" indent="-457200">
-              <a:buAutoNum type="arabicParenR"/>
+            <a:pPr marL="0" indent="0" algn="ctr">
+              <a:buNone/>
             </a:pPr>
             <a:endParaRPr lang="en-GB" dirty="0"/>
           </a:p>
           <a:p>
-            <a:pPr marL="457200" indent="-457200">
-              <a:buAutoNum type="arabicParenR"/>
+            <a:pPr marL="0" indent="0">
+              <a:buNone/>
             </a:pPr>
             <a:endParaRPr lang="en-GB" dirty="0"/>
           </a:p>
           <a:p>
             <a:endParaRPr lang="en-GB" dirty="0"/>
+          </a:p>
+        </p:txBody>
+      </p:sp>
+      <p:sp>
+        <p:nvSpPr>
+          <p:cNvPr id="5" name="TextBox 1">
+            <a:extLst>
+              <a:ext uri="{FF2B5EF4-FFF2-40B4-BE49-F238E27FC236}">
+                <a16:creationId xmlns:a16="http://schemas.microsoft.com/office/drawing/2014/main" id="{C7B9F84F-BCA7-7A4D-AA34-5DFEBC7E65AE}"/>
+              </a:ext>
+            </a:extLst>
+          </p:cNvPr>
+          <p:cNvSpPr txBox="1"/>
+          <p:nvPr/>
+        </p:nvSpPr>
+        <p:spPr bwMode="auto">
+          <a:xfrm>
+            <a:off x="119336" y="6525344"/>
+            <a:ext cx="3134704" cy="276551"/>
+          </a:xfrm>
+          <a:prstGeom prst="rect">
+            <a:avLst/>
+          </a:prstGeom>
+          <a:solidFill>
+            <a:schemeClr val="bg1">
+              <a:alpha val="70195"/>
+            </a:schemeClr>
+          </a:solidFill>
+          <a:ln>
+            <a:noFill/>
+          </a:ln>
+          <a:effectLst/>
+          <a:extLst>
+            <a:ext uri="{91240B29-F687-4F45-9708-019B960494DF}">
+              <a14:hiddenLine xmlns:a14="http://schemas.microsoft.com/office/drawing/2010/main" w="9525" algn="ctr">
+                <a:solidFill>
+                  <a:schemeClr val="tx1"/>
+                </a:solidFill>
+                <a:miter lim="800000"/>
+                <a:headEnd/>
+                <a:tailEnd/>
+              </a14:hiddenLine>
+            </a:ext>
+            <a:ext uri="{AF507438-7753-43E0-B8FC-AC1667EBCBE1}">
+              <a14:hiddenEffects xmlns:a14="http://schemas.microsoft.com/office/drawing/2010/main">
+                <a:effectLst>
+                  <a:outerShdw dist="35921" dir="2700000" algn="ctr" rotWithShape="0">
+                    <a:schemeClr val="bg2"/>
+                  </a:outerShdw>
+                </a:effectLst>
+              </a14:hiddenEffects>
+            </a:ext>
+          </a:extLst>
+        </p:spPr>
+        <p:txBody>
+          <a:bodyPr wrap="none" rtlCol="0">
+            <a:spAutoFit/>
+          </a:bodyPr>
+          <a:lstStyle/>
+          <a:p>
+            <a:pPr algn="ctr" eaLnBrk="1" hangingPunct="1">
+              <a:lnSpc>
+                <a:spcPct val="110000"/>
+              </a:lnSpc>
+              <a:spcAft>
+                <a:spcPts val="300"/>
+              </a:spcAft>
+            </a:pPr>
+            <a:r>
+              <a:rPr lang="en-GB" sz="1200" dirty="0">
+                <a:solidFill>
+                  <a:srgbClr val="00376C"/>
+                </a:solidFill>
+              </a:rPr>
+              <a:t>Hyperspectral </a:t>
+            </a:r>
+            <a:r>
+              <a:rPr lang="en-GB" sz="1200" dirty="0" err="1">
+                <a:solidFill>
+                  <a:srgbClr val="00376C"/>
+                </a:solidFill>
+              </a:rPr>
+              <a:t>Unmixing</a:t>
+            </a:r>
+            <a:r>
+              <a:rPr lang="en-GB" sz="1200" dirty="0">
+                <a:solidFill>
+                  <a:srgbClr val="00376C"/>
+                </a:solidFill>
+              </a:rPr>
+              <a:t> – 14.07.2021</a:t>
+            </a:r>
           </a:p>
         </p:txBody>
       </p:sp>
@@ -3146,7 +3254,7 @@
           <a:lstStyle/>
           <a:p>
             <a:r>
-              <a:rPr lang="en-GB" dirty="0"/>
+              <a:rPr lang="en-GB" sz="2400" dirty="0"/>
               <a:t>Study Area</a:t>
             </a:r>
           </a:p>
@@ -3168,21 +3276,438 @@
             <p:ph idx="1"/>
           </p:nvPr>
         </p:nvSpPr>
-        <p:spPr/>
+        <p:spPr>
+          <a:xfrm>
+            <a:off x="695400" y="1351309"/>
+            <a:ext cx="10503841" cy="4525963"/>
+          </a:xfrm>
+        </p:spPr>
         <p:txBody>
           <a:bodyPr/>
           <a:lstStyle/>
           <a:p>
             <a:r>
-              <a:rPr lang="en-GB"/>
-              <a:t>North of Santa Rosa, California </a:t>
+              <a:rPr lang="en-GB" sz="1600" dirty="0"/>
+              <a:t>North of Santa Rosa, California (USA)</a:t>
             </a:r>
+          </a:p>
+          <a:p>
+            <a:r>
+              <a:rPr lang="en-GB" sz="1600" dirty="0"/>
+              <a:t>Extend:				approx. 72 km x 15 km</a:t>
+            </a:r>
+          </a:p>
+          <a:p>
+            <a:r>
+              <a:rPr lang="en-US" sz="1600" dirty="0"/>
+              <a:t>Time frame hyperspectral (</a:t>
+            </a:r>
+            <a:r>
+              <a:rPr lang="en-US" sz="1600" dirty="0" err="1"/>
+              <a:t>EnMAP</a:t>
+            </a:r>
+            <a:r>
+              <a:rPr lang="en-US" sz="1600" dirty="0"/>
+              <a:t>):</a:t>
+            </a:r>
+            <a:r>
+              <a:rPr lang="de-DE" sz="1600" dirty="0"/>
+              <a:t> 	07.06.</a:t>
+            </a:r>
+            <a:r>
+              <a:rPr lang="en-US" sz="1600" dirty="0"/>
+              <a:t>2013</a:t>
+            </a:r>
+          </a:p>
+          <a:p>
+            <a:r>
+              <a:rPr lang="en-US" sz="1600" dirty="0"/>
+              <a:t>Time frame Landsat:</a:t>
+            </a:r>
+            <a:r>
+              <a:rPr lang="de-DE" sz="1600" dirty="0"/>
+              <a:t>                      	02.01.</a:t>
+            </a:r>
+            <a:r>
+              <a:rPr lang="en-US" sz="1600" dirty="0"/>
+              <a:t>2013 – 28.12.2013</a:t>
+            </a:r>
+            <a:endParaRPr lang="de-DE" sz="1600" dirty="0"/>
+          </a:p>
+          <a:p>
+            <a:pPr marL="0" indent="0">
+              <a:buNone/>
+            </a:pPr>
+            <a:endParaRPr lang="en-GB" sz="1800" dirty="0"/>
           </a:p>
           <a:p>
             <a:pPr marL="0" indent="0">
               <a:buNone/>
             </a:pPr>
             <a:endParaRPr lang="en-GB" dirty="0"/>
+          </a:p>
+        </p:txBody>
+      </p:sp>
+      <p:sp>
+        <p:nvSpPr>
+          <p:cNvPr id="4" name="Rectangle 2">
+            <a:extLst>
+              <a:ext uri="{FF2B5EF4-FFF2-40B4-BE49-F238E27FC236}">
+                <a16:creationId xmlns:a16="http://schemas.microsoft.com/office/drawing/2014/main" id="{57AB79F0-5734-9546-859A-8B853CDAD7DF}"/>
+              </a:ext>
+            </a:extLst>
+          </p:cNvPr>
+          <p:cNvSpPr>
+            <a:spLocks noChangeArrowheads="1"/>
+          </p:cNvSpPr>
+          <p:nvPr/>
+        </p:nvSpPr>
+        <p:spPr bwMode="auto">
+          <a:xfrm>
+            <a:off x="1991544" y="2395736"/>
+            <a:ext cx="12192000" cy="457200"/>
+          </a:xfrm>
+          <a:prstGeom prst="rect">
+            <a:avLst/>
+          </a:prstGeom>
+          <a:noFill/>
+          <a:ln>
+            <a:noFill/>
+          </a:ln>
+          <a:effectLst/>
+          <a:extLst>
+            <a:ext uri="{909E8E84-426E-40DD-AFC4-6F175D3DCCD1}">
+              <a14:hiddenFill xmlns:a14="http://schemas.microsoft.com/office/drawing/2010/main">
+                <a:solidFill>
+                  <a:schemeClr val="accent1"/>
+                </a:solidFill>
+              </a14:hiddenFill>
+            </a:ext>
+            <a:ext uri="{91240B29-F687-4F45-9708-019B960494DF}">
+              <a14:hiddenLine xmlns:a14="http://schemas.microsoft.com/office/drawing/2010/main" w="9525">
+                <a:solidFill>
+                  <a:schemeClr val="tx1"/>
+                </a:solidFill>
+                <a:miter lim="800000"/>
+                <a:headEnd/>
+                <a:tailEnd/>
+              </a14:hiddenLine>
+            </a:ext>
+            <a:ext uri="{AF507438-7753-43E0-B8FC-AC1667EBCBE1}">
+              <a14:hiddenEffects xmlns:a14="http://schemas.microsoft.com/office/drawing/2010/main">
+                <a:effectLst>
+                  <a:outerShdw dist="35921" dir="2700000" algn="ctr" rotWithShape="0">
+                    <a:schemeClr val="bg2"/>
+                  </a:outerShdw>
+                </a:effectLst>
+              </a14:hiddenEffects>
+            </a:ext>
+          </a:extLst>
+        </p:spPr>
+        <p:txBody>
+          <a:bodyPr vert="horz" wrap="none" lIns="91440" tIns="45720" rIns="91440" bIns="45720" numCol="1" anchor="ctr" anchorCtr="0" compatLnSpc="1">
+            <a:prstTxWarp prst="textNoShape">
+              <a:avLst/>
+            </a:prstTxWarp>
+            <a:spAutoFit/>
+          </a:bodyPr>
+          <a:lstStyle/>
+          <a:p>
+            <a:endParaRPr lang="de-DE"/>
+          </a:p>
+        </p:txBody>
+      </p:sp>
+      <p:pic>
+        <p:nvPicPr>
+          <p:cNvPr id="1025" name="Grafik 5">
+            <a:extLst>
+              <a:ext uri="{FF2B5EF4-FFF2-40B4-BE49-F238E27FC236}">
+                <a16:creationId xmlns:a16="http://schemas.microsoft.com/office/drawing/2014/main" id="{B7B198F9-B031-8E42-8184-F49CD6DFDB77}"/>
+              </a:ext>
+            </a:extLst>
+          </p:cNvPr>
+          <p:cNvPicPr>
+            <a:picLocks noChangeAspect="1" noChangeArrowheads="1"/>
+          </p:cNvPicPr>
+          <p:nvPr/>
+        </p:nvPicPr>
+        <p:blipFill>
+          <a:blip r:embed="rId2">
+            <a:extLst>
+              <a:ext uri="{28A0092B-C50C-407E-A947-70E740481C1C}">
+                <a14:useLocalDpi xmlns:a14="http://schemas.microsoft.com/office/drawing/2010/main" val="0"/>
+              </a:ext>
+            </a:extLst>
+          </a:blip>
+          <a:srcRect/>
+          <a:stretch>
+            <a:fillRect/>
+          </a:stretch>
+        </p:blipFill>
+        <p:spPr bwMode="auto">
+          <a:xfrm>
+            <a:off x="2207568" y="2780756"/>
+            <a:ext cx="7919664" cy="3024508"/>
+          </a:xfrm>
+          <a:prstGeom prst="rect">
+            <a:avLst/>
+          </a:prstGeom>
+          <a:noFill/>
+          <a:extLst>
+            <a:ext uri="{909E8E84-426E-40DD-AFC4-6F175D3DCCD1}">
+              <a14:hiddenFill xmlns:a14="http://schemas.microsoft.com/office/drawing/2010/main">
+                <a:solidFill>
+                  <a:srgbClr val="FFFFFF"/>
+                </a:solidFill>
+              </a14:hiddenFill>
+            </a:ext>
+          </a:extLst>
+        </p:spPr>
+      </p:pic>
+      <p:sp>
+        <p:nvSpPr>
+          <p:cNvPr id="5" name="Rectangle 3">
+            <a:extLst>
+              <a:ext uri="{FF2B5EF4-FFF2-40B4-BE49-F238E27FC236}">
+                <a16:creationId xmlns:a16="http://schemas.microsoft.com/office/drawing/2014/main" id="{3F1D03E0-62A3-8744-A059-58368231D25A}"/>
+              </a:ext>
+            </a:extLst>
+          </p:cNvPr>
+          <p:cNvSpPr>
+            <a:spLocks noChangeArrowheads="1"/>
+          </p:cNvSpPr>
+          <p:nvPr/>
+        </p:nvSpPr>
+        <p:spPr bwMode="auto">
+          <a:xfrm>
+            <a:off x="3575720" y="5963482"/>
+            <a:ext cx="5104281" cy="338554"/>
+          </a:xfrm>
+          <a:prstGeom prst="rect">
+            <a:avLst/>
+          </a:prstGeom>
+          <a:noFill/>
+          <a:ln>
+            <a:noFill/>
+          </a:ln>
+          <a:effectLst/>
+          <a:extLst>
+            <a:ext uri="{909E8E84-426E-40DD-AFC4-6F175D3DCCD1}">
+              <a14:hiddenFill xmlns:a14="http://schemas.microsoft.com/office/drawing/2010/main">
+                <a:solidFill>
+                  <a:schemeClr val="accent1"/>
+                </a:solidFill>
+              </a14:hiddenFill>
+            </a:ext>
+            <a:ext uri="{91240B29-F687-4F45-9708-019B960494DF}">
+              <a14:hiddenLine xmlns:a14="http://schemas.microsoft.com/office/drawing/2010/main" w="9525">
+                <a:solidFill>
+                  <a:schemeClr val="tx1"/>
+                </a:solidFill>
+                <a:miter lim="800000"/>
+                <a:headEnd/>
+                <a:tailEnd/>
+              </a14:hiddenLine>
+            </a:ext>
+            <a:ext uri="{AF507438-7753-43E0-B8FC-AC1667EBCBE1}">
+              <a14:hiddenEffects xmlns:a14="http://schemas.microsoft.com/office/drawing/2010/main">
+                <a:effectLst>
+                  <a:outerShdw dist="35921" dir="2700000" algn="ctr" rotWithShape="0">
+                    <a:schemeClr val="bg2"/>
+                  </a:outerShdw>
+                </a:effectLst>
+              </a14:hiddenEffects>
+            </a:ext>
+          </a:extLst>
+        </p:spPr>
+        <p:txBody>
+          <a:bodyPr vert="horz" wrap="none" lIns="91440" tIns="45720" rIns="91440" bIns="45720" numCol="1" anchor="ctr" anchorCtr="0" compatLnSpc="1">
+            <a:prstTxWarp prst="textNoShape">
+              <a:avLst/>
+            </a:prstTxWarp>
+            <a:spAutoFit/>
+          </a:bodyPr>
+          <a:lstStyle/>
+          <a:p>
+            <a:pPr marL="0" marR="0" lvl="0" indent="0" algn="ctr" defTabSz="914400" rtl="0" eaLnBrk="0" fontAlgn="base" latinLnBrk="0" hangingPunct="0">
+              <a:lnSpc>
+                <a:spcPct val="100000"/>
+              </a:lnSpc>
+              <a:spcBef>
+                <a:spcPct val="0"/>
+              </a:spcBef>
+              <a:spcAft>
+                <a:spcPct val="0"/>
+              </a:spcAft>
+              <a:buClrTx/>
+              <a:buSzTx/>
+              <a:buFontTx/>
+              <a:buNone/>
+              <a:tabLst/>
+            </a:pPr>
+            <a:r>
+              <a:rPr kumimoji="0" lang="en-US" altLang="de-DE" sz="800" b="1" i="0" u="none" strike="noStrike" cap="none" normalizeH="0" baseline="0" dirty="0">
+                <a:ln>
+                  <a:noFill/>
+                </a:ln>
+                <a:solidFill>
+                  <a:srgbClr val="002060"/>
+                </a:solidFill>
+                <a:effectLst/>
+                <a:ea typeface="Verdana" panose="020B0604030504040204" pitchFamily="34" charset="0"/>
+                <a:cs typeface="Verdana" panose="020B0604030504040204" pitchFamily="34" charset="0"/>
+              </a:rPr>
+              <a:t>Fig.  1:</a:t>
+            </a:r>
+            <a:r>
+              <a:rPr kumimoji="0" lang="en-US" altLang="de-DE" sz="800" b="0" i="0" u="none" strike="noStrike" cap="none" normalizeH="0" baseline="0" dirty="0">
+                <a:ln>
+                  <a:noFill/>
+                </a:ln>
+                <a:solidFill>
+                  <a:srgbClr val="002060"/>
+                </a:solidFill>
+                <a:effectLst/>
+                <a:ea typeface="Verdana" panose="020B0604030504040204" pitchFamily="34" charset="0"/>
+                <a:cs typeface="Verdana" panose="020B0604030504040204" pitchFamily="34" charset="0"/>
+              </a:rPr>
+              <a:t> Overview of the study area </a:t>
+            </a:r>
+          </a:p>
+          <a:p>
+            <a:pPr marL="0" marR="0" lvl="0" indent="0" algn="ctr" defTabSz="914400" rtl="0" eaLnBrk="0" fontAlgn="base" latinLnBrk="0" hangingPunct="0">
+              <a:lnSpc>
+                <a:spcPct val="100000"/>
+              </a:lnSpc>
+              <a:spcBef>
+                <a:spcPct val="0"/>
+              </a:spcBef>
+              <a:spcAft>
+                <a:spcPct val="0"/>
+              </a:spcAft>
+              <a:buClrTx/>
+              <a:buSzTx/>
+              <a:buFontTx/>
+              <a:buNone/>
+              <a:tabLst/>
+            </a:pPr>
+            <a:r>
+              <a:rPr kumimoji="0" lang="en-US" altLang="de-DE" sz="800" b="0" i="0" u="none" strike="noStrike" cap="none" normalizeH="0" baseline="0" dirty="0">
+                <a:ln>
+                  <a:noFill/>
+                </a:ln>
+                <a:solidFill>
+                  <a:srgbClr val="002060"/>
+                </a:solidFill>
+                <a:effectLst/>
+                <a:ea typeface="Verdana" panose="020B0604030504040204" pitchFamily="34" charset="0"/>
+                <a:cs typeface="Verdana" panose="020B0604030504040204" pitchFamily="34" charset="0"/>
+              </a:rPr>
+              <a:t>(Data provided by HU Berlin Earth Observation department, 2021 and Open Street Map, 2021)</a:t>
+            </a:r>
+            <a:endParaRPr kumimoji="0" lang="en-US" altLang="de-DE" sz="1800" b="0" i="0" u="none" strike="noStrike" cap="none" normalizeH="0" baseline="0" dirty="0">
+              <a:ln>
+                <a:noFill/>
+              </a:ln>
+              <a:solidFill>
+                <a:srgbClr val="002060"/>
+              </a:solidFill>
+              <a:effectLst/>
+              <a:ea typeface="Verdana" panose="020B0604030504040204" pitchFamily="34" charset="0"/>
+              <a:cs typeface="Verdana" panose="020B0604030504040204" pitchFamily="34" charset="0"/>
+            </a:endParaRPr>
+          </a:p>
+        </p:txBody>
+      </p:sp>
+      <p:sp>
+        <p:nvSpPr>
+          <p:cNvPr id="8" name="TextBox 1">
+            <a:extLst>
+              <a:ext uri="{FF2B5EF4-FFF2-40B4-BE49-F238E27FC236}">
+                <a16:creationId xmlns:a16="http://schemas.microsoft.com/office/drawing/2014/main" id="{917CDC79-7894-9C48-80A6-9D8E9D7881D0}"/>
+              </a:ext>
+            </a:extLst>
+          </p:cNvPr>
+          <p:cNvSpPr txBox="1"/>
+          <p:nvPr/>
+        </p:nvSpPr>
+        <p:spPr bwMode="auto">
+          <a:xfrm>
+            <a:off x="119336" y="6525344"/>
+            <a:ext cx="3134704" cy="276551"/>
+          </a:xfrm>
+          <a:prstGeom prst="rect">
+            <a:avLst/>
+          </a:prstGeom>
+          <a:solidFill>
+            <a:schemeClr val="bg1">
+              <a:alpha val="70195"/>
+            </a:schemeClr>
+          </a:solidFill>
+          <a:ln>
+            <a:noFill/>
+          </a:ln>
+          <a:effectLst/>
+          <a:extLst>
+            <a:ext uri="{91240B29-F687-4F45-9708-019B960494DF}">
+              <a14:hiddenLine xmlns:a14="http://schemas.microsoft.com/office/drawing/2010/main" w="9525" algn="ctr">
+                <a:solidFill>
+                  <a:schemeClr val="tx1"/>
+                </a:solidFill>
+                <a:miter lim="800000"/>
+                <a:headEnd/>
+                <a:tailEnd/>
+              </a14:hiddenLine>
+            </a:ext>
+            <a:ext uri="{AF507438-7753-43E0-B8FC-AC1667EBCBE1}">
+              <a14:hiddenEffects xmlns:a14="http://schemas.microsoft.com/office/drawing/2010/main">
+                <a:effectLst>
+                  <a:outerShdw dist="35921" dir="2700000" algn="ctr" rotWithShape="0">
+                    <a:schemeClr val="bg2"/>
+                  </a:outerShdw>
+                </a:effectLst>
+              </a14:hiddenEffects>
+            </a:ext>
+          </a:extLst>
+        </p:spPr>
+        <p:txBody>
+          <a:bodyPr wrap="none" rtlCol="0">
+            <a:spAutoFit/>
+          </a:bodyPr>
+          <a:lstStyle/>
+          <a:p>
+            <a:pPr algn="ctr" eaLnBrk="1" hangingPunct="1">
+              <a:lnSpc>
+                <a:spcPct val="110000"/>
+              </a:lnSpc>
+              <a:spcAft>
+                <a:spcPts val="300"/>
+              </a:spcAft>
+            </a:pPr>
+            <a:r>
+              <a:rPr lang="en-GB" sz="1200" dirty="0">
+                <a:solidFill>
+                  <a:srgbClr val="00376C"/>
+                </a:solidFill>
+              </a:rPr>
+              <a:t>Hyperspectral </a:t>
+            </a:r>
+            <a:r>
+              <a:rPr lang="en-GB" sz="1200" dirty="0" err="1">
+                <a:solidFill>
+                  <a:srgbClr val="00376C"/>
+                </a:solidFill>
+              </a:rPr>
+              <a:t>Unmixing</a:t>
+            </a:r>
+            <a:r>
+              <a:rPr lang="en-GB" sz="1200" dirty="0">
+                <a:solidFill>
+                  <a:srgbClr val="00376C"/>
+                </a:solidFill>
+              </a:rPr>
+              <a:t> – 14.07.2021</a:t>
+            </a:r>
           </a:p>
         </p:txBody>
       </p:sp>
@@ -3238,37 +3763,388 @@
           <a:lstStyle/>
           <a:p>
             <a:r>
-              <a:rPr lang="en-GB" dirty="0"/>
+              <a:rPr lang="en-GB" sz="2400" dirty="0"/>
               <a:t>Workflow</a:t>
+            </a:r>
+          </a:p>
+        </p:txBody>
+      </p:sp>
+      <p:pic>
+        <p:nvPicPr>
+          <p:cNvPr id="6" name="Grafik 5">
+            <a:extLst>
+              <a:ext uri="{FF2B5EF4-FFF2-40B4-BE49-F238E27FC236}">
+                <a16:creationId xmlns:a16="http://schemas.microsoft.com/office/drawing/2014/main" id="{F3149C3D-28FD-6749-9BD6-1215F40BA499}"/>
+              </a:ext>
+            </a:extLst>
+          </p:cNvPr>
+          <p:cNvPicPr>
+            <a:picLocks noChangeAspect="1"/>
+          </p:cNvPicPr>
+          <p:nvPr/>
+        </p:nvPicPr>
+        <p:blipFill>
+          <a:blip r:embed="rId2">
+            <a:extLst>
+              <a:ext uri="{28A0092B-C50C-407E-A947-70E740481C1C}">
+                <a14:useLocalDpi xmlns:a14="http://schemas.microsoft.com/office/drawing/2010/main" val="0"/>
+              </a:ext>
+            </a:extLst>
+          </a:blip>
+          <a:stretch>
+            <a:fillRect/>
+          </a:stretch>
+        </p:blipFill>
+        <p:spPr>
+          <a:xfrm>
+            <a:off x="3287688" y="836712"/>
+            <a:ext cx="4927600" cy="5867400"/>
+          </a:xfrm>
+          <a:prstGeom prst="rect">
+            <a:avLst/>
+          </a:prstGeom>
+        </p:spPr>
+      </p:pic>
+      <p:sp>
+        <p:nvSpPr>
+          <p:cNvPr id="7" name="Rechteck 6">
+            <a:extLst>
+              <a:ext uri="{FF2B5EF4-FFF2-40B4-BE49-F238E27FC236}">
+                <a16:creationId xmlns:a16="http://schemas.microsoft.com/office/drawing/2014/main" id="{71B9AD5B-D885-914E-BFAE-5DE33882B91F}"/>
+              </a:ext>
+            </a:extLst>
+          </p:cNvPr>
+          <p:cNvSpPr/>
+          <p:nvPr/>
+        </p:nvSpPr>
+        <p:spPr>
+          <a:xfrm>
+            <a:off x="8049770" y="6540508"/>
+            <a:ext cx="1627369" cy="246221"/>
+          </a:xfrm>
+          <a:prstGeom prst="rect">
+            <a:avLst/>
+          </a:prstGeom>
+        </p:spPr>
+        <p:txBody>
+          <a:bodyPr wrap="none">
+            <a:spAutoFit/>
+          </a:bodyPr>
+          <a:lstStyle/>
+          <a:p>
+            <a:pPr lvl="0" algn="ctr"/>
+            <a:r>
+              <a:rPr lang="en-US" altLang="de-DE" b="1" dirty="0">
+                <a:solidFill>
+                  <a:srgbClr val="002060"/>
+                </a:solidFill>
+                <a:ea typeface="Verdana" panose="020B0604030504040204" pitchFamily="34" charset="0"/>
+                <a:cs typeface="Verdana" panose="020B0604030504040204" pitchFamily="34" charset="0"/>
+              </a:rPr>
+              <a:t>Fig.  2:</a:t>
+            </a:r>
+            <a:r>
+              <a:rPr lang="en-US" altLang="de-DE" dirty="0">
+                <a:solidFill>
+                  <a:srgbClr val="002060"/>
+                </a:solidFill>
+                <a:ea typeface="Verdana" panose="020B0604030504040204" pitchFamily="34" charset="0"/>
+                <a:cs typeface="Verdana" panose="020B0604030504040204" pitchFamily="34" charset="0"/>
+              </a:rPr>
+              <a:t> Workflow </a:t>
+            </a:r>
+            <a:r>
+              <a:rPr lang="en-US" altLang="de-DE" i="1" dirty="0">
+                <a:solidFill>
+                  <a:srgbClr val="002060"/>
+                </a:solidFill>
+                <a:ea typeface="Verdana" panose="020B0604030504040204" pitchFamily="34" charset="0"/>
+                <a:cs typeface="Verdana" panose="020B0604030504040204" pitchFamily="34" charset="0"/>
+              </a:rPr>
+              <a:t>V.5</a:t>
             </a:r>
           </a:p>
         </p:txBody>
       </p:sp>
       <p:sp>
         <p:nvSpPr>
-          <p:cNvPr id="3" name="Content Placeholder 2">
+          <p:cNvPr id="8" name="TextBox 1">
             <a:extLst>
               <a:ext uri="{FF2B5EF4-FFF2-40B4-BE49-F238E27FC236}">
-                <a16:creationId xmlns:a16="http://schemas.microsoft.com/office/drawing/2014/main" id="{A22386E6-22E2-574F-9622-ABDF5FCD5BD3}"/>
+                <a16:creationId xmlns:a16="http://schemas.microsoft.com/office/drawing/2014/main" id="{9B8827C1-AADA-FE4F-A973-52CA920E13D8}"/>
               </a:ext>
             </a:extLst>
           </p:cNvPr>
-          <p:cNvSpPr>
-            <a:spLocks noGrp="1"/>
-          </p:cNvSpPr>
-          <p:nvPr>
-            <p:ph idx="1"/>
-          </p:nvPr>
+          <p:cNvSpPr txBox="1"/>
+          <p:nvPr/>
         </p:nvSpPr>
-        <p:spPr/>
+        <p:spPr bwMode="auto">
+          <a:xfrm>
+            <a:off x="119336" y="6525344"/>
+            <a:ext cx="3134704" cy="276551"/>
+          </a:xfrm>
+          <a:prstGeom prst="rect">
+            <a:avLst/>
+          </a:prstGeom>
+          <a:solidFill>
+            <a:schemeClr val="bg1">
+              <a:alpha val="70195"/>
+            </a:schemeClr>
+          </a:solidFill>
+          <a:ln>
+            <a:noFill/>
+          </a:ln>
+          <a:effectLst/>
+          <a:extLst>
+            <a:ext uri="{91240B29-F687-4F45-9708-019B960494DF}">
+              <a14:hiddenLine xmlns:a14="http://schemas.microsoft.com/office/drawing/2010/main" w="9525" algn="ctr">
+                <a:solidFill>
+                  <a:schemeClr val="tx1"/>
+                </a:solidFill>
+                <a:miter lim="800000"/>
+                <a:headEnd/>
+                <a:tailEnd/>
+              </a14:hiddenLine>
+            </a:ext>
+            <a:ext uri="{AF507438-7753-43E0-B8FC-AC1667EBCBE1}">
+              <a14:hiddenEffects xmlns:a14="http://schemas.microsoft.com/office/drawing/2010/main">
+                <a:effectLst>
+                  <a:outerShdw dist="35921" dir="2700000" algn="ctr" rotWithShape="0">
+                    <a:schemeClr val="bg2"/>
+                  </a:outerShdw>
+                </a:effectLst>
+              </a14:hiddenEffects>
+            </a:ext>
+          </a:extLst>
+        </p:spPr>
         <p:txBody>
-          <a:bodyPr/>
+          <a:bodyPr wrap="none" rtlCol="0">
+            <a:spAutoFit/>
+          </a:bodyPr>
           <a:lstStyle/>
           <a:p>
-            <a:pPr marL="0" indent="0">
-              <a:buNone/>
+            <a:pPr algn="ctr" eaLnBrk="1" hangingPunct="1">
+              <a:lnSpc>
+                <a:spcPct val="110000"/>
+              </a:lnSpc>
+              <a:spcAft>
+                <a:spcPts val="300"/>
+              </a:spcAft>
             </a:pPr>
-            <a:endParaRPr lang="en-GB" dirty="0"/>
+            <a:r>
+              <a:rPr lang="en-GB" sz="1200" dirty="0">
+                <a:solidFill>
+                  <a:srgbClr val="00376C"/>
+                </a:solidFill>
+              </a:rPr>
+              <a:t>Hyperspectral </a:t>
+            </a:r>
+            <a:r>
+              <a:rPr lang="en-GB" sz="1200" dirty="0" err="1">
+                <a:solidFill>
+                  <a:srgbClr val="00376C"/>
+                </a:solidFill>
+              </a:rPr>
+              <a:t>Unmixing</a:t>
+            </a:r>
+            <a:r>
+              <a:rPr lang="en-GB" sz="1200" dirty="0">
+                <a:solidFill>
+                  <a:srgbClr val="00376C"/>
+                </a:solidFill>
+              </a:rPr>
+              <a:t> – 14.07.2021</a:t>
+            </a:r>
+          </a:p>
+        </p:txBody>
+      </p:sp>
+      <p:sp>
+        <p:nvSpPr>
+          <p:cNvPr id="10" name="Rechteck 9">
+            <a:extLst>
+              <a:ext uri="{FF2B5EF4-FFF2-40B4-BE49-F238E27FC236}">
+                <a16:creationId xmlns:a16="http://schemas.microsoft.com/office/drawing/2014/main" id="{8F67C145-D079-9D40-A7D4-C7A7DCB67562}"/>
+              </a:ext>
+            </a:extLst>
+          </p:cNvPr>
+          <p:cNvSpPr/>
+          <p:nvPr/>
+        </p:nvSpPr>
+        <p:spPr>
+          <a:xfrm>
+            <a:off x="7505104" y="3140968"/>
+            <a:ext cx="679128" cy="648072"/>
+          </a:xfrm>
+          <a:prstGeom prst="rect">
+            <a:avLst/>
+          </a:prstGeom>
+          <a:noFill/>
+          <a:ln>
+            <a:solidFill>
+              <a:srgbClr val="FF0000"/>
+            </a:solidFill>
+          </a:ln>
+        </p:spPr>
+        <p:style>
+          <a:lnRef idx="2">
+            <a:schemeClr val="accent1">
+              <a:shade val="50000"/>
+            </a:schemeClr>
+          </a:lnRef>
+          <a:fillRef idx="1">
+            <a:schemeClr val="accent1"/>
+          </a:fillRef>
+          <a:effectRef idx="0">
+            <a:schemeClr val="accent1"/>
+          </a:effectRef>
+          <a:fontRef idx="minor">
+            <a:schemeClr val="lt1"/>
+          </a:fontRef>
+        </p:style>
+        <p:txBody>
+          <a:bodyPr rtlCol="0" anchor="ctr"/>
+          <a:lstStyle/>
+          <a:p>
+            <a:pPr algn="ctr"/>
+            <a:endParaRPr lang="de-DE"/>
+          </a:p>
+        </p:txBody>
+      </p:sp>
+      <p:sp>
+        <p:nvSpPr>
+          <p:cNvPr id="11" name="Rechteck 10">
+            <a:extLst>
+              <a:ext uri="{FF2B5EF4-FFF2-40B4-BE49-F238E27FC236}">
+                <a16:creationId xmlns:a16="http://schemas.microsoft.com/office/drawing/2014/main" id="{F11F7FD0-1F86-354C-BAFD-AE64F868BF0B}"/>
+              </a:ext>
+            </a:extLst>
+          </p:cNvPr>
+          <p:cNvSpPr/>
+          <p:nvPr/>
+        </p:nvSpPr>
+        <p:spPr>
+          <a:xfrm>
+            <a:off x="6208960" y="5589240"/>
+            <a:ext cx="679128" cy="648072"/>
+          </a:xfrm>
+          <a:prstGeom prst="rect">
+            <a:avLst/>
+          </a:prstGeom>
+          <a:noFill/>
+          <a:ln>
+            <a:solidFill>
+              <a:srgbClr val="00B050"/>
+            </a:solidFill>
+            <a:prstDash val="sysDash"/>
+          </a:ln>
+        </p:spPr>
+        <p:style>
+          <a:lnRef idx="2">
+            <a:schemeClr val="accent1">
+              <a:shade val="50000"/>
+            </a:schemeClr>
+          </a:lnRef>
+          <a:fillRef idx="1">
+            <a:schemeClr val="accent1"/>
+          </a:fillRef>
+          <a:effectRef idx="0">
+            <a:schemeClr val="accent1"/>
+          </a:effectRef>
+          <a:fontRef idx="minor">
+            <a:schemeClr val="lt1"/>
+          </a:fontRef>
+        </p:style>
+        <p:txBody>
+          <a:bodyPr rtlCol="0" anchor="ctr"/>
+          <a:lstStyle/>
+          <a:p>
+            <a:pPr algn="ctr"/>
+            <a:endParaRPr lang="de-DE"/>
+          </a:p>
+        </p:txBody>
+      </p:sp>
+      <p:sp>
+        <p:nvSpPr>
+          <p:cNvPr id="12" name="Rechteck 11">
+            <a:extLst>
+              <a:ext uri="{FF2B5EF4-FFF2-40B4-BE49-F238E27FC236}">
+                <a16:creationId xmlns:a16="http://schemas.microsoft.com/office/drawing/2014/main" id="{42A0C9D8-96C2-AA4A-A6B2-43570297EBAD}"/>
+              </a:ext>
+            </a:extLst>
+          </p:cNvPr>
+          <p:cNvSpPr/>
+          <p:nvPr/>
+        </p:nvSpPr>
+        <p:spPr>
+          <a:xfrm>
+            <a:off x="8400256" y="3582507"/>
+            <a:ext cx="2399341" cy="246221"/>
+          </a:xfrm>
+          <a:prstGeom prst="rect">
+            <a:avLst/>
+          </a:prstGeom>
+        </p:spPr>
+        <p:txBody>
+          <a:bodyPr wrap="square">
+            <a:spAutoFit/>
+          </a:bodyPr>
+          <a:lstStyle/>
+          <a:p>
+            <a:pPr lvl="0" algn="ctr"/>
+            <a:r>
+              <a:rPr lang="en-US" altLang="de-DE" i="1" dirty="0">
+                <a:solidFill>
+                  <a:srgbClr val="FF0000"/>
+                </a:solidFill>
+                <a:ea typeface="Verdana" panose="020B0604030504040204" pitchFamily="34" charset="0"/>
+                <a:cs typeface="Verdana" panose="020B0604030504040204" pitchFamily="34" charset="0"/>
+              </a:rPr>
+              <a:t>Calculation (RAM?) issue for STMs</a:t>
+            </a:r>
+          </a:p>
+        </p:txBody>
+      </p:sp>
+      <p:sp>
+        <p:nvSpPr>
+          <p:cNvPr id="13" name="Rechteck 12">
+            <a:extLst>
+              <a:ext uri="{FF2B5EF4-FFF2-40B4-BE49-F238E27FC236}">
+                <a16:creationId xmlns:a16="http://schemas.microsoft.com/office/drawing/2014/main" id="{EE2D9976-5C7B-7142-9B33-FAA0C7D42B26}"/>
+              </a:ext>
+            </a:extLst>
+          </p:cNvPr>
+          <p:cNvSpPr/>
+          <p:nvPr/>
+        </p:nvSpPr>
+        <p:spPr>
+          <a:xfrm>
+            <a:off x="8400256" y="5837202"/>
+            <a:ext cx="2399341" cy="400110"/>
+          </a:xfrm>
+          <a:prstGeom prst="rect">
+            <a:avLst/>
+          </a:prstGeom>
+          <a:solidFill>
+            <a:schemeClr val="bg1"/>
+          </a:solidFill>
+        </p:spPr>
+        <p:txBody>
+          <a:bodyPr wrap="square">
+            <a:spAutoFit/>
+          </a:bodyPr>
+          <a:lstStyle/>
+          <a:p>
+            <a:pPr lvl="0" algn="ctr"/>
+            <a:r>
+              <a:rPr lang="en-US" altLang="de-DE" i="1" dirty="0">
+                <a:solidFill>
+                  <a:srgbClr val="00B050"/>
+                </a:solidFill>
+                <a:ea typeface="Verdana" panose="020B0604030504040204" pitchFamily="34" charset="0"/>
+                <a:cs typeface="Verdana" panose="020B0604030504040204" pitchFamily="34" charset="0"/>
+              </a:rPr>
+              <a:t>Current step, first results on next slide</a:t>
+            </a:r>
           </a:p>
         </p:txBody>
       </p:sp>
@@ -3324,7 +4200,7 @@
           <a:lstStyle/>
           <a:p>
             <a:r>
-              <a:rPr lang="en-GB" dirty="0"/>
+              <a:rPr lang="en-GB" sz="2400" dirty="0"/>
               <a:t>Map</a:t>
             </a:r>
           </a:p>
@@ -3332,26 +4208,151 @@
       </p:sp>
       <p:sp>
         <p:nvSpPr>
-          <p:cNvPr id="3" name="Content Placeholder 2">
+          <p:cNvPr id="5" name="TextBox 1">
             <a:extLst>
               <a:ext uri="{FF2B5EF4-FFF2-40B4-BE49-F238E27FC236}">
-                <a16:creationId xmlns:a16="http://schemas.microsoft.com/office/drawing/2014/main" id="{DEDFE9A5-9309-124E-93B9-DBA0C01FB93A}"/>
+                <a16:creationId xmlns:a16="http://schemas.microsoft.com/office/drawing/2014/main" id="{5BFFB6AA-6691-2E41-BF2E-C548D7E23AAF}"/>
               </a:ext>
             </a:extLst>
           </p:cNvPr>
-          <p:cNvSpPr>
-            <a:spLocks noGrp="1"/>
-          </p:cNvSpPr>
-          <p:nvPr>
-            <p:ph idx="1"/>
-          </p:nvPr>
+          <p:cNvSpPr txBox="1"/>
+          <p:nvPr/>
         </p:nvSpPr>
-        <p:spPr/>
+        <p:spPr bwMode="auto">
+          <a:xfrm>
+            <a:off x="119336" y="6525344"/>
+            <a:ext cx="3134704" cy="276551"/>
+          </a:xfrm>
+          <a:prstGeom prst="rect">
+            <a:avLst/>
+          </a:prstGeom>
+          <a:solidFill>
+            <a:schemeClr val="bg1">
+              <a:alpha val="70195"/>
+            </a:schemeClr>
+          </a:solidFill>
+          <a:ln>
+            <a:noFill/>
+          </a:ln>
+          <a:effectLst/>
+          <a:extLst>
+            <a:ext uri="{91240B29-F687-4F45-9708-019B960494DF}">
+              <a14:hiddenLine xmlns:a14="http://schemas.microsoft.com/office/drawing/2010/main" w="9525" algn="ctr">
+                <a:solidFill>
+                  <a:schemeClr val="tx1"/>
+                </a:solidFill>
+                <a:miter lim="800000"/>
+                <a:headEnd/>
+                <a:tailEnd/>
+              </a14:hiddenLine>
+            </a:ext>
+            <a:ext uri="{AF507438-7753-43E0-B8FC-AC1667EBCBE1}">
+              <a14:hiddenEffects xmlns:a14="http://schemas.microsoft.com/office/drawing/2010/main">
+                <a:effectLst>
+                  <a:outerShdw dist="35921" dir="2700000" algn="ctr" rotWithShape="0">
+                    <a:schemeClr val="bg2"/>
+                  </a:outerShdw>
+                </a:effectLst>
+              </a14:hiddenEffects>
+            </a:ext>
+          </a:extLst>
+        </p:spPr>
         <p:txBody>
-          <a:bodyPr/>
+          <a:bodyPr wrap="none" rtlCol="0">
+            <a:spAutoFit/>
+          </a:bodyPr>
           <a:lstStyle/>
           <a:p>
-            <a:endParaRPr lang="en-GB"/>
+            <a:pPr algn="ctr" eaLnBrk="1" hangingPunct="1">
+              <a:lnSpc>
+                <a:spcPct val="110000"/>
+              </a:lnSpc>
+              <a:spcAft>
+                <a:spcPts val="300"/>
+              </a:spcAft>
+            </a:pPr>
+            <a:r>
+              <a:rPr lang="en-GB" sz="1200" dirty="0">
+                <a:solidFill>
+                  <a:srgbClr val="00376C"/>
+                </a:solidFill>
+              </a:rPr>
+              <a:t>Hyperspectral </a:t>
+            </a:r>
+            <a:r>
+              <a:rPr lang="en-GB" sz="1200" dirty="0" err="1">
+                <a:solidFill>
+                  <a:srgbClr val="00376C"/>
+                </a:solidFill>
+              </a:rPr>
+              <a:t>Unmixing</a:t>
+            </a:r>
+            <a:r>
+              <a:rPr lang="en-GB" sz="1200" dirty="0">
+                <a:solidFill>
+                  <a:srgbClr val="00376C"/>
+                </a:solidFill>
+              </a:rPr>
+              <a:t> – 14.07.2021</a:t>
+            </a:r>
+          </a:p>
+        </p:txBody>
+      </p:sp>
+      <p:sp>
+        <p:nvSpPr>
+          <p:cNvPr id="6" name="Rechteck 5">
+            <a:extLst>
+              <a:ext uri="{FF2B5EF4-FFF2-40B4-BE49-F238E27FC236}">
+                <a16:creationId xmlns:a16="http://schemas.microsoft.com/office/drawing/2014/main" id="{193AFE63-5BBC-AF4B-960A-A5A302CA62AF}"/>
+              </a:ext>
+            </a:extLst>
+          </p:cNvPr>
+          <p:cNvSpPr/>
+          <p:nvPr/>
+        </p:nvSpPr>
+        <p:spPr>
+          <a:xfrm>
+            <a:off x="4250777" y="6165304"/>
+            <a:ext cx="3260829" cy="246221"/>
+          </a:xfrm>
+          <a:prstGeom prst="rect">
+            <a:avLst/>
+          </a:prstGeom>
+        </p:spPr>
+        <p:txBody>
+          <a:bodyPr wrap="none">
+            <a:spAutoFit/>
+          </a:bodyPr>
+          <a:lstStyle/>
+          <a:p>
+            <a:pPr lvl="0" algn="ctr"/>
+            <a:r>
+              <a:rPr lang="en-US" altLang="de-DE" b="1" dirty="0">
+                <a:solidFill>
+                  <a:srgbClr val="002060"/>
+                </a:solidFill>
+                <a:ea typeface="Verdana" panose="020B0604030504040204" pitchFamily="34" charset="0"/>
+                <a:cs typeface="Verdana" panose="020B0604030504040204" pitchFamily="34" charset="0"/>
+              </a:rPr>
+              <a:t>Fig.  3:</a:t>
+            </a:r>
+            <a:r>
+              <a:rPr lang="en-US" altLang="de-DE" dirty="0">
+                <a:solidFill>
+                  <a:srgbClr val="002060"/>
+                </a:solidFill>
+                <a:ea typeface="Verdana" panose="020B0604030504040204" pitchFamily="34" charset="0"/>
+                <a:cs typeface="Verdana" panose="020B0604030504040204" pitchFamily="34" charset="0"/>
+              </a:rPr>
+              <a:t> Map 1 (Non-Vegetation vs. Vegetation)</a:t>
+            </a:r>
+            <a:endParaRPr lang="en-US" altLang="de-DE" i="1" dirty="0">
+              <a:solidFill>
+                <a:srgbClr val="002060"/>
+              </a:solidFill>
+              <a:ea typeface="Verdana" panose="020B0604030504040204" pitchFamily="34" charset="0"/>
+              <a:cs typeface="Verdana" panose="020B0604030504040204" pitchFamily="34" charset="0"/>
+            </a:endParaRPr>
           </a:p>
         </p:txBody>
       </p:sp>
@@ -3437,6 +4438,98 @@
             <a:r>
               <a:rPr lang="en-GB" dirty="0"/>
               <a:t>three main results</a:t>
+            </a:r>
+          </a:p>
+        </p:txBody>
+      </p:sp>
+      <p:sp>
+        <p:nvSpPr>
+          <p:cNvPr id="6" name="TextBox 1">
+            <a:extLst>
+              <a:ext uri="{FF2B5EF4-FFF2-40B4-BE49-F238E27FC236}">
+                <a16:creationId xmlns:a16="http://schemas.microsoft.com/office/drawing/2014/main" id="{0EA5D92B-9DBE-AD4B-B02B-9B5204641C2D}"/>
+              </a:ext>
+            </a:extLst>
+          </p:cNvPr>
+          <p:cNvSpPr txBox="1"/>
+          <p:nvPr/>
+        </p:nvSpPr>
+        <p:spPr bwMode="auto">
+          <a:xfrm>
+            <a:off x="119336" y="6525344"/>
+            <a:ext cx="3134704" cy="276551"/>
+          </a:xfrm>
+          <a:prstGeom prst="rect">
+            <a:avLst/>
+          </a:prstGeom>
+          <a:solidFill>
+            <a:schemeClr val="bg1">
+              <a:alpha val="70195"/>
+            </a:schemeClr>
+          </a:solidFill>
+          <a:ln>
+            <a:noFill/>
+          </a:ln>
+          <a:effectLst/>
+          <a:extLst>
+            <a:ext uri="{91240B29-F687-4F45-9708-019B960494DF}">
+              <a14:hiddenLine xmlns:a14="http://schemas.microsoft.com/office/drawing/2010/main" w="9525" algn="ctr">
+                <a:solidFill>
+                  <a:schemeClr val="tx1"/>
+                </a:solidFill>
+                <a:miter lim="800000"/>
+                <a:headEnd/>
+                <a:tailEnd/>
+              </a14:hiddenLine>
+            </a:ext>
+            <a:ext uri="{AF507438-7753-43E0-B8FC-AC1667EBCBE1}">
+              <a14:hiddenEffects xmlns:a14="http://schemas.microsoft.com/office/drawing/2010/main">
+                <a:effectLst>
+                  <a:outerShdw dist="35921" dir="2700000" algn="ctr" rotWithShape="0">
+                    <a:schemeClr val="bg2"/>
+                  </a:outerShdw>
+                </a:effectLst>
+              </a14:hiddenEffects>
+            </a:ext>
+          </a:extLst>
+        </p:spPr>
+        <p:txBody>
+          <a:bodyPr wrap="none" rtlCol="0">
+            <a:spAutoFit/>
+          </a:bodyPr>
+          <a:lstStyle/>
+          <a:p>
+            <a:pPr algn="ctr" eaLnBrk="1" hangingPunct="1">
+              <a:lnSpc>
+                <a:spcPct val="110000"/>
+              </a:lnSpc>
+              <a:spcAft>
+                <a:spcPts val="300"/>
+              </a:spcAft>
+            </a:pPr>
+            <a:r>
+              <a:rPr lang="en-GB" sz="1200" dirty="0">
+                <a:solidFill>
+                  <a:srgbClr val="00376C"/>
+                </a:solidFill>
+              </a:rPr>
+              <a:t>Hyperspectral </a:t>
+            </a:r>
+            <a:r>
+              <a:rPr lang="en-GB" sz="1200" dirty="0" err="1">
+                <a:solidFill>
+                  <a:srgbClr val="00376C"/>
+                </a:solidFill>
+              </a:rPr>
+              <a:t>Unmixing</a:t>
+            </a:r>
+            <a:r>
+              <a:rPr lang="en-GB" sz="1200" dirty="0">
+                <a:solidFill>
+                  <a:srgbClr val="00376C"/>
+                </a:solidFill>
+              </a:rPr>
+              <a:t> – 14.07.2021</a:t>
             </a:r>
           </a:p>
         </p:txBody>

--- a/presentation/EO2020_hyperspec_presentation.pptx
+++ b/presentation/EO2020_hyperspec_presentation.pptx
@@ -5,20 +5,23 @@
     <p:sldMasterId id="2147483688" r:id="rId1"/>
   </p:sldMasterIdLst>
   <p:notesMasterIdLst>
-    <p:notesMasterId r:id="rId10"/>
+    <p:notesMasterId r:id="rId13"/>
   </p:notesMasterIdLst>
   <p:handoutMasterIdLst>
-    <p:handoutMasterId r:id="rId11"/>
+    <p:handoutMasterId r:id="rId14"/>
   </p:handoutMasterIdLst>
   <p:sldIdLst>
     <p:sldId id="738" r:id="rId2"/>
     <p:sldId id="777" r:id="rId3"/>
-    <p:sldId id="778" r:id="rId4"/>
-    <p:sldId id="779" r:id="rId5"/>
-    <p:sldId id="780" r:id="rId6"/>
-    <p:sldId id="781" r:id="rId7"/>
-    <p:sldId id="782" r:id="rId8"/>
-    <p:sldId id="783" r:id="rId9"/>
+    <p:sldId id="789" r:id="rId4"/>
+    <p:sldId id="778" r:id="rId5"/>
+    <p:sldId id="779" r:id="rId6"/>
+    <p:sldId id="780" r:id="rId7"/>
+    <p:sldId id="784" r:id="rId8"/>
+    <p:sldId id="785" r:id="rId9"/>
+    <p:sldId id="781" r:id="rId10"/>
+    <p:sldId id="787" r:id="rId11"/>
+    <p:sldId id="788" r:id="rId12"/>
   </p:sldIdLst>
   <p:sldSz cx="12192000" cy="6858000"/>
   <p:notesSz cx="7099300" cy="10234613"/>
@@ -1256,6 +1259,331 @@
     <p:extLst>
       <p:ext uri="{BB962C8B-B14F-4D97-AF65-F5344CB8AC3E}">
         <p14:creationId xmlns:p14="http://schemas.microsoft.com/office/powerpoint/2010/main" val="2103050339"/>
+      </p:ext>
+    </p:extLst>
+  </p:cSld>
+  <p:clrMapOvr>
+    <a:masterClrMapping/>
+  </p:clrMapOvr>
+</p:notes>
+</file>
+
+<file path=ppt/notesSlides/notesSlide2.xml><?xml version="1.0" encoding="utf-8"?>
+<p:notes xmlns:a="http://schemas.openxmlformats.org/drawingml/2006/main" xmlns:r="http://schemas.openxmlformats.org/officeDocument/2006/relationships" xmlns:p="http://schemas.openxmlformats.org/presentationml/2006/main">
+  <p:cSld>
+    <p:spTree>
+      <p:nvGrpSpPr>
+        <p:cNvPr id="1" name=""/>
+        <p:cNvGrpSpPr/>
+        <p:nvPr/>
+      </p:nvGrpSpPr>
+      <p:grpSpPr>
+        <a:xfrm>
+          <a:off x="0" y="0"/>
+          <a:ext cx="0" cy="0"/>
+          <a:chOff x="0" y="0"/>
+          <a:chExt cx="0" cy="0"/>
+        </a:xfrm>
+      </p:grpSpPr>
+      <p:sp>
+        <p:nvSpPr>
+          <p:cNvPr id="51202" name="Slide Image Placeholder 1"/>
+          <p:cNvSpPr>
+            <a:spLocks noGrp="1" noRot="1" noChangeAspect="1" noTextEdit="1"/>
+          </p:cNvSpPr>
+          <p:nvPr>
+            <p:ph type="sldImg"/>
+          </p:nvPr>
+        </p:nvSpPr>
+        <p:spPr bwMode="auto">
+          <a:xfrm>
+            <a:off x="458788" y="720725"/>
+            <a:ext cx="6397625" cy="3598863"/>
+          </a:xfrm>
+          <a:noFill/>
+          <a:ln>
+            <a:solidFill>
+              <a:srgbClr val="000000"/>
+            </a:solidFill>
+            <a:miter lim="800000"/>
+            <a:headEnd/>
+            <a:tailEnd/>
+          </a:ln>
+          <a:extLst>
+            <a:ext uri="{909E8E84-426E-40DD-AFC4-6F175D3DCCD1}">
+              <a14:hiddenFill xmlns:a14="http://schemas.microsoft.com/office/drawing/2010/main">
+                <a:solidFill>
+                  <a:srgbClr val="FFFFFF"/>
+                </a:solidFill>
+              </a14:hiddenFill>
+            </a:ext>
+          </a:extLst>
+        </p:spPr>
+      </p:sp>
+      <p:sp>
+        <p:nvSpPr>
+          <p:cNvPr id="51203" name="Notes Placeholder 2"/>
+          <p:cNvSpPr>
+            <a:spLocks noGrp="1"/>
+          </p:cNvSpPr>
+          <p:nvPr>
+            <p:ph type="body" idx="1"/>
+          </p:nvPr>
+        </p:nvSpPr>
+        <p:spPr bwMode="auto">
+          <a:noFill/>
+          <a:extLst>
+            <a:ext uri="{909E8E84-426E-40DD-AFC4-6F175D3DCCD1}">
+              <a14:hiddenFill xmlns:a14="http://schemas.microsoft.com/office/drawing/2010/main">
+                <a:solidFill>
+                  <a:srgbClr val="FFFFFF"/>
+                </a:solidFill>
+              </a14:hiddenFill>
+            </a:ext>
+            <a:ext uri="{91240B29-F687-4F45-9708-019B960494DF}">
+              <a14:hiddenLine xmlns:a14="http://schemas.microsoft.com/office/drawing/2010/main" w="9525">
+                <a:solidFill>
+                  <a:srgbClr val="000000"/>
+                </a:solidFill>
+                <a:miter lim="800000"/>
+                <a:headEnd/>
+                <a:tailEnd/>
+              </a14:hiddenLine>
+            </a:ext>
+          </a:extLst>
+        </p:spPr>
+        <p:txBody>
+          <a:bodyPr wrap="square" numCol="1" anchor="t" anchorCtr="0" compatLnSpc="1">
+            <a:prstTxWarp prst="textNoShape">
+              <a:avLst/>
+            </a:prstTxWarp>
+          </a:bodyPr>
+          <a:lstStyle/>
+          <a:p>
+            <a:endParaRPr lang="en-US" altLang="en-US" dirty="0"/>
+          </a:p>
+        </p:txBody>
+      </p:sp>
+      <p:sp>
+        <p:nvSpPr>
+          <p:cNvPr id="51204" name="Slide Number Placeholder 3"/>
+          <p:cNvSpPr>
+            <a:spLocks noGrp="1"/>
+          </p:cNvSpPr>
+          <p:nvPr>
+            <p:ph type="sldNum" sz="quarter" idx="5"/>
+          </p:nvPr>
+        </p:nvSpPr>
+        <p:spPr bwMode="auto">
+          <a:noFill/>
+          <a:extLst>
+            <a:ext uri="{909E8E84-426E-40DD-AFC4-6F175D3DCCD1}">
+              <a14:hiddenFill xmlns:a14="http://schemas.microsoft.com/office/drawing/2010/main">
+                <a:solidFill>
+                  <a:srgbClr val="FFFFFF"/>
+                </a:solidFill>
+              </a14:hiddenFill>
+            </a:ext>
+            <a:ext uri="{91240B29-F687-4F45-9708-019B960494DF}">
+              <a14:hiddenLine xmlns:a14="http://schemas.microsoft.com/office/drawing/2010/main" w="9525">
+                <a:solidFill>
+                  <a:srgbClr val="000000"/>
+                </a:solidFill>
+                <a:miter lim="800000"/>
+                <a:headEnd/>
+                <a:tailEnd/>
+              </a14:hiddenLine>
+            </a:ext>
+          </a:extLst>
+        </p:spPr>
+        <p:txBody>
+          <a:bodyPr/>
+          <a:lstStyle>
+            <a:lvl1pPr eaLnBrk="0" hangingPunct="0">
+              <a:spcBef>
+                <a:spcPct val="30000"/>
+              </a:spcBef>
+              <a:defRPr sz="1200">
+                <a:solidFill>
+                  <a:schemeClr val="tx1"/>
+                </a:solidFill>
+                <a:latin typeface="Calibri" panose="020F0502020204030204" pitchFamily="34" charset="0"/>
+              </a:defRPr>
+            </a:lvl1pPr>
+            <a:lvl2pPr marL="742950" indent="-285750" eaLnBrk="0" hangingPunct="0">
+              <a:spcBef>
+                <a:spcPct val="30000"/>
+              </a:spcBef>
+              <a:defRPr sz="1200">
+                <a:solidFill>
+                  <a:schemeClr val="tx1"/>
+                </a:solidFill>
+                <a:latin typeface="Calibri" panose="020F0502020204030204" pitchFamily="34" charset="0"/>
+              </a:defRPr>
+            </a:lvl2pPr>
+            <a:lvl3pPr marL="1143000" indent="-228600" eaLnBrk="0" hangingPunct="0">
+              <a:spcBef>
+                <a:spcPct val="30000"/>
+              </a:spcBef>
+              <a:defRPr sz="1200">
+                <a:solidFill>
+                  <a:schemeClr val="tx1"/>
+                </a:solidFill>
+                <a:latin typeface="Calibri" panose="020F0502020204030204" pitchFamily="34" charset="0"/>
+              </a:defRPr>
+            </a:lvl3pPr>
+            <a:lvl4pPr marL="1600200" indent="-228600" eaLnBrk="0" hangingPunct="0">
+              <a:spcBef>
+                <a:spcPct val="30000"/>
+              </a:spcBef>
+              <a:defRPr sz="1200">
+                <a:solidFill>
+                  <a:schemeClr val="tx1"/>
+                </a:solidFill>
+                <a:latin typeface="Calibri" panose="020F0502020204030204" pitchFamily="34" charset="0"/>
+              </a:defRPr>
+            </a:lvl4pPr>
+            <a:lvl5pPr marL="2057400" indent="-228600" eaLnBrk="0" hangingPunct="0">
+              <a:spcBef>
+                <a:spcPct val="30000"/>
+              </a:spcBef>
+              <a:defRPr sz="1200">
+                <a:solidFill>
+                  <a:schemeClr val="tx1"/>
+                </a:solidFill>
+                <a:latin typeface="Calibri" panose="020F0502020204030204" pitchFamily="34" charset="0"/>
+              </a:defRPr>
+            </a:lvl5pPr>
+            <a:lvl6pPr marL="2514600" indent="-228600" eaLnBrk="0" fontAlgn="base" hangingPunct="0">
+              <a:spcBef>
+                <a:spcPct val="30000"/>
+              </a:spcBef>
+              <a:spcAft>
+                <a:spcPct val="0"/>
+              </a:spcAft>
+              <a:defRPr sz="1200">
+                <a:solidFill>
+                  <a:schemeClr val="tx1"/>
+                </a:solidFill>
+                <a:latin typeface="Calibri" panose="020F0502020204030204" pitchFamily="34" charset="0"/>
+              </a:defRPr>
+            </a:lvl6pPr>
+            <a:lvl7pPr marL="2971800" indent="-228600" eaLnBrk="0" fontAlgn="base" hangingPunct="0">
+              <a:spcBef>
+                <a:spcPct val="30000"/>
+              </a:spcBef>
+              <a:spcAft>
+                <a:spcPct val="0"/>
+              </a:spcAft>
+              <a:defRPr sz="1200">
+                <a:solidFill>
+                  <a:schemeClr val="tx1"/>
+                </a:solidFill>
+                <a:latin typeface="Calibri" panose="020F0502020204030204" pitchFamily="34" charset="0"/>
+              </a:defRPr>
+            </a:lvl7pPr>
+            <a:lvl8pPr marL="3429000" indent="-228600" eaLnBrk="0" fontAlgn="base" hangingPunct="0">
+              <a:spcBef>
+                <a:spcPct val="30000"/>
+              </a:spcBef>
+              <a:spcAft>
+                <a:spcPct val="0"/>
+              </a:spcAft>
+              <a:defRPr sz="1200">
+                <a:solidFill>
+                  <a:schemeClr val="tx1"/>
+                </a:solidFill>
+                <a:latin typeface="Calibri" panose="020F0502020204030204" pitchFamily="34" charset="0"/>
+              </a:defRPr>
+            </a:lvl8pPr>
+            <a:lvl9pPr marL="3886200" indent="-228600" eaLnBrk="0" fontAlgn="base" hangingPunct="0">
+              <a:spcBef>
+                <a:spcPct val="30000"/>
+              </a:spcBef>
+              <a:spcAft>
+                <a:spcPct val="0"/>
+              </a:spcAft>
+              <a:defRPr sz="1200">
+                <a:solidFill>
+                  <a:schemeClr val="tx1"/>
+                </a:solidFill>
+                <a:latin typeface="Calibri" panose="020F0502020204030204" pitchFamily="34" charset="0"/>
+              </a:defRPr>
+            </a:lvl9pPr>
+          </a:lstStyle>
+          <a:p>
+            <a:pPr marL="0" marR="0" lvl="0" indent="0" algn="r" defTabSz="914400" rtl="0" eaLnBrk="1" fontAlgn="base" latinLnBrk="0" hangingPunct="1">
+              <a:lnSpc>
+                <a:spcPct val="100000"/>
+              </a:lnSpc>
+              <a:spcBef>
+                <a:spcPct val="0"/>
+              </a:spcBef>
+              <a:spcAft>
+                <a:spcPct val="0"/>
+              </a:spcAft>
+              <a:buClrTx/>
+              <a:buSzTx/>
+              <a:buFontTx/>
+              <a:buNone/>
+              <a:tabLst/>
+              <a:defRPr/>
+            </a:pPr>
+            <a:fld id="{E9FAA593-2817-4839-ABFE-8DCE62B9E163}" type="slidenum">
+              <a:rPr kumimoji="0" lang="de-DE" altLang="en-US" sz="1300" b="0" i="0" u="none" strike="noStrike" kern="1200" cap="none" spc="0" normalizeH="0" baseline="0" noProof="0">
+                <a:ln>
+                  <a:noFill/>
+                </a:ln>
+                <a:solidFill>
+                  <a:prstClr val="black"/>
+                </a:solidFill>
+                <a:effectLst/>
+                <a:uLnTx/>
+                <a:uFillTx/>
+                <a:latin typeface="Arial" panose="020B0604020202020204" pitchFamily="34" charset="0"/>
+                <a:ea typeface="+mn-ea"/>
+                <a:cs typeface="Arial" panose="020B0604020202020204" pitchFamily="34" charset="0"/>
+              </a:rPr>
+              <a:pPr marL="0" marR="0" lvl="0" indent="0" algn="r" defTabSz="914400" rtl="0" eaLnBrk="1" fontAlgn="base" latinLnBrk="0" hangingPunct="1">
+                <a:lnSpc>
+                  <a:spcPct val="100000"/>
+                </a:lnSpc>
+                <a:spcBef>
+                  <a:spcPct val="0"/>
+                </a:spcBef>
+                <a:spcAft>
+                  <a:spcPct val="0"/>
+                </a:spcAft>
+                <a:buClrTx/>
+                <a:buSzTx/>
+                <a:buFontTx/>
+                <a:buNone/>
+                <a:tabLst/>
+                <a:defRPr/>
+              </a:pPr>
+              <a:t>10</a:t>
+            </a:fld>
+            <a:endParaRPr kumimoji="0" lang="de-DE" altLang="en-US" sz="1300" b="0" i="0" u="none" strike="noStrike" kern="1200" cap="none" spc="0" normalizeH="0" baseline="0" noProof="0">
+              <a:ln>
+                <a:noFill/>
+              </a:ln>
+              <a:solidFill>
+                <a:prstClr val="black"/>
+              </a:solidFill>
+              <a:effectLst/>
+              <a:uLnTx/>
+              <a:uFillTx/>
+              <a:latin typeface="Arial" panose="020B0604020202020204" pitchFamily="34" charset="0"/>
+              <a:ea typeface="+mn-ea"/>
+              <a:cs typeface="Arial" panose="020B0604020202020204" pitchFamily="34" charset="0"/>
+            </a:endParaRPr>
+          </a:p>
+        </p:txBody>
+      </p:sp>
+    </p:spTree>
+    <p:extLst>
+      <p:ext uri="{BB962C8B-B14F-4D97-AF65-F5344CB8AC3E}">
+        <p14:creationId xmlns:p14="http://schemas.microsoft.com/office/powerpoint/2010/main" val="778935893"/>
       </p:ext>
     </p:extLst>
   </p:cSld>
@@ -2644,13 +2972,22 @@
               <a:defRPr/>
             </a:pPr>
             <a:r>
+              <a:rPr lang="de-DE" altLang="en-US" sz="2400" kern="0" dirty="0">
+                <a:solidFill>
+                  <a:srgbClr val="113665"/>
+                </a:solidFill>
+                <a:latin typeface="Verdana" panose="020B0604030504040204" pitchFamily="34" charset="0"/>
+              </a:rPr>
+              <a:t>Philip </a:t>
+            </a:r>
+            <a:r>
               <a:rPr lang="de-DE" altLang="en-US" sz="2400" kern="0" dirty="0" err="1">
                 <a:solidFill>
                   <a:srgbClr val="113665"/>
                 </a:solidFill>
                 <a:latin typeface="Verdana" panose="020B0604030504040204" pitchFamily="34" charset="0"/>
               </a:rPr>
-              <a:t>Phy_Liehr</a:t>
+              <a:t>Liehr</a:t>
             </a:r>
             <a:r>
               <a:rPr lang="de-DE" altLang="en-US" sz="2400" kern="0" dirty="0">
@@ -2926,7 +3263,7 @@
         </p:nvSpPr>
         <p:spPr bwMode="auto">
           <a:xfrm>
-            <a:off x="5385" y="6587192"/>
+            <a:off x="3836968" y="3152386"/>
             <a:ext cx="4513928" cy="276614"/>
           </a:xfrm>
           <a:prstGeom prst="rect">
@@ -2992,6 +3329,1081 @@
     <p:extLst>
       <p:ext uri="{BB962C8B-B14F-4D97-AF65-F5344CB8AC3E}">
         <p14:creationId xmlns:p14="http://schemas.microsoft.com/office/powerpoint/2010/main" val="269649050"/>
+      </p:ext>
+    </p:extLst>
+  </p:cSld>
+  <p:clrMapOvr>
+    <a:masterClrMapping/>
+  </p:clrMapOvr>
+</p:sld>
+</file>
+
+<file path=ppt/slides/slide10.xml><?xml version="1.0" encoding="utf-8"?>
+<p:sld xmlns:a="http://schemas.openxmlformats.org/drawingml/2006/main" xmlns:r="http://schemas.openxmlformats.org/officeDocument/2006/relationships" xmlns:p="http://schemas.openxmlformats.org/presentationml/2006/main">
+  <p:cSld>
+    <p:spTree>
+      <p:nvGrpSpPr>
+        <p:cNvPr id="1" name=""/>
+        <p:cNvGrpSpPr/>
+        <p:nvPr/>
+      </p:nvGrpSpPr>
+      <p:grpSpPr>
+        <a:xfrm>
+          <a:off x="0" y="0"/>
+          <a:ext cx="0" cy="0"/>
+          <a:chOff x="0" y="0"/>
+          <a:chExt cx="0" cy="0"/>
+        </a:xfrm>
+      </p:grpSpPr>
+      <p:sp>
+        <p:nvSpPr>
+          <p:cNvPr id="6" name="Textplatzhalter 16"/>
+          <p:cNvSpPr txBox="1">
+            <a:spLocks/>
+          </p:cNvSpPr>
+          <p:nvPr/>
+        </p:nvSpPr>
+        <p:spPr bwMode="auto">
+          <a:xfrm>
+            <a:off x="479376" y="2060848"/>
+            <a:ext cx="8424936" cy="2304256"/>
+          </a:xfrm>
+          <a:prstGeom prst="rect">
+            <a:avLst/>
+          </a:prstGeom>
+          <a:noFill/>
+          <a:extLst>
+            <a:ext uri="{909E8E84-426E-40DD-AFC4-6F175D3DCCD1}">
+              <a14:hiddenFill xmlns:a14="http://schemas.microsoft.com/office/drawing/2010/main">
+                <a:solidFill>
+                  <a:srgbClr val="FFFFFF"/>
+                </a:solidFill>
+              </a14:hiddenFill>
+            </a:ext>
+            <a:ext uri="{91240B29-F687-4F45-9708-019B960494DF}">
+              <a14:hiddenLine xmlns:a14="http://schemas.microsoft.com/office/drawing/2010/main" w="9525">
+                <a:solidFill>
+                  <a:srgbClr val="000000"/>
+                </a:solidFill>
+                <a:miter lim="800000"/>
+                <a:headEnd/>
+                <a:tailEnd/>
+              </a14:hiddenLine>
+            </a:ext>
+          </a:extLst>
+        </p:spPr>
+        <p:txBody>
+          <a:bodyPr anchor="b"/>
+          <a:lstStyle>
+            <a:lvl1pPr marL="342900" indent="-342900" algn="l" rtl="0" eaLnBrk="0" fontAlgn="base" hangingPunct="0">
+              <a:spcBef>
+                <a:spcPct val="20000"/>
+              </a:spcBef>
+              <a:spcAft>
+                <a:spcPct val="0"/>
+              </a:spcAft>
+              <a:buChar char="•"/>
+              <a:defRPr sz="3200">
+                <a:solidFill>
+                  <a:schemeClr val="tx1"/>
+                </a:solidFill>
+                <a:latin typeface="+mn-lt"/>
+                <a:ea typeface="+mn-ea"/>
+                <a:cs typeface="+mn-cs"/>
+              </a:defRPr>
+            </a:lvl1pPr>
+            <a:lvl2pPr marL="742950" indent="-285750" algn="l" rtl="0" eaLnBrk="0" fontAlgn="base" hangingPunct="0">
+              <a:spcBef>
+                <a:spcPct val="20000"/>
+              </a:spcBef>
+              <a:spcAft>
+                <a:spcPct val="0"/>
+              </a:spcAft>
+              <a:buChar char="–"/>
+              <a:defRPr sz="2800">
+                <a:solidFill>
+                  <a:schemeClr val="tx1"/>
+                </a:solidFill>
+                <a:latin typeface="+mn-lt"/>
+                <a:cs typeface="+mn-cs"/>
+              </a:defRPr>
+            </a:lvl2pPr>
+            <a:lvl3pPr marL="1143000" indent="-228600" algn="l" rtl="0" eaLnBrk="0" fontAlgn="base" hangingPunct="0">
+              <a:spcBef>
+                <a:spcPct val="20000"/>
+              </a:spcBef>
+              <a:spcAft>
+                <a:spcPct val="0"/>
+              </a:spcAft>
+              <a:buChar char="•"/>
+              <a:defRPr sz="2400">
+                <a:solidFill>
+                  <a:schemeClr val="tx1"/>
+                </a:solidFill>
+                <a:latin typeface="+mn-lt"/>
+                <a:cs typeface="+mn-cs"/>
+              </a:defRPr>
+            </a:lvl3pPr>
+            <a:lvl4pPr marL="1600200" indent="-228600" algn="l" rtl="0" eaLnBrk="0" fontAlgn="base" hangingPunct="0">
+              <a:spcBef>
+                <a:spcPct val="20000"/>
+              </a:spcBef>
+              <a:spcAft>
+                <a:spcPct val="0"/>
+              </a:spcAft>
+              <a:buChar char="–"/>
+              <a:defRPr sz="2000">
+                <a:solidFill>
+                  <a:schemeClr val="tx1"/>
+                </a:solidFill>
+                <a:latin typeface="+mn-lt"/>
+                <a:cs typeface="+mn-cs"/>
+              </a:defRPr>
+            </a:lvl4pPr>
+            <a:lvl5pPr marL="2057400" indent="-228600" algn="l" rtl="0" eaLnBrk="0" fontAlgn="base" hangingPunct="0">
+              <a:spcBef>
+                <a:spcPct val="20000"/>
+              </a:spcBef>
+              <a:spcAft>
+                <a:spcPct val="0"/>
+              </a:spcAft>
+              <a:buChar char="»"/>
+              <a:defRPr sz="2000">
+                <a:solidFill>
+                  <a:schemeClr val="tx1"/>
+                </a:solidFill>
+                <a:latin typeface="+mn-lt"/>
+                <a:cs typeface="+mn-cs"/>
+              </a:defRPr>
+            </a:lvl5pPr>
+            <a:lvl6pPr marL="2514600" indent="-228600" algn="l" rtl="0" eaLnBrk="1" fontAlgn="base" hangingPunct="1">
+              <a:spcBef>
+                <a:spcPct val="20000"/>
+              </a:spcBef>
+              <a:spcAft>
+                <a:spcPct val="0"/>
+              </a:spcAft>
+              <a:buChar char="»"/>
+              <a:defRPr sz="2000">
+                <a:solidFill>
+                  <a:schemeClr val="tx1"/>
+                </a:solidFill>
+                <a:latin typeface="+mn-lt"/>
+                <a:cs typeface="+mn-cs"/>
+              </a:defRPr>
+            </a:lvl6pPr>
+            <a:lvl7pPr marL="2971800" indent="-228600" algn="l" rtl="0" eaLnBrk="1" fontAlgn="base" hangingPunct="1">
+              <a:spcBef>
+                <a:spcPct val="20000"/>
+              </a:spcBef>
+              <a:spcAft>
+                <a:spcPct val="0"/>
+              </a:spcAft>
+              <a:buChar char="»"/>
+              <a:defRPr sz="2000">
+                <a:solidFill>
+                  <a:schemeClr val="tx1"/>
+                </a:solidFill>
+                <a:latin typeface="+mn-lt"/>
+                <a:cs typeface="+mn-cs"/>
+              </a:defRPr>
+            </a:lvl7pPr>
+            <a:lvl8pPr marL="3429000" indent="-228600" algn="l" rtl="0" eaLnBrk="1" fontAlgn="base" hangingPunct="1">
+              <a:spcBef>
+                <a:spcPct val="20000"/>
+              </a:spcBef>
+              <a:spcAft>
+                <a:spcPct val="0"/>
+              </a:spcAft>
+              <a:buChar char="»"/>
+              <a:defRPr sz="2000">
+                <a:solidFill>
+                  <a:schemeClr val="tx1"/>
+                </a:solidFill>
+                <a:latin typeface="+mn-lt"/>
+                <a:cs typeface="+mn-cs"/>
+              </a:defRPr>
+            </a:lvl8pPr>
+            <a:lvl9pPr marL="3886200" indent="-228600" algn="l" rtl="0" eaLnBrk="1" fontAlgn="base" hangingPunct="1">
+              <a:spcBef>
+                <a:spcPct val="20000"/>
+              </a:spcBef>
+              <a:spcAft>
+                <a:spcPct val="0"/>
+              </a:spcAft>
+              <a:buChar char="»"/>
+              <a:defRPr sz="2000">
+                <a:solidFill>
+                  <a:schemeClr val="tx1"/>
+                </a:solidFill>
+                <a:latin typeface="+mn-lt"/>
+                <a:cs typeface="+mn-cs"/>
+              </a:defRPr>
+            </a:lvl9pPr>
+          </a:lstStyle>
+          <a:p>
+            <a:pPr algn="r" defTabSz="719138" eaLnBrk="1" hangingPunct="1">
+              <a:lnSpc>
+                <a:spcPct val="120000"/>
+              </a:lnSpc>
+              <a:spcAft>
+                <a:spcPts val="600"/>
+              </a:spcAft>
+              <a:buFontTx/>
+              <a:buNone/>
+              <a:tabLst>
+                <a:tab pos="0" algn="l"/>
+                <a:tab pos="914400" algn="l"/>
+                <a:tab pos="1828800" algn="l"/>
+                <a:tab pos="2743200" algn="l"/>
+                <a:tab pos="3657600" algn="l"/>
+                <a:tab pos="4572000" algn="l"/>
+                <a:tab pos="5286375" algn="l"/>
+                <a:tab pos="5486400" algn="l"/>
+                <a:tab pos="6400800" algn="l"/>
+                <a:tab pos="7315200" algn="l"/>
+                <a:tab pos="8229600" algn="l"/>
+                <a:tab pos="9144000" algn="l"/>
+                <a:tab pos="10058400" algn="l"/>
+              </a:tabLst>
+            </a:pPr>
+            <a:r>
+              <a:rPr lang="en-GB" altLang="en-US" sz="3600" b="1" dirty="0">
+                <a:solidFill>
+                  <a:srgbClr val="113665"/>
+                </a:solidFill>
+                <a:latin typeface="Verdana" panose="020B0604030504040204" pitchFamily="34" charset="0"/>
+              </a:rPr>
+              <a:t>Thank you for </a:t>
+            </a:r>
+            <a:r>
+              <a:rPr lang="en-GB" altLang="en-US" sz="3600" b="1" dirty="0" err="1">
+                <a:solidFill>
+                  <a:srgbClr val="113665"/>
+                </a:solidFill>
+                <a:latin typeface="Verdana" panose="020B0604030504040204" pitchFamily="34" charset="0"/>
+              </a:rPr>
+              <a:t>you_R</a:t>
+            </a:r>
+            <a:r>
+              <a:rPr lang="en-GB" altLang="en-US" sz="3600" b="1" dirty="0">
+                <a:solidFill>
+                  <a:srgbClr val="113665"/>
+                </a:solidFill>
+                <a:latin typeface="Verdana" panose="020B0604030504040204" pitchFamily="34" charset="0"/>
+              </a:rPr>
+              <a:t> attention!</a:t>
+            </a:r>
+          </a:p>
+        </p:txBody>
+      </p:sp>
+    </p:spTree>
+    <p:extLst>
+      <p:ext uri="{BB962C8B-B14F-4D97-AF65-F5344CB8AC3E}">
+        <p14:creationId xmlns:p14="http://schemas.microsoft.com/office/powerpoint/2010/main" val="3441211348"/>
+      </p:ext>
+    </p:extLst>
+  </p:cSld>
+  <p:clrMapOvr>
+    <a:masterClrMapping/>
+  </p:clrMapOvr>
+</p:sld>
+</file>
+
+<file path=ppt/slides/slide11.xml><?xml version="1.0" encoding="utf-8"?>
+<p:sld xmlns:a="http://schemas.openxmlformats.org/drawingml/2006/main" xmlns:r="http://schemas.openxmlformats.org/officeDocument/2006/relationships" xmlns:p="http://schemas.openxmlformats.org/presentationml/2006/main">
+  <p:cSld>
+    <p:spTree>
+      <p:nvGrpSpPr>
+        <p:cNvPr id="1" name=""/>
+        <p:cNvGrpSpPr/>
+        <p:nvPr/>
+      </p:nvGrpSpPr>
+      <p:grpSpPr>
+        <a:xfrm>
+          <a:off x="0" y="0"/>
+          <a:ext cx="0" cy="0"/>
+          <a:chOff x="0" y="0"/>
+          <a:chExt cx="0" cy="0"/>
+        </a:xfrm>
+      </p:grpSpPr>
+      <p:sp>
+        <p:nvSpPr>
+          <p:cNvPr id="2" name="Title 1">
+            <a:extLst>
+              <a:ext uri="{FF2B5EF4-FFF2-40B4-BE49-F238E27FC236}">
+                <a16:creationId xmlns:a16="http://schemas.microsoft.com/office/drawing/2014/main" id="{40F8A973-A44F-8446-B50C-603300C9C0F5}"/>
+              </a:ext>
+            </a:extLst>
+          </p:cNvPr>
+          <p:cNvSpPr>
+            <a:spLocks noGrp="1"/>
+          </p:cNvSpPr>
+          <p:nvPr>
+            <p:ph type="title"/>
+          </p:nvPr>
+        </p:nvSpPr>
+        <p:spPr/>
+        <p:txBody>
+          <a:bodyPr/>
+          <a:lstStyle/>
+          <a:p>
+            <a:r>
+              <a:rPr lang="en-GB" sz="2400" dirty="0"/>
+              <a:t>Literature</a:t>
+            </a:r>
+          </a:p>
+        </p:txBody>
+      </p:sp>
+      <p:sp>
+        <p:nvSpPr>
+          <p:cNvPr id="3" name="Content Placeholder 2">
+            <a:extLst>
+              <a:ext uri="{FF2B5EF4-FFF2-40B4-BE49-F238E27FC236}">
+                <a16:creationId xmlns:a16="http://schemas.microsoft.com/office/drawing/2014/main" id="{DB101D12-631E-F649-BC3C-4EDB189ED5EE}"/>
+              </a:ext>
+            </a:extLst>
+          </p:cNvPr>
+          <p:cNvSpPr>
+            <a:spLocks noGrp="1"/>
+          </p:cNvSpPr>
+          <p:nvPr>
+            <p:ph idx="1"/>
+          </p:nvPr>
+        </p:nvSpPr>
+        <p:spPr>
+          <a:xfrm>
+            <a:off x="685875" y="1513359"/>
+            <a:ext cx="11026749" cy="4525963"/>
+          </a:xfrm>
+        </p:spPr>
+        <p:txBody>
+          <a:bodyPr/>
+          <a:lstStyle/>
+          <a:p>
+            <a:r>
+              <a:rPr lang="en-US" sz="1400" dirty="0">
+                <a:solidFill>
+                  <a:srgbClr val="002060"/>
+                </a:solidFill>
+                <a:cs typeface="Verdana" panose="020B0604030504040204" pitchFamily="34" charset="0"/>
+              </a:rPr>
+              <a:t>Cooper et al. (2020): Disentangling fractional vegetation cover: Regression-based </a:t>
+            </a:r>
+            <a:r>
+              <a:rPr lang="en-US" sz="1400" dirty="0" err="1">
+                <a:solidFill>
+                  <a:srgbClr val="002060"/>
+                </a:solidFill>
+                <a:cs typeface="Verdana" panose="020B0604030504040204" pitchFamily="34" charset="0"/>
+              </a:rPr>
+              <a:t>unmixing</a:t>
+            </a:r>
+            <a:r>
+              <a:rPr lang="en-US" sz="1400" dirty="0">
+                <a:solidFill>
+                  <a:srgbClr val="002060"/>
+                </a:solidFill>
+                <a:cs typeface="Verdana" panose="020B0604030504040204" pitchFamily="34" charset="0"/>
+              </a:rPr>
+              <a:t> of simulated spaceborne imaging spectroscopy data. Remote Sensing of Environment, 246. DOI: 10.1016/j.rse.2020.111856</a:t>
+            </a:r>
+          </a:p>
+          <a:p>
+            <a:r>
+              <a:rPr lang="en-US" sz="1400" dirty="0" err="1">
+                <a:solidFill>
+                  <a:srgbClr val="002060"/>
+                </a:solidFill>
+                <a:cs typeface="Verdana" panose="020B0604030504040204" pitchFamily="34" charset="0"/>
+              </a:rPr>
+              <a:t>Jänicke</a:t>
+            </a:r>
+            <a:r>
+              <a:rPr lang="en-US" sz="1400" dirty="0">
+                <a:solidFill>
+                  <a:srgbClr val="002060"/>
+                </a:solidFill>
+                <a:cs typeface="Verdana" panose="020B0604030504040204" pitchFamily="34" charset="0"/>
+              </a:rPr>
+              <a:t>, C., </a:t>
+            </a:r>
+            <a:r>
+              <a:rPr lang="en-US" sz="1400" dirty="0" err="1">
+                <a:solidFill>
+                  <a:srgbClr val="002060"/>
+                </a:solidFill>
+                <a:cs typeface="Verdana" panose="020B0604030504040204" pitchFamily="34" charset="0"/>
+              </a:rPr>
+              <a:t>Okujeni</a:t>
+            </a:r>
+            <a:r>
+              <a:rPr lang="en-US" sz="1400" dirty="0">
+                <a:solidFill>
+                  <a:srgbClr val="002060"/>
+                </a:solidFill>
+                <a:cs typeface="Verdana" panose="020B0604030504040204" pitchFamily="34" charset="0"/>
+              </a:rPr>
+              <a:t>, A., Cooper, S., Clark, M., </a:t>
+            </a:r>
+            <a:r>
+              <a:rPr lang="en-US" sz="1400" dirty="0" err="1">
+                <a:solidFill>
+                  <a:srgbClr val="002060"/>
+                </a:solidFill>
+                <a:cs typeface="Verdana" panose="020B0604030504040204" pitchFamily="34" charset="0"/>
+              </a:rPr>
+              <a:t>Hostert</a:t>
+            </a:r>
+            <a:r>
+              <a:rPr lang="en-US" sz="1400" dirty="0">
+                <a:solidFill>
+                  <a:srgbClr val="002060"/>
+                </a:solidFill>
+                <a:cs typeface="Verdana" panose="020B0604030504040204" pitchFamily="34" charset="0"/>
+              </a:rPr>
+              <a:t>, P. and van der Linden, S., 2020. Brightness gradient-corrected hyperspectral image mosaics for fractional vegetation cover mapping in northern California. </a:t>
+            </a:r>
+            <a:r>
+              <a:rPr lang="de-DE" sz="1400" dirty="0">
+                <a:solidFill>
+                  <a:srgbClr val="002060"/>
+                </a:solidFill>
+                <a:cs typeface="Verdana" panose="020B0604030504040204" pitchFamily="34" charset="0"/>
+              </a:rPr>
+              <a:t>Remote </a:t>
+            </a:r>
+            <a:r>
+              <a:rPr lang="de-DE" sz="1400" dirty="0" err="1">
+                <a:solidFill>
+                  <a:srgbClr val="002060"/>
+                </a:solidFill>
+                <a:cs typeface="Verdana" panose="020B0604030504040204" pitchFamily="34" charset="0"/>
+              </a:rPr>
+              <a:t>Sensing</a:t>
+            </a:r>
+            <a:r>
+              <a:rPr lang="de-DE" sz="1400" dirty="0">
+                <a:solidFill>
+                  <a:srgbClr val="002060"/>
+                </a:solidFill>
+                <a:cs typeface="Verdana" panose="020B0604030504040204" pitchFamily="34" charset="0"/>
+              </a:rPr>
+              <a:t> Letters, 11(1), pp.1-10. </a:t>
+            </a:r>
+            <a:endParaRPr lang="en-US" sz="1400" dirty="0">
+              <a:solidFill>
+                <a:srgbClr val="002060"/>
+              </a:solidFill>
+              <a:cs typeface="Verdana" panose="020B0604030504040204" pitchFamily="34" charset="0"/>
+            </a:endParaRPr>
+          </a:p>
+          <a:p>
+            <a:r>
+              <a:rPr lang="en-US" sz="1400" dirty="0" err="1">
+                <a:solidFill>
+                  <a:srgbClr val="002060"/>
+                </a:solidFill>
+                <a:cs typeface="Verdana" panose="020B0604030504040204" pitchFamily="34" charset="0"/>
+              </a:rPr>
+              <a:t>Okujeni</a:t>
+            </a:r>
+            <a:r>
+              <a:rPr lang="en-US" sz="1400" dirty="0">
+                <a:solidFill>
+                  <a:srgbClr val="002060"/>
+                </a:solidFill>
+                <a:cs typeface="Verdana" panose="020B0604030504040204" pitchFamily="34" charset="0"/>
+              </a:rPr>
+              <a:t>, A., van der Linden, S., </a:t>
+            </a:r>
+            <a:r>
+              <a:rPr lang="en-US" sz="1400" dirty="0" err="1">
+                <a:solidFill>
+                  <a:srgbClr val="002060"/>
+                </a:solidFill>
+                <a:cs typeface="Verdana" panose="020B0604030504040204" pitchFamily="34" charset="0"/>
+              </a:rPr>
+              <a:t>Suess</a:t>
+            </a:r>
+            <a:r>
+              <a:rPr lang="en-US" sz="1400" dirty="0">
+                <a:solidFill>
+                  <a:srgbClr val="002060"/>
+                </a:solidFill>
+                <a:cs typeface="Verdana" panose="020B0604030504040204" pitchFamily="34" charset="0"/>
+              </a:rPr>
+              <a:t>, S., </a:t>
+            </a:r>
+            <a:r>
+              <a:rPr lang="en-US" sz="1400" dirty="0" err="1">
+                <a:solidFill>
+                  <a:srgbClr val="002060"/>
+                </a:solidFill>
+                <a:cs typeface="Verdana" panose="020B0604030504040204" pitchFamily="34" charset="0"/>
+              </a:rPr>
+              <a:t>Hostert</a:t>
+            </a:r>
+            <a:r>
+              <a:rPr lang="en-US" sz="1400" dirty="0">
+                <a:solidFill>
+                  <a:srgbClr val="002060"/>
+                </a:solidFill>
+                <a:cs typeface="Verdana" panose="020B0604030504040204" pitchFamily="34" charset="0"/>
+              </a:rPr>
+              <a:t>, P., 2017. Ensemble learning from</a:t>
+            </a:r>
+            <a:r>
+              <a:rPr lang="de-DE" sz="1400" dirty="0">
+                <a:solidFill>
+                  <a:srgbClr val="002060"/>
+                </a:solidFill>
+                <a:cs typeface="Verdana" panose="020B0604030504040204" pitchFamily="34" charset="0"/>
+              </a:rPr>
+              <a:t> </a:t>
+            </a:r>
+            <a:r>
+              <a:rPr lang="en-US" sz="1400" dirty="0">
+                <a:solidFill>
+                  <a:srgbClr val="002060"/>
+                </a:solidFill>
+                <a:cs typeface="Verdana" panose="020B0604030504040204" pitchFamily="34" charset="0"/>
+              </a:rPr>
+              <a:t>synthetically mixed training data for quantifying urban land cover with support</a:t>
+            </a:r>
+            <a:r>
+              <a:rPr lang="de-DE" sz="1400" dirty="0">
+                <a:solidFill>
+                  <a:srgbClr val="002060"/>
+                </a:solidFill>
+                <a:cs typeface="Verdana" panose="020B0604030504040204" pitchFamily="34" charset="0"/>
+              </a:rPr>
+              <a:t> </a:t>
+            </a:r>
+            <a:r>
+              <a:rPr lang="en-US" sz="1400" dirty="0">
+                <a:solidFill>
+                  <a:srgbClr val="002060"/>
+                </a:solidFill>
+                <a:cs typeface="Verdana" panose="020B0604030504040204" pitchFamily="34" charset="0"/>
+              </a:rPr>
+              <a:t>vector regression. IEEE J. Sel. Top. Appl. Earth </a:t>
+            </a:r>
+            <a:r>
+              <a:rPr lang="en-US" sz="1400" dirty="0" err="1">
+                <a:solidFill>
+                  <a:srgbClr val="002060"/>
+                </a:solidFill>
+                <a:cs typeface="Verdana" panose="020B0604030504040204" pitchFamily="34" charset="0"/>
+              </a:rPr>
+              <a:t>Observ</a:t>
+            </a:r>
+            <a:r>
+              <a:rPr lang="en-US" sz="1400" dirty="0">
+                <a:solidFill>
+                  <a:srgbClr val="002060"/>
+                </a:solidFill>
+                <a:cs typeface="Verdana" panose="020B0604030504040204" pitchFamily="34" charset="0"/>
+              </a:rPr>
+              <a:t>. Remote Sens. 10, 1640–1650. </a:t>
+            </a:r>
+          </a:p>
+          <a:p>
+            <a:r>
+              <a:rPr lang="en-US" sz="1400" dirty="0">
+                <a:solidFill>
+                  <a:srgbClr val="002060"/>
+                </a:solidFill>
+                <a:cs typeface="Verdana" panose="020B0604030504040204" pitchFamily="34" charset="0"/>
+              </a:rPr>
+              <a:t>QGIS (2021): QGIS Geographic Information System. QGIS Association. URL: http://</a:t>
+            </a:r>
+            <a:r>
+              <a:rPr lang="en-US" sz="1400" dirty="0" err="1">
+                <a:solidFill>
+                  <a:srgbClr val="002060"/>
+                </a:solidFill>
+                <a:cs typeface="Verdana" panose="020B0604030504040204" pitchFamily="34" charset="0"/>
+              </a:rPr>
+              <a:t>www.qgis.org</a:t>
+            </a:r>
+            <a:r>
+              <a:rPr lang="en-US" sz="1400" dirty="0">
+                <a:solidFill>
+                  <a:srgbClr val="002060"/>
+                </a:solidFill>
+                <a:cs typeface="Verdana" panose="020B0604030504040204" pitchFamily="34" charset="0"/>
+              </a:rPr>
+              <a:t> </a:t>
+            </a:r>
+            <a:r>
+              <a:rPr lang="de-DE" altLang="de-DE" sz="1400" dirty="0">
+                <a:solidFill>
+                  <a:srgbClr val="002060"/>
+                </a:solidFill>
+                <a:cs typeface="Verdana" panose="020B0604030504040204" pitchFamily="34" charset="0"/>
+              </a:rPr>
+              <a:t>[2021-07-11]</a:t>
+            </a:r>
+            <a:endParaRPr lang="en-US" sz="1400" dirty="0">
+              <a:solidFill>
+                <a:srgbClr val="002060"/>
+              </a:solidFill>
+              <a:cs typeface="Verdana" panose="020B0604030504040204" pitchFamily="34" charset="0"/>
+            </a:endParaRPr>
+          </a:p>
+          <a:p>
+            <a:r>
+              <a:rPr lang="de-DE" altLang="de-DE" sz="1400" dirty="0">
+                <a:solidFill>
+                  <a:srgbClr val="002060"/>
+                </a:solidFill>
+                <a:cs typeface="Verdana" panose="020B0604030504040204" pitchFamily="34" charset="0"/>
+              </a:rPr>
+              <a:t>R Core Team (2021): R: A </a:t>
+            </a:r>
+            <a:r>
+              <a:rPr lang="de-DE" altLang="de-DE" sz="1400" dirty="0" err="1">
+                <a:solidFill>
+                  <a:srgbClr val="002060"/>
+                </a:solidFill>
+                <a:cs typeface="Verdana" panose="020B0604030504040204" pitchFamily="34" charset="0"/>
+              </a:rPr>
+              <a:t>language</a:t>
+            </a:r>
+            <a:r>
+              <a:rPr lang="de-DE" altLang="de-DE" sz="1400" dirty="0">
+                <a:solidFill>
+                  <a:srgbClr val="002060"/>
+                </a:solidFill>
+                <a:cs typeface="Verdana" panose="020B0604030504040204" pitchFamily="34" charset="0"/>
+              </a:rPr>
+              <a:t> </a:t>
+            </a:r>
+            <a:r>
+              <a:rPr lang="de-DE" altLang="de-DE" sz="1400" dirty="0" err="1">
+                <a:solidFill>
+                  <a:srgbClr val="002060"/>
+                </a:solidFill>
+                <a:cs typeface="Verdana" panose="020B0604030504040204" pitchFamily="34" charset="0"/>
+              </a:rPr>
+              <a:t>and</a:t>
+            </a:r>
+            <a:r>
+              <a:rPr lang="de-DE" altLang="de-DE" sz="1400" dirty="0">
+                <a:solidFill>
+                  <a:srgbClr val="002060"/>
+                </a:solidFill>
+                <a:cs typeface="Verdana" panose="020B0604030504040204" pitchFamily="34" charset="0"/>
+              </a:rPr>
+              <a:t> </a:t>
+            </a:r>
+            <a:r>
+              <a:rPr lang="de-DE" altLang="de-DE" sz="1400" dirty="0" err="1">
+                <a:solidFill>
+                  <a:srgbClr val="002060"/>
+                </a:solidFill>
+                <a:cs typeface="Verdana" panose="020B0604030504040204" pitchFamily="34" charset="0"/>
+              </a:rPr>
+              <a:t>environment</a:t>
+            </a:r>
+            <a:r>
+              <a:rPr lang="de-DE" altLang="de-DE" sz="1400" dirty="0">
+                <a:solidFill>
+                  <a:srgbClr val="002060"/>
+                </a:solidFill>
+                <a:cs typeface="Verdana" panose="020B0604030504040204" pitchFamily="34" charset="0"/>
+              </a:rPr>
+              <a:t> </a:t>
+            </a:r>
+            <a:r>
+              <a:rPr lang="de-DE" altLang="de-DE" sz="1400" dirty="0" err="1">
+                <a:solidFill>
+                  <a:srgbClr val="002060"/>
+                </a:solidFill>
+                <a:cs typeface="Verdana" panose="020B0604030504040204" pitchFamily="34" charset="0"/>
+              </a:rPr>
+              <a:t>for</a:t>
+            </a:r>
+            <a:r>
+              <a:rPr lang="de-DE" altLang="de-DE" sz="1400" dirty="0">
+                <a:solidFill>
+                  <a:srgbClr val="002060"/>
+                </a:solidFill>
+                <a:cs typeface="Verdana" panose="020B0604030504040204" pitchFamily="34" charset="0"/>
+              </a:rPr>
+              <a:t> </a:t>
+            </a:r>
+            <a:r>
+              <a:rPr lang="de-DE" altLang="de-DE" sz="1400" dirty="0" err="1">
+                <a:solidFill>
+                  <a:srgbClr val="002060"/>
+                </a:solidFill>
+                <a:cs typeface="Verdana" panose="020B0604030504040204" pitchFamily="34" charset="0"/>
+              </a:rPr>
+              <a:t>statistical</a:t>
+            </a:r>
+            <a:r>
+              <a:rPr lang="de-DE" altLang="de-DE" sz="1400" dirty="0">
+                <a:solidFill>
+                  <a:srgbClr val="002060"/>
+                </a:solidFill>
+                <a:cs typeface="Verdana" panose="020B0604030504040204" pitchFamily="34" charset="0"/>
+              </a:rPr>
+              <a:t> </a:t>
+            </a:r>
+            <a:r>
+              <a:rPr lang="de-DE" altLang="de-DE" sz="1400" dirty="0" err="1">
+                <a:solidFill>
+                  <a:srgbClr val="002060"/>
+                </a:solidFill>
+                <a:cs typeface="Verdana" panose="020B0604030504040204" pitchFamily="34" charset="0"/>
+              </a:rPr>
+              <a:t>computing</a:t>
+            </a:r>
+            <a:r>
+              <a:rPr lang="de-DE" altLang="de-DE" sz="1400" dirty="0">
+                <a:solidFill>
+                  <a:srgbClr val="002060"/>
+                </a:solidFill>
+                <a:cs typeface="Verdana" panose="020B0604030504040204" pitchFamily="34" charset="0"/>
+              </a:rPr>
+              <a:t>. R </a:t>
+            </a:r>
+            <a:r>
+              <a:rPr lang="de-DE" altLang="de-DE" sz="1400" dirty="0" err="1">
+                <a:solidFill>
+                  <a:srgbClr val="002060"/>
+                </a:solidFill>
+                <a:cs typeface="Verdana" panose="020B0604030504040204" pitchFamily="34" charset="0"/>
+              </a:rPr>
+              <a:t>Foundation</a:t>
+            </a:r>
+            <a:r>
+              <a:rPr lang="de-DE" altLang="de-DE" sz="1400" dirty="0">
+                <a:solidFill>
+                  <a:srgbClr val="002060"/>
+                </a:solidFill>
+                <a:cs typeface="Verdana" panose="020B0604030504040204" pitchFamily="34" charset="0"/>
+              </a:rPr>
+              <a:t> </a:t>
+            </a:r>
+            <a:r>
+              <a:rPr lang="de-DE" altLang="de-DE" sz="1400" dirty="0" err="1">
+                <a:solidFill>
+                  <a:srgbClr val="002060"/>
+                </a:solidFill>
+                <a:cs typeface="Verdana" panose="020B0604030504040204" pitchFamily="34" charset="0"/>
+              </a:rPr>
+              <a:t>for</a:t>
+            </a:r>
+            <a:r>
+              <a:rPr lang="de-DE" altLang="de-DE" sz="1400" dirty="0">
+                <a:solidFill>
+                  <a:srgbClr val="002060"/>
+                </a:solidFill>
+                <a:cs typeface="Verdana" panose="020B0604030504040204" pitchFamily="34" charset="0"/>
+              </a:rPr>
+              <a:t> Statistical Computing, Vienna, Austria. URL: </a:t>
+            </a:r>
+            <a:r>
+              <a:rPr lang="de-DE" altLang="de-DE" sz="1400" dirty="0">
+                <a:solidFill>
+                  <a:srgbClr val="002060"/>
+                </a:solidFill>
+                <a:cs typeface="Verdana" panose="020B0604030504040204" pitchFamily="34" charset="0"/>
+                <a:hlinkClick r:id="rId2">
+                  <a:extLst>
+                    <a:ext uri="{A12FA001-AC4F-418D-AE19-62706E023703}">
+                      <ahyp:hlinkClr xmlns:ahyp="http://schemas.microsoft.com/office/drawing/2018/hyperlinkcolor" val="tx"/>
+                    </a:ext>
+                  </a:extLst>
+                </a:hlinkClick>
+              </a:rPr>
+              <a:t>https://www.r-project.org</a:t>
+            </a:r>
+            <a:r>
+              <a:rPr lang="de-DE" altLang="de-DE" sz="1400" dirty="0">
+                <a:solidFill>
+                  <a:srgbClr val="002060"/>
+                </a:solidFill>
+                <a:cs typeface="Verdana" panose="020B0604030504040204" pitchFamily="34" charset="0"/>
+              </a:rPr>
+              <a:t> [2021-07-11]</a:t>
+            </a:r>
+            <a:endParaRPr lang="de-DE" sz="1400" dirty="0">
+              <a:solidFill>
+                <a:srgbClr val="002060"/>
+              </a:solidFill>
+              <a:cs typeface="Verdana" panose="020B0604030504040204" pitchFamily="34" charset="0"/>
+            </a:endParaRPr>
+          </a:p>
+          <a:p>
+            <a:r>
+              <a:rPr lang="en-US" sz="1400" dirty="0">
+                <a:solidFill>
+                  <a:srgbClr val="002060"/>
+                </a:solidFill>
+                <a:cs typeface="Verdana" panose="020B0604030504040204" pitchFamily="34" charset="0"/>
+              </a:rPr>
+              <a:t>Roberts et al. (2018): Hyperspectral vegetation indices. In: Hyperspectral indices and image classifications for agriculture and vegetation.</a:t>
+            </a:r>
+          </a:p>
+          <a:p>
+            <a:pPr marL="0" indent="0">
+              <a:buNone/>
+            </a:pPr>
+            <a:endParaRPr lang="de-DE" sz="1400" dirty="0">
+              <a:solidFill>
+                <a:srgbClr val="002060"/>
+              </a:solidFill>
+              <a:cs typeface="Verdana" panose="020B0604030504040204" pitchFamily="34" charset="0"/>
+            </a:endParaRPr>
+          </a:p>
+          <a:p>
+            <a:r>
+              <a:rPr lang="en-US" sz="1400" i="1" dirty="0">
+                <a:solidFill>
+                  <a:srgbClr val="002060"/>
+                </a:solidFill>
+                <a:cs typeface="Verdana" panose="020B0604030504040204" pitchFamily="34" charset="0"/>
+              </a:rPr>
+              <a:t>Referring as well to </a:t>
+            </a:r>
+            <a:r>
+              <a:rPr lang="en-US" sz="1400" dirty="0">
+                <a:solidFill>
+                  <a:srgbClr val="002060"/>
+                </a:solidFill>
+                <a:cs typeface="Verdana" panose="020B0604030504040204" pitchFamily="34" charset="0"/>
+              </a:rPr>
+              <a:t>California natural resources agency (2021) </a:t>
+            </a:r>
+            <a:r>
+              <a:rPr lang="en-US" sz="1400" i="1" dirty="0">
+                <a:solidFill>
+                  <a:srgbClr val="002060"/>
+                </a:solidFill>
+                <a:cs typeface="Verdana" panose="020B0604030504040204" pitchFamily="34" charset="0"/>
+              </a:rPr>
+              <a:t>for Cropping </a:t>
+            </a:r>
+            <a:r>
+              <a:rPr lang="en-US" sz="1400" dirty="0">
+                <a:solidFill>
+                  <a:srgbClr val="002060"/>
+                </a:solidFill>
+                <a:cs typeface="Verdana" panose="020B0604030504040204" pitchFamily="34" charset="0"/>
+              </a:rPr>
+              <a:t>(</a:t>
+            </a:r>
+            <a:r>
+              <a:rPr lang="en-US" sz="1400" i="1" dirty="0">
+                <a:solidFill>
+                  <a:srgbClr val="002060"/>
+                </a:solidFill>
+                <a:cs typeface="Verdana" panose="020B0604030504040204" pitchFamily="34" charset="0"/>
+              </a:rPr>
+              <a:t>e.g. vineyards, apple plantations, wheat etc.</a:t>
+            </a:r>
+            <a:r>
+              <a:rPr lang="en-US" sz="1400" dirty="0">
+                <a:solidFill>
+                  <a:srgbClr val="002060"/>
+                </a:solidFill>
+                <a:cs typeface="Verdana" panose="020B0604030504040204" pitchFamily="34" charset="0"/>
+              </a:rPr>
+              <a:t>). URL: </a:t>
+            </a:r>
+            <a:r>
+              <a:rPr lang="en-US" sz="1400" u="sng" dirty="0">
+                <a:solidFill>
+                  <a:srgbClr val="002060"/>
+                </a:solidFill>
+                <a:cs typeface="Verdana" panose="020B0604030504040204" pitchFamily="34" charset="0"/>
+                <a:hlinkClick r:id="rId3">
+                  <a:extLst>
+                    <a:ext uri="{A12FA001-AC4F-418D-AE19-62706E023703}">
+                      <ahyp:hlinkClr xmlns:ahyp="http://schemas.microsoft.com/office/drawing/2018/hyperlinkcolor" val="tx"/>
+                    </a:ext>
+                  </a:extLst>
+                </a:hlinkClick>
+              </a:rPr>
+              <a:t>https://data.cnra.ca.gov/dataset/crop-mapping-2014</a:t>
+            </a:r>
+            <a:r>
+              <a:rPr lang="en-US" sz="1400" dirty="0">
+                <a:solidFill>
+                  <a:srgbClr val="002060"/>
+                </a:solidFill>
+                <a:cs typeface="Verdana" panose="020B0604030504040204" pitchFamily="34" charset="0"/>
+              </a:rPr>
+              <a:t> [2021-06-19]</a:t>
+            </a:r>
+            <a:endParaRPr lang="de-DE" sz="1400" dirty="0">
+              <a:solidFill>
+                <a:srgbClr val="002060"/>
+              </a:solidFill>
+              <a:cs typeface="Verdana" panose="020B0604030504040204" pitchFamily="34" charset="0"/>
+            </a:endParaRPr>
+          </a:p>
+          <a:p>
+            <a:pPr marL="0" indent="0">
+              <a:buNone/>
+            </a:pPr>
+            <a:endParaRPr lang="en-GB" sz="1400" dirty="0">
+              <a:solidFill>
+                <a:srgbClr val="002060"/>
+              </a:solidFill>
+            </a:endParaRPr>
+          </a:p>
+        </p:txBody>
+      </p:sp>
+      <p:pic>
+        <p:nvPicPr>
+          <p:cNvPr id="10241" name="Picture 1" descr="page26image105527744">
+            <a:extLst>
+              <a:ext uri="{FF2B5EF4-FFF2-40B4-BE49-F238E27FC236}">
+                <a16:creationId xmlns:a16="http://schemas.microsoft.com/office/drawing/2014/main" id="{8B7E97B4-C99F-FE45-8EDA-D6BD4912B1A5}"/>
+              </a:ext>
+            </a:extLst>
+          </p:cNvPr>
+          <p:cNvPicPr>
+            <a:picLocks noChangeAspect="1" noChangeArrowheads="1"/>
+          </p:cNvPicPr>
+          <p:nvPr/>
+        </p:nvPicPr>
+        <p:blipFill>
+          <a:blip r:embed="rId4">
+            <a:extLst>
+              <a:ext uri="{28A0092B-C50C-407E-A947-70E740481C1C}">
+                <a14:useLocalDpi xmlns:a14="http://schemas.microsoft.com/office/drawing/2010/main" val="0"/>
+              </a:ext>
+            </a:extLst>
+          </a:blip>
+          <a:srcRect/>
+          <a:stretch>
+            <a:fillRect/>
+          </a:stretch>
+        </p:blipFill>
+        <p:spPr bwMode="auto">
+          <a:xfrm>
+            <a:off x="0" y="0"/>
+            <a:ext cx="5397500" cy="177800"/>
+          </a:xfrm>
+          <a:prstGeom prst="rect">
+            <a:avLst/>
+          </a:prstGeom>
+          <a:noFill/>
+          <a:extLst>
+            <a:ext uri="{909E8E84-426E-40DD-AFC4-6F175D3DCCD1}">
+              <a14:hiddenFill xmlns:a14="http://schemas.microsoft.com/office/drawing/2010/main">
+                <a:solidFill>
+                  <a:srgbClr val="FFFFFF"/>
+                </a:solidFill>
+              </a14:hiddenFill>
+            </a:ext>
+          </a:extLst>
+        </p:spPr>
+      </p:pic>
+      <p:pic>
+        <p:nvPicPr>
+          <p:cNvPr id="10243" name="Picture 3" descr="page26image105519872">
+            <a:extLst>
+              <a:ext uri="{FF2B5EF4-FFF2-40B4-BE49-F238E27FC236}">
+                <a16:creationId xmlns:a16="http://schemas.microsoft.com/office/drawing/2014/main" id="{2468CB8F-1429-634F-A3A5-9FF84D62F617}"/>
+              </a:ext>
+            </a:extLst>
+          </p:cNvPr>
+          <p:cNvPicPr>
+            <a:picLocks noChangeAspect="1" noChangeArrowheads="1"/>
+          </p:cNvPicPr>
+          <p:nvPr/>
+        </p:nvPicPr>
+        <p:blipFill>
+          <a:blip r:embed="rId4">
+            <a:extLst>
+              <a:ext uri="{28A0092B-C50C-407E-A947-70E740481C1C}">
+                <a14:useLocalDpi xmlns:a14="http://schemas.microsoft.com/office/drawing/2010/main" val="0"/>
+              </a:ext>
+            </a:extLst>
+          </a:blip>
+          <a:srcRect/>
+          <a:stretch>
+            <a:fillRect/>
+          </a:stretch>
+        </p:blipFill>
+        <p:spPr bwMode="auto">
+          <a:xfrm>
+            <a:off x="92075" y="-136525"/>
+            <a:ext cx="5397500" cy="177800"/>
+          </a:xfrm>
+          <a:prstGeom prst="rect">
+            <a:avLst/>
+          </a:prstGeom>
+          <a:noFill/>
+          <a:extLst>
+            <a:ext uri="{909E8E84-426E-40DD-AFC4-6F175D3DCCD1}">
+              <a14:hiddenFill xmlns:a14="http://schemas.microsoft.com/office/drawing/2010/main">
+                <a:solidFill>
+                  <a:srgbClr val="FFFFFF"/>
+                </a:solidFill>
+              </a14:hiddenFill>
+            </a:ext>
+          </a:extLst>
+        </p:spPr>
+      </p:pic>
+      <p:pic>
+        <p:nvPicPr>
+          <p:cNvPr id="10244" name="Picture 4" descr="page26image105525440">
+            <a:extLst>
+              <a:ext uri="{FF2B5EF4-FFF2-40B4-BE49-F238E27FC236}">
+                <a16:creationId xmlns:a16="http://schemas.microsoft.com/office/drawing/2014/main" id="{3B13F570-5CAB-F641-9CC5-E78F6BB01848}"/>
+              </a:ext>
+            </a:extLst>
+          </p:cNvPr>
+          <p:cNvPicPr>
+            <a:picLocks noChangeAspect="1" noChangeArrowheads="1"/>
+          </p:cNvPicPr>
+          <p:nvPr/>
+        </p:nvPicPr>
+        <p:blipFill>
+          <a:blip r:embed="rId5">
+            <a:extLst>
+              <a:ext uri="{28A0092B-C50C-407E-A947-70E740481C1C}">
+                <a14:useLocalDpi xmlns:a14="http://schemas.microsoft.com/office/drawing/2010/main" val="0"/>
+              </a:ext>
+            </a:extLst>
+          </a:blip>
+          <a:srcRect/>
+          <a:stretch>
+            <a:fillRect/>
+          </a:stretch>
+        </p:blipFill>
+        <p:spPr bwMode="auto">
+          <a:xfrm>
+            <a:off x="92075" y="320675"/>
+            <a:ext cx="850900" cy="177800"/>
+          </a:xfrm>
+          <a:prstGeom prst="rect">
+            <a:avLst/>
+          </a:prstGeom>
+          <a:noFill/>
+          <a:extLst>
+            <a:ext uri="{909E8E84-426E-40DD-AFC4-6F175D3DCCD1}">
+              <a14:hiddenFill xmlns:a14="http://schemas.microsoft.com/office/drawing/2010/main">
+                <a:solidFill>
+                  <a:srgbClr val="FFFFFF"/>
+                </a:solidFill>
+              </a14:hiddenFill>
+            </a:ext>
+          </a:extLst>
+        </p:spPr>
+      </p:pic>
+    </p:spTree>
+    <p:extLst>
+      <p:ext uri="{BB962C8B-B14F-4D97-AF65-F5344CB8AC3E}">
+        <p14:creationId xmlns:p14="http://schemas.microsoft.com/office/powerpoint/2010/main" val="865307364"/>
       </p:ext>
     </p:extLst>
   </p:cSld>
@@ -3035,7 +4447,7 @@
           <a:p>
             <a:r>
               <a:rPr lang="en-GB" sz="2400" dirty="0"/>
-              <a:t>Research goal</a:t>
+              <a:t>Overview</a:t>
             </a:r>
           </a:p>
         </p:txBody>
@@ -3050,7 +4462,12 @@
             <p:ph idx="1"/>
           </p:nvPr>
         </p:nvSpPr>
-        <p:spPr/>
+        <p:spPr>
+          <a:xfrm>
+            <a:off x="2855640" y="1783357"/>
+            <a:ext cx="7282333" cy="4525963"/>
+          </a:xfrm>
+        </p:spPr>
         <p:txBody>
           <a:bodyPr/>
           <a:lstStyle/>
@@ -3061,42 +4478,94 @@
             <a:endParaRPr lang="en-GB" sz="1800" dirty="0"/>
           </a:p>
           <a:p>
+            <a:pPr>
+              <a:buAutoNum type="arabicPeriod"/>
+            </a:pPr>
+            <a:r>
+              <a:rPr lang="en-GB" sz="1800" dirty="0"/>
+              <a:t>Research goal</a:t>
+            </a:r>
+          </a:p>
+          <a:p>
+            <a:pPr>
+              <a:buAutoNum type="arabicPeriod"/>
+            </a:pPr>
+            <a:r>
+              <a:rPr lang="en-GB" sz="1800" dirty="0"/>
+              <a:t>Methods </a:t>
+            </a:r>
+          </a:p>
+          <a:p>
             <a:pPr marL="0" indent="0">
               <a:buNone/>
             </a:pPr>
-            <a:endParaRPr lang="en-GB" sz="1800" dirty="0"/>
+            <a:r>
+              <a:rPr lang="en-GB" sz="1800" dirty="0"/>
+              <a:t>	Study Area</a:t>
+            </a:r>
           </a:p>
           <a:p>
             <a:pPr marL="0" indent="0">
               <a:buNone/>
             </a:pPr>
-            <a:endParaRPr lang="en-GB" sz="1800" dirty="0"/>
+            <a:r>
+              <a:rPr lang="en-GB" sz="1800" dirty="0"/>
+              <a:t>	Workflow</a:t>
+            </a:r>
           </a:p>
           <a:p>
             <a:pPr marL="0" indent="0">
               <a:buNone/>
             </a:pPr>
-            <a:endParaRPr lang="en-GB" sz="1800" dirty="0"/>
+            <a:r>
+              <a:rPr lang="en-GB" sz="1800" dirty="0"/>
+              <a:t>3. Results </a:t>
+            </a:r>
           </a:p>
           <a:p>
             <a:pPr marL="0" indent="0">
               <a:buNone/>
             </a:pPr>
-            <a:endParaRPr lang="en-GB" sz="1800" dirty="0"/>
-          </a:p>
-          <a:p>
-            <a:pPr marL="0" indent="0" algn="ctr">
+            <a:r>
+              <a:rPr lang="en-GB" sz="1800" dirty="0"/>
+              <a:t>	Non-vegetation vs. vegetation fraction</a:t>
+            </a:r>
+          </a:p>
+          <a:p>
+            <a:pPr marL="0" indent="0">
               <a:buNone/>
             </a:pPr>
             <a:r>
-              <a:rPr lang="en-GB" dirty="0"/>
-              <a:t>Comparison of vegetation class fraction maps based on hyperspectral and multi-temporal multi-spectral imagery </a:t>
-            </a:r>
-          </a:p>
-          <a:p>
-            <a:pPr marL="0" indent="0" algn="ctr">
+              <a:rPr lang="en-GB" sz="1800" dirty="0"/>
+              <a:t>	Non-woody vegetation fraction</a:t>
+            </a:r>
+          </a:p>
+          <a:p>
+            <a:pPr marL="0" indent="0">
               <a:buNone/>
             </a:pPr>
+            <a:r>
+              <a:rPr lang="en-GB" sz="1800" dirty="0"/>
+              <a:t>	Woody vegetation class fraction</a:t>
+            </a:r>
+          </a:p>
+          <a:p>
+            <a:pPr marL="0" indent="0">
+              <a:buNone/>
+            </a:pPr>
+            <a:r>
+              <a:rPr lang="en-GB" sz="1800" dirty="0"/>
+              <a:t>4. Discussion</a:t>
+            </a:r>
+          </a:p>
+          <a:p>
+            <a:pPr marL="0" indent="0">
+              <a:buNone/>
+            </a:pPr>
+            <a:r>
+              <a:rPr lang="en-GB" sz="1800" dirty="0"/>
+              <a:t>Literature</a:t>
+            </a:r>
             <a:endParaRPr lang="en-GB" dirty="0"/>
           </a:p>
           <a:p>
@@ -3124,8 +4593,8 @@
         </p:nvSpPr>
         <p:spPr bwMode="auto">
           <a:xfrm>
-            <a:off x="119336" y="6525344"/>
-            <a:ext cx="3134704" cy="276551"/>
+            <a:off x="10332" y="6525344"/>
+            <a:ext cx="6157676" cy="276551"/>
           </a:xfrm>
           <a:prstGeom prst="rect">
             <a:avLst/>
@@ -3162,7 +4631,7 @@
           </a:extLst>
         </p:spPr>
         <p:txBody>
-          <a:bodyPr wrap="none" rtlCol="0">
+          <a:bodyPr wrap="square" rtlCol="0">
             <a:spAutoFit/>
           </a:bodyPr>
           <a:lstStyle/>
@@ -3197,7 +4666,39 @@
                   <a:srgbClr val="00376C"/>
                 </a:solidFill>
               </a:rPr>
-              <a:t> – 14.07.2021</a:t>
+              <a:t> – </a:t>
+            </a:r>
+            <a:r>
+              <a:rPr lang="en-GB" sz="1200" dirty="0" err="1">
+                <a:solidFill>
+                  <a:srgbClr val="00376C"/>
+                </a:solidFill>
+              </a:rPr>
+              <a:t>Liehr</a:t>
+            </a:r>
+            <a:r>
+              <a:rPr lang="en-GB" sz="1200" dirty="0">
+                <a:solidFill>
+                  <a:srgbClr val="00376C"/>
+                </a:solidFill>
+              </a:rPr>
+              <a:t>, Lang, </a:t>
+            </a:r>
+            <a:r>
+              <a:rPr lang="en-GB" sz="1200" dirty="0" err="1">
+                <a:solidFill>
+                  <a:srgbClr val="00376C"/>
+                </a:solidFill>
+              </a:rPr>
+              <a:t>Schneidereit</a:t>
+            </a:r>
+            <a:r>
+              <a:rPr lang="en-GB" sz="1200" dirty="0">
+                <a:solidFill>
+                  <a:srgbClr val="00376C"/>
+                </a:solidFill>
+              </a:rPr>
+              <a:t>, Klug - 14.07.2021</a:t>
             </a:r>
           </a:p>
         </p:txBody>
@@ -3216,6 +4717,219 @@
 </file>
 
 <file path=ppt/slides/slide3.xml><?xml version="1.0" encoding="utf-8"?>
+<p:sld xmlns:a="http://schemas.openxmlformats.org/drawingml/2006/main" xmlns:r="http://schemas.openxmlformats.org/officeDocument/2006/relationships" xmlns:p="http://schemas.openxmlformats.org/presentationml/2006/main">
+  <p:cSld>
+    <p:spTree>
+      <p:nvGrpSpPr>
+        <p:cNvPr id="1" name=""/>
+        <p:cNvGrpSpPr/>
+        <p:nvPr/>
+      </p:nvGrpSpPr>
+      <p:grpSpPr>
+        <a:xfrm>
+          <a:off x="0" y="0"/>
+          <a:ext cx="0" cy="0"/>
+          <a:chOff x="0" y="0"/>
+          <a:chExt cx="0" cy="0"/>
+        </a:xfrm>
+      </p:grpSpPr>
+      <p:sp>
+        <p:nvSpPr>
+          <p:cNvPr id="2" name="Title 1"/>
+          <p:cNvSpPr>
+            <a:spLocks noGrp="1"/>
+          </p:cNvSpPr>
+          <p:nvPr>
+            <p:ph type="title"/>
+          </p:nvPr>
+        </p:nvSpPr>
+        <p:spPr/>
+        <p:txBody>
+          <a:bodyPr/>
+          <a:lstStyle/>
+          <a:p>
+            <a:r>
+              <a:rPr lang="en-GB" sz="2400" dirty="0"/>
+              <a:t>1. Research goal</a:t>
+            </a:r>
+          </a:p>
+        </p:txBody>
+      </p:sp>
+      <p:sp>
+        <p:nvSpPr>
+          <p:cNvPr id="7" name="Rechteck 6">
+            <a:extLst>
+              <a:ext uri="{FF2B5EF4-FFF2-40B4-BE49-F238E27FC236}">
+                <a16:creationId xmlns:a16="http://schemas.microsoft.com/office/drawing/2014/main" id="{B87D561B-E70D-0845-AEF0-B578CA9D1A2E}"/>
+              </a:ext>
+            </a:extLst>
+          </p:cNvPr>
+          <p:cNvSpPr/>
+          <p:nvPr/>
+        </p:nvSpPr>
+        <p:spPr>
+          <a:xfrm>
+            <a:off x="1711434" y="3212976"/>
+            <a:ext cx="8952656" cy="830997"/>
+          </a:xfrm>
+          <a:prstGeom prst="rect">
+            <a:avLst/>
+          </a:prstGeom>
+        </p:spPr>
+        <p:txBody>
+          <a:bodyPr wrap="square">
+            <a:spAutoFit/>
+          </a:bodyPr>
+          <a:lstStyle/>
+          <a:p>
+            <a:pPr marL="0" indent="0" algn="just">
+              <a:buNone/>
+            </a:pPr>
+            <a:r>
+              <a:rPr lang="en-GB" sz="2400" dirty="0"/>
+              <a:t>Comparison of vegetation class fraction maps based on hyperspectral and multi-temporal multi-spectral imagery </a:t>
+            </a:r>
+          </a:p>
+        </p:txBody>
+      </p:sp>
+      <p:sp>
+        <p:nvSpPr>
+          <p:cNvPr id="8" name="TextBox 1">
+            <a:extLst>
+              <a:ext uri="{FF2B5EF4-FFF2-40B4-BE49-F238E27FC236}">
+                <a16:creationId xmlns:a16="http://schemas.microsoft.com/office/drawing/2014/main" id="{EE2B8BD9-FC97-EC45-9708-B04B2C75D150}"/>
+              </a:ext>
+            </a:extLst>
+          </p:cNvPr>
+          <p:cNvSpPr txBox="1"/>
+          <p:nvPr/>
+        </p:nvSpPr>
+        <p:spPr bwMode="auto">
+          <a:xfrm>
+            <a:off x="10332" y="6525344"/>
+            <a:ext cx="6157676" cy="276551"/>
+          </a:xfrm>
+          <a:prstGeom prst="rect">
+            <a:avLst/>
+          </a:prstGeom>
+          <a:solidFill>
+            <a:schemeClr val="bg1">
+              <a:alpha val="70195"/>
+            </a:schemeClr>
+          </a:solidFill>
+          <a:ln>
+            <a:noFill/>
+          </a:ln>
+          <a:effectLst/>
+          <a:extLst>
+            <a:ext uri="{91240B29-F687-4F45-9708-019B960494DF}">
+              <a14:hiddenLine xmlns:a14="http://schemas.microsoft.com/office/drawing/2010/main" w="9525" algn="ctr">
+                <a:solidFill>
+                  <a:schemeClr val="tx1"/>
+                </a:solidFill>
+                <a:miter lim="800000"/>
+                <a:headEnd/>
+                <a:tailEnd/>
+              </a14:hiddenLine>
+            </a:ext>
+            <a:ext uri="{AF507438-7753-43E0-B8FC-AC1667EBCBE1}">
+              <a14:hiddenEffects xmlns:a14="http://schemas.microsoft.com/office/drawing/2010/main">
+                <a:effectLst>
+                  <a:outerShdw dist="35921" dir="2700000" algn="ctr" rotWithShape="0">
+                    <a:schemeClr val="bg2"/>
+                  </a:outerShdw>
+                </a:effectLst>
+              </a14:hiddenEffects>
+            </a:ext>
+          </a:extLst>
+        </p:spPr>
+        <p:txBody>
+          <a:bodyPr wrap="square" rtlCol="0">
+            <a:spAutoFit/>
+          </a:bodyPr>
+          <a:lstStyle/>
+          <a:p>
+            <a:pPr algn="ctr" eaLnBrk="1" hangingPunct="1">
+              <a:lnSpc>
+                <a:spcPct val="110000"/>
+              </a:lnSpc>
+              <a:spcAft>
+                <a:spcPts val="300"/>
+              </a:spcAft>
+            </a:pPr>
+            <a:r>
+              <a:rPr lang="en-GB" sz="1200" dirty="0">
+                <a:solidFill>
+                  <a:srgbClr val="00376C"/>
+                </a:solidFill>
+              </a:rPr>
+              <a:t>Hyperspectral </a:t>
+            </a:r>
+            <a:r>
+              <a:rPr lang="en-GB" sz="1200" dirty="0" err="1">
+                <a:solidFill>
+                  <a:srgbClr val="00376C"/>
+                </a:solidFill>
+              </a:rPr>
+              <a:t>Unmixing</a:t>
+            </a:r>
+            <a:r>
+              <a:rPr lang="en-GB" sz="1200" dirty="0">
+                <a:solidFill>
+                  <a:srgbClr val="00376C"/>
+                </a:solidFill>
+              </a:rPr>
+              <a:t> – </a:t>
+            </a:r>
+            <a:r>
+              <a:rPr lang="en-GB" sz="1200" dirty="0" err="1">
+                <a:solidFill>
+                  <a:srgbClr val="00376C"/>
+                </a:solidFill>
+              </a:rPr>
+              <a:t>Liehr</a:t>
+            </a:r>
+            <a:r>
+              <a:rPr lang="en-GB" sz="1200" dirty="0">
+                <a:solidFill>
+                  <a:srgbClr val="00376C"/>
+                </a:solidFill>
+              </a:rPr>
+              <a:t>, Lang, </a:t>
+            </a:r>
+            <a:r>
+              <a:rPr lang="en-GB" sz="1200" dirty="0" err="1">
+                <a:solidFill>
+                  <a:srgbClr val="00376C"/>
+                </a:solidFill>
+              </a:rPr>
+              <a:t>Schneidereit</a:t>
+            </a:r>
+            <a:r>
+              <a:rPr lang="en-GB" sz="1200" dirty="0">
+                <a:solidFill>
+                  <a:srgbClr val="00376C"/>
+                </a:solidFill>
+              </a:rPr>
+              <a:t>, Klug - 14.07.2021</a:t>
+            </a:r>
+          </a:p>
+        </p:txBody>
+      </p:sp>
+    </p:spTree>
+    <p:extLst>
+      <p:ext uri="{BB962C8B-B14F-4D97-AF65-F5344CB8AC3E}">
+        <p14:creationId xmlns:p14="http://schemas.microsoft.com/office/powerpoint/2010/main" val="3446475756"/>
+      </p:ext>
+    </p:extLst>
+  </p:cSld>
+  <p:clrMapOvr>
+    <a:masterClrMapping/>
+  </p:clrMapOvr>
+</p:sld>
+</file>
+
+<file path=ppt/slides/slide4.xml><?xml version="1.0" encoding="utf-8"?>
 <p:sld xmlns:a="http://schemas.openxmlformats.org/drawingml/2006/main" xmlns:r="http://schemas.openxmlformats.org/officeDocument/2006/relationships" xmlns:p="http://schemas.openxmlformats.org/presentationml/2006/main">
   <p:cSld>
     <p:spTree>
@@ -3255,6 +4969,14 @@
           <a:p>
             <a:r>
               <a:rPr lang="en-GB" sz="2400" dirty="0"/>
+              <a:t>2. Methods </a:t>
+            </a:r>
+            <a:r>
+              <a:rPr lang="en-GB" sz="1800" dirty="0"/>
+              <a:t>  </a:t>
+            </a:r>
+            <a:r>
+              <a:rPr lang="en-GB" sz="1800" b="0" dirty="0"/>
               <a:t>Study Area</a:t>
             </a:r>
           </a:p>
@@ -3621,10 +5343,10 @@
       </p:sp>
       <p:sp>
         <p:nvSpPr>
-          <p:cNvPr id="8" name="TextBox 1">
+          <p:cNvPr id="9" name="TextBox 1">
             <a:extLst>
               <a:ext uri="{FF2B5EF4-FFF2-40B4-BE49-F238E27FC236}">
-                <a16:creationId xmlns:a16="http://schemas.microsoft.com/office/drawing/2014/main" id="{917CDC79-7894-9C48-80A6-9D8E9D7881D0}"/>
+                <a16:creationId xmlns:a16="http://schemas.microsoft.com/office/drawing/2014/main" id="{D9C9537E-274C-4643-8D7C-57373BB6B1FF}"/>
               </a:ext>
             </a:extLst>
           </p:cNvPr>
@@ -3633,8 +5355,8 @@
         </p:nvSpPr>
         <p:spPr bwMode="auto">
           <a:xfrm>
-            <a:off x="119336" y="6525344"/>
-            <a:ext cx="3134704" cy="276551"/>
+            <a:off x="10332" y="6525344"/>
+            <a:ext cx="6157676" cy="276551"/>
           </a:xfrm>
           <a:prstGeom prst="rect">
             <a:avLst/>
@@ -3671,7 +5393,7 @@
           </a:extLst>
         </p:spPr>
         <p:txBody>
-          <a:bodyPr wrap="none" rtlCol="0">
+          <a:bodyPr wrap="square" rtlCol="0">
             <a:spAutoFit/>
           </a:bodyPr>
           <a:lstStyle/>
@@ -3706,7 +5428,39 @@
                   <a:srgbClr val="00376C"/>
                 </a:solidFill>
               </a:rPr>
-              <a:t> – 14.07.2021</a:t>
+              <a:t> – </a:t>
+            </a:r>
+            <a:r>
+              <a:rPr lang="en-GB" sz="1200" dirty="0" err="1">
+                <a:solidFill>
+                  <a:srgbClr val="00376C"/>
+                </a:solidFill>
+              </a:rPr>
+              <a:t>Liehr</a:t>
+            </a:r>
+            <a:r>
+              <a:rPr lang="en-GB" sz="1200" dirty="0">
+                <a:solidFill>
+                  <a:srgbClr val="00376C"/>
+                </a:solidFill>
+              </a:rPr>
+              <a:t>, Lang, </a:t>
+            </a:r>
+            <a:r>
+              <a:rPr lang="en-GB" sz="1200" dirty="0" err="1">
+                <a:solidFill>
+                  <a:srgbClr val="00376C"/>
+                </a:solidFill>
+              </a:rPr>
+              <a:t>Schneidereit</a:t>
+            </a:r>
+            <a:r>
+              <a:rPr lang="en-GB" sz="1200" dirty="0">
+                <a:solidFill>
+                  <a:srgbClr val="00376C"/>
+                </a:solidFill>
+              </a:rPr>
+              <a:t>, Klug - 14.07.2021</a:t>
             </a:r>
           </a:p>
         </p:txBody>
@@ -3724,7 +5478,7 @@
 </p:sld>
 </file>
 
-<file path=ppt/slides/slide4.xml><?xml version="1.0" encoding="utf-8"?>
+<file path=ppt/slides/slide5.xml><?xml version="1.0" encoding="utf-8"?>
 <p:sld xmlns:a="http://schemas.openxmlformats.org/drawingml/2006/main" xmlns:r="http://schemas.openxmlformats.org/officeDocument/2006/relationships" xmlns:p="http://schemas.openxmlformats.org/presentationml/2006/main">
   <p:cSld>
     <p:spTree>
@@ -3741,34 +5495,6 @@
           <a:chExt cx="0" cy="0"/>
         </a:xfrm>
       </p:grpSpPr>
-      <p:sp>
-        <p:nvSpPr>
-          <p:cNvPr id="2" name="Title 1">
-            <a:extLst>
-              <a:ext uri="{FF2B5EF4-FFF2-40B4-BE49-F238E27FC236}">
-                <a16:creationId xmlns:a16="http://schemas.microsoft.com/office/drawing/2014/main" id="{52F61657-BA33-CB4E-8147-75E30374C878}"/>
-              </a:ext>
-            </a:extLst>
-          </p:cNvPr>
-          <p:cNvSpPr>
-            <a:spLocks noGrp="1"/>
-          </p:cNvSpPr>
-          <p:nvPr>
-            <p:ph type="title"/>
-          </p:nvPr>
-        </p:nvSpPr>
-        <p:spPr/>
-        <p:txBody>
-          <a:bodyPr/>
-          <a:lstStyle/>
-          <a:p>
-            <a:r>
-              <a:rPr lang="en-GB" sz="2400" dirty="0"/>
-              <a:t>Workflow</a:t>
-            </a:r>
-          </a:p>
-        </p:txBody>
-      </p:sp>
       <p:pic>
         <p:nvPicPr>
           <p:cNvPr id="6" name="Grafik 5">
@@ -3819,7 +5545,7 @@
         </p:nvSpPr>
         <p:spPr>
           <a:xfrm>
-            <a:off x="8049770" y="6540508"/>
+            <a:off x="8786241" y="6525344"/>
             <a:ext cx="1627369" cy="246221"/>
           </a:xfrm>
           <a:prstGeom prst="rect">
@@ -3862,98 +5588,6 @@
                 <a:cs typeface="Verdana" panose="020B0604030504040204" pitchFamily="34" charset="0"/>
               </a:rPr>
               <a:t>V.5</a:t>
-            </a:r>
-          </a:p>
-        </p:txBody>
-      </p:sp>
-      <p:sp>
-        <p:nvSpPr>
-          <p:cNvPr id="8" name="TextBox 1">
-            <a:extLst>
-              <a:ext uri="{FF2B5EF4-FFF2-40B4-BE49-F238E27FC236}">
-                <a16:creationId xmlns:a16="http://schemas.microsoft.com/office/drawing/2014/main" id="{9B8827C1-AADA-FE4F-A973-52CA920E13D8}"/>
-              </a:ext>
-            </a:extLst>
-          </p:cNvPr>
-          <p:cNvSpPr txBox="1"/>
-          <p:nvPr/>
-        </p:nvSpPr>
-        <p:spPr bwMode="auto">
-          <a:xfrm>
-            <a:off x="119336" y="6525344"/>
-            <a:ext cx="3134704" cy="276551"/>
-          </a:xfrm>
-          <a:prstGeom prst="rect">
-            <a:avLst/>
-          </a:prstGeom>
-          <a:solidFill>
-            <a:schemeClr val="bg1">
-              <a:alpha val="70195"/>
-            </a:schemeClr>
-          </a:solidFill>
-          <a:ln>
-            <a:noFill/>
-          </a:ln>
-          <a:effectLst/>
-          <a:extLst>
-            <a:ext uri="{91240B29-F687-4F45-9708-019B960494DF}">
-              <a14:hiddenLine xmlns:a14="http://schemas.microsoft.com/office/drawing/2010/main" w="9525" algn="ctr">
-                <a:solidFill>
-                  <a:schemeClr val="tx1"/>
-                </a:solidFill>
-                <a:miter lim="800000"/>
-                <a:headEnd/>
-                <a:tailEnd/>
-              </a14:hiddenLine>
-            </a:ext>
-            <a:ext uri="{AF507438-7753-43E0-B8FC-AC1667EBCBE1}">
-              <a14:hiddenEffects xmlns:a14="http://schemas.microsoft.com/office/drawing/2010/main">
-                <a:effectLst>
-                  <a:outerShdw dist="35921" dir="2700000" algn="ctr" rotWithShape="0">
-                    <a:schemeClr val="bg2"/>
-                  </a:outerShdw>
-                </a:effectLst>
-              </a14:hiddenEffects>
-            </a:ext>
-          </a:extLst>
-        </p:spPr>
-        <p:txBody>
-          <a:bodyPr wrap="none" rtlCol="0">
-            <a:spAutoFit/>
-          </a:bodyPr>
-          <a:lstStyle/>
-          <a:p>
-            <a:pPr algn="ctr" eaLnBrk="1" hangingPunct="1">
-              <a:lnSpc>
-                <a:spcPct val="110000"/>
-              </a:lnSpc>
-              <a:spcAft>
-                <a:spcPts val="300"/>
-              </a:spcAft>
-            </a:pPr>
-            <a:r>
-              <a:rPr lang="en-GB" sz="1200" dirty="0">
-                <a:solidFill>
-                  <a:srgbClr val="00376C"/>
-                </a:solidFill>
-              </a:rPr>
-              <a:t>Hyperspectral </a:t>
-            </a:r>
-            <a:r>
-              <a:rPr lang="en-GB" sz="1200" dirty="0" err="1">
-                <a:solidFill>
-                  <a:srgbClr val="00376C"/>
-                </a:solidFill>
-              </a:rPr>
-              <a:t>Unmixing</a:t>
-            </a:r>
-            <a:r>
-              <a:rPr lang="en-GB" sz="1200" dirty="0">
-                <a:solidFill>
-                  <a:srgbClr val="00376C"/>
-                </a:solidFill>
-              </a:rPr>
-              <a:t> – 14.07.2021</a:t>
             </a:r>
           </a:p>
         </p:txBody>
@@ -4077,7 +5711,7 @@
         </p:nvSpPr>
         <p:spPr>
           <a:xfrm>
-            <a:off x="8400256" y="3582507"/>
+            <a:off x="8400256" y="3367446"/>
             <a:ext cx="2399341" cy="246221"/>
           </a:xfrm>
           <a:prstGeom prst="rect">
@@ -4090,7 +5724,7 @@
           </a:bodyPr>
           <a:lstStyle/>
           <a:p>
-            <a:pPr lvl="0" algn="ctr"/>
+            <a:pPr lvl="0"/>
             <a:r>
               <a:rPr lang="en-US" altLang="de-DE" i="1" dirty="0">
                 <a:solidFill>
@@ -4118,8 +5752,8 @@
         </p:nvSpPr>
         <p:spPr>
           <a:xfrm>
-            <a:off x="8400256" y="5837202"/>
-            <a:ext cx="2399341" cy="400110"/>
+            <a:off x="8400256" y="5790165"/>
+            <a:ext cx="2952328" cy="246221"/>
           </a:xfrm>
           <a:prstGeom prst="rect">
             <a:avLst/>
@@ -4134,7 +5768,7 @@
           </a:bodyPr>
           <a:lstStyle/>
           <a:p>
-            <a:pPr lvl="0" algn="ctr"/>
+            <a:pPr lvl="0"/>
             <a:r>
               <a:rPr lang="en-US" altLang="de-DE" i="1" dirty="0">
                 <a:solidFill>
@@ -4143,7 +5777,118 @@
                 <a:ea typeface="Verdana" panose="020B0604030504040204" pitchFamily="34" charset="0"/>
                 <a:cs typeface="Verdana" panose="020B0604030504040204" pitchFamily="34" charset="0"/>
               </a:rPr>
-              <a:t>Current step, first results on next slide</a:t>
+              <a:t>Current step (first results on next slide)</a:t>
+            </a:r>
+          </a:p>
+        </p:txBody>
+      </p:sp>
+      <p:sp>
+        <p:nvSpPr>
+          <p:cNvPr id="17" name="Rechteck 16">
+            <a:extLst>
+              <a:ext uri="{FF2B5EF4-FFF2-40B4-BE49-F238E27FC236}">
+                <a16:creationId xmlns:a16="http://schemas.microsoft.com/office/drawing/2014/main" id="{5312933E-8929-B745-AC83-DD2DBD425514}"/>
+              </a:ext>
+            </a:extLst>
+          </p:cNvPr>
+          <p:cNvSpPr/>
+          <p:nvPr/>
+        </p:nvSpPr>
+        <p:spPr>
+          <a:xfrm>
+            <a:off x="8400256" y="4293096"/>
+            <a:ext cx="2304256" cy="338554"/>
+          </a:xfrm>
+          <a:prstGeom prst="rect">
+            <a:avLst/>
+          </a:prstGeom>
+          <a:solidFill>
+            <a:schemeClr val="bg1"/>
+          </a:solidFill>
+        </p:spPr>
+        <p:txBody>
+          <a:bodyPr wrap="square">
+            <a:spAutoFit/>
+          </a:bodyPr>
+          <a:lstStyle/>
+          <a:p>
+            <a:pPr lvl="0"/>
+            <a:r>
+              <a:rPr lang="en-US" altLang="de-DE" sz="800" i="1" dirty="0">
+                <a:solidFill>
+                  <a:srgbClr val="889AB2"/>
+                </a:solidFill>
+                <a:ea typeface="Verdana" panose="020B0604030504040204" pitchFamily="34" charset="0"/>
+                <a:cs typeface="Verdana" panose="020B0604030504040204" pitchFamily="34" charset="0"/>
+              </a:rPr>
+              <a:t>with Python script by Leon </a:t>
+            </a:r>
+            <a:r>
+              <a:rPr lang="en-US" altLang="de-DE" sz="800" i="1" dirty="0" err="1">
+                <a:solidFill>
+                  <a:srgbClr val="889AB2"/>
+                </a:solidFill>
+                <a:ea typeface="Verdana" panose="020B0604030504040204" pitchFamily="34" charset="0"/>
+                <a:cs typeface="Verdana" panose="020B0604030504040204" pitchFamily="34" charset="0"/>
+              </a:rPr>
+              <a:t>Nill</a:t>
+            </a:r>
+            <a:endParaRPr lang="en-US" altLang="de-DE" sz="800" i="1" dirty="0">
+              <a:solidFill>
+                <a:srgbClr val="889AB2"/>
+              </a:solidFill>
+              <a:ea typeface="Verdana" panose="020B0604030504040204" pitchFamily="34" charset="0"/>
+              <a:cs typeface="Verdana" panose="020B0604030504040204" pitchFamily="34" charset="0"/>
+            </a:endParaRPr>
+          </a:p>
+          <a:p>
+            <a:pPr lvl="0"/>
+            <a:r>
+              <a:rPr lang="en-US" altLang="de-DE" sz="800" i="1" dirty="0">
+                <a:solidFill>
+                  <a:srgbClr val="889AB2"/>
+                </a:solidFill>
+                <a:ea typeface="Verdana" panose="020B0604030504040204" pitchFamily="34" charset="0"/>
+                <a:cs typeface="Verdana" panose="020B0604030504040204" pitchFamily="34" charset="0"/>
+              </a:rPr>
+              <a:t>(otherwise R and QGIS were applied)</a:t>
+            </a:r>
+          </a:p>
+        </p:txBody>
+      </p:sp>
+      <p:sp>
+        <p:nvSpPr>
+          <p:cNvPr id="2" name="Title 1">
+            <a:extLst>
+              <a:ext uri="{FF2B5EF4-FFF2-40B4-BE49-F238E27FC236}">
+                <a16:creationId xmlns:a16="http://schemas.microsoft.com/office/drawing/2014/main" id="{52F61657-BA33-CB4E-8147-75E30374C878}"/>
+              </a:ext>
+            </a:extLst>
+          </p:cNvPr>
+          <p:cNvSpPr>
+            <a:spLocks noGrp="1"/>
+          </p:cNvSpPr>
+          <p:nvPr>
+            <p:ph type="title"/>
+          </p:nvPr>
+        </p:nvSpPr>
+        <p:spPr>
+          <a:xfrm>
+            <a:off x="623392" y="729580"/>
+            <a:ext cx="3384376" cy="1763316"/>
+          </a:xfrm>
+        </p:spPr>
+        <p:txBody>
+          <a:bodyPr/>
+          <a:lstStyle/>
+          <a:p>
+            <a:r>
+              <a:rPr lang="en-GB" sz="2400" dirty="0"/>
+              <a:t>2. Methods  </a:t>
+            </a:r>
+            <a:r>
+              <a:rPr lang="en-GB" sz="1800" b="0" dirty="0"/>
+              <a:t>Workflow</a:t>
             </a:r>
           </a:p>
         </p:txBody>
@@ -4161,7 +5906,7 @@
 </p:sld>
 </file>
 
-<file path=ppt/slides/slide5.xml><?xml version="1.0" encoding="utf-8"?>
+<file path=ppt/slides/slide6.xml><?xml version="1.0" encoding="utf-8"?>
 <p:sld xmlns:a="http://schemas.openxmlformats.org/drawingml/2006/main" xmlns:r="http://schemas.openxmlformats.org/officeDocument/2006/relationships" xmlns:p="http://schemas.openxmlformats.org/presentationml/2006/main">
   <p:cSld>
     <p:spTree>
@@ -4201,17 +5946,115 @@
           <a:p>
             <a:r>
               <a:rPr lang="en-GB" sz="2400" dirty="0"/>
-              <a:t>Map</a:t>
+              <a:t>3. Results  </a:t>
+            </a:r>
+            <a:r>
+              <a:rPr lang="en-GB" sz="1800" b="0" dirty="0"/>
+              <a:t>Non-Vegetation vs. Vegetation fraction</a:t>
             </a:r>
           </a:p>
         </p:txBody>
       </p:sp>
       <p:sp>
         <p:nvSpPr>
-          <p:cNvPr id="5" name="TextBox 1">
+          <p:cNvPr id="6" name="Rechteck 5">
             <a:extLst>
               <a:ext uri="{FF2B5EF4-FFF2-40B4-BE49-F238E27FC236}">
-                <a16:creationId xmlns:a16="http://schemas.microsoft.com/office/drawing/2014/main" id="{5BFFB6AA-6691-2E41-BF2E-C548D7E23AAF}"/>
+                <a16:creationId xmlns:a16="http://schemas.microsoft.com/office/drawing/2014/main" id="{193AFE63-5BBC-AF4B-960A-A5A302CA62AF}"/>
+              </a:ext>
+            </a:extLst>
+          </p:cNvPr>
+          <p:cNvSpPr/>
+          <p:nvPr/>
+        </p:nvSpPr>
+        <p:spPr>
+          <a:xfrm>
+            <a:off x="8112224" y="4874113"/>
+            <a:ext cx="3260829" cy="246221"/>
+          </a:xfrm>
+          <a:prstGeom prst="rect">
+            <a:avLst/>
+          </a:prstGeom>
+        </p:spPr>
+        <p:txBody>
+          <a:bodyPr wrap="none">
+            <a:spAutoFit/>
+          </a:bodyPr>
+          <a:lstStyle/>
+          <a:p>
+            <a:pPr lvl="0" algn="ctr"/>
+            <a:r>
+              <a:rPr lang="en-US" altLang="de-DE" b="1" dirty="0">
+                <a:solidFill>
+                  <a:srgbClr val="002060"/>
+                </a:solidFill>
+                <a:ea typeface="Verdana" panose="020B0604030504040204" pitchFamily="34" charset="0"/>
+                <a:cs typeface="Verdana" panose="020B0604030504040204" pitchFamily="34" charset="0"/>
+              </a:rPr>
+              <a:t>Fig.  3:</a:t>
+            </a:r>
+            <a:r>
+              <a:rPr lang="en-US" altLang="de-DE" dirty="0">
+                <a:solidFill>
+                  <a:srgbClr val="002060"/>
+                </a:solidFill>
+                <a:ea typeface="Verdana" panose="020B0604030504040204" pitchFamily="34" charset="0"/>
+                <a:cs typeface="Verdana" panose="020B0604030504040204" pitchFamily="34" charset="0"/>
+              </a:rPr>
+              <a:t> Map 1 (Non-Vegetation vs. Vegetation)</a:t>
+            </a:r>
+            <a:endParaRPr lang="en-US" altLang="de-DE" i="1" dirty="0">
+              <a:solidFill>
+                <a:srgbClr val="002060"/>
+              </a:solidFill>
+              <a:ea typeface="Verdana" panose="020B0604030504040204" pitchFamily="34" charset="0"/>
+              <a:cs typeface="Verdana" panose="020B0604030504040204" pitchFamily="34" charset="0"/>
+            </a:endParaRPr>
+          </a:p>
+        </p:txBody>
+      </p:sp>
+      <p:pic>
+        <p:nvPicPr>
+          <p:cNvPr id="8" name="Grafik 7">
+            <a:extLst>
+              <a:ext uri="{FF2B5EF4-FFF2-40B4-BE49-F238E27FC236}">
+                <a16:creationId xmlns:a16="http://schemas.microsoft.com/office/drawing/2014/main" id="{A5D0C99E-DDAF-C648-B007-D6764BA35710}"/>
+              </a:ext>
+            </a:extLst>
+          </p:cNvPr>
+          <p:cNvPicPr>
+            <a:picLocks noChangeAspect="1"/>
+          </p:cNvPicPr>
+          <p:nvPr/>
+        </p:nvPicPr>
+        <p:blipFill>
+          <a:blip r:embed="rId2">
+            <a:extLst>
+              <a:ext uri="{28A0092B-C50C-407E-A947-70E740481C1C}">
+                <a14:useLocalDpi xmlns:a14="http://schemas.microsoft.com/office/drawing/2010/main" val="0"/>
+              </a:ext>
+            </a:extLst>
+          </a:blip>
+          <a:stretch>
+            <a:fillRect/>
+          </a:stretch>
+        </p:blipFill>
+        <p:spPr>
+          <a:xfrm>
+            <a:off x="767408" y="2597880"/>
+            <a:ext cx="10800000" cy="2276233"/>
+          </a:xfrm>
+          <a:prstGeom prst="rect">
+            <a:avLst/>
+          </a:prstGeom>
+        </p:spPr>
+      </p:pic>
+      <p:sp>
+        <p:nvSpPr>
+          <p:cNvPr id="9" name="TextBox 1">
+            <a:extLst>
+              <a:ext uri="{FF2B5EF4-FFF2-40B4-BE49-F238E27FC236}">
+                <a16:creationId xmlns:a16="http://schemas.microsoft.com/office/drawing/2014/main" id="{E6973ED5-3580-CC4F-8F41-EB7A29920ADF}"/>
               </a:ext>
             </a:extLst>
           </p:cNvPr>
@@ -4220,8 +6063,8 @@
         </p:nvSpPr>
         <p:spPr bwMode="auto">
           <a:xfrm>
-            <a:off x="119336" y="6525344"/>
-            <a:ext cx="3134704" cy="276551"/>
+            <a:off x="10332" y="6525344"/>
+            <a:ext cx="6157676" cy="276551"/>
           </a:xfrm>
           <a:prstGeom prst="rect">
             <a:avLst/>
@@ -4258,7 +6101,7 @@
           </a:extLst>
         </p:spPr>
         <p:txBody>
-          <a:bodyPr wrap="none" rtlCol="0">
+          <a:bodyPr wrap="square" rtlCol="0">
             <a:spAutoFit/>
           </a:bodyPr>
           <a:lstStyle/>
@@ -4293,66 +6136,40 @@
                   <a:srgbClr val="00376C"/>
                 </a:solidFill>
               </a:rPr>
-              <a:t> – 14.07.2021</a:t>
-            </a:r>
-          </a:p>
-        </p:txBody>
-      </p:sp>
-      <p:sp>
-        <p:nvSpPr>
-          <p:cNvPr id="6" name="Rechteck 5">
-            <a:extLst>
-              <a:ext uri="{FF2B5EF4-FFF2-40B4-BE49-F238E27FC236}">
-                <a16:creationId xmlns:a16="http://schemas.microsoft.com/office/drawing/2014/main" id="{193AFE63-5BBC-AF4B-960A-A5A302CA62AF}"/>
-              </a:ext>
-            </a:extLst>
-          </p:cNvPr>
-          <p:cNvSpPr/>
-          <p:nvPr/>
-        </p:nvSpPr>
-        <p:spPr>
-          <a:xfrm>
-            <a:off x="4250777" y="6165304"/>
-            <a:ext cx="3260829" cy="246221"/>
-          </a:xfrm>
-          <a:prstGeom prst="rect">
-            <a:avLst/>
-          </a:prstGeom>
-        </p:spPr>
-        <p:txBody>
-          <a:bodyPr wrap="none">
-            <a:spAutoFit/>
-          </a:bodyPr>
-          <a:lstStyle/>
-          <a:p>
-            <a:pPr lvl="0" algn="ctr"/>
-            <a:r>
-              <a:rPr lang="en-US" altLang="de-DE" b="1" dirty="0">
-                <a:solidFill>
-                  <a:srgbClr val="002060"/>
-                </a:solidFill>
-                <a:ea typeface="Verdana" panose="020B0604030504040204" pitchFamily="34" charset="0"/>
-                <a:cs typeface="Verdana" panose="020B0604030504040204" pitchFamily="34" charset="0"/>
-              </a:rPr>
-              <a:t>Fig.  3:</a:t>
-            </a:r>
-            <a:r>
-              <a:rPr lang="en-US" altLang="de-DE" dirty="0">
-                <a:solidFill>
-                  <a:srgbClr val="002060"/>
-                </a:solidFill>
-                <a:ea typeface="Verdana" panose="020B0604030504040204" pitchFamily="34" charset="0"/>
-                <a:cs typeface="Verdana" panose="020B0604030504040204" pitchFamily="34" charset="0"/>
-              </a:rPr>
-              <a:t> Map 1 (Non-Vegetation vs. Vegetation)</a:t>
-            </a:r>
-            <a:endParaRPr lang="en-US" altLang="de-DE" i="1" dirty="0">
-              <a:solidFill>
-                <a:srgbClr val="002060"/>
-              </a:solidFill>
-              <a:ea typeface="Verdana" panose="020B0604030504040204" pitchFamily="34" charset="0"/>
-              <a:cs typeface="Verdana" panose="020B0604030504040204" pitchFamily="34" charset="0"/>
-            </a:endParaRPr>
+              <a:t> – </a:t>
+            </a:r>
+            <a:r>
+              <a:rPr lang="en-GB" sz="1200" dirty="0" err="1">
+                <a:solidFill>
+                  <a:srgbClr val="00376C"/>
+                </a:solidFill>
+              </a:rPr>
+              <a:t>Liehr</a:t>
+            </a:r>
+            <a:r>
+              <a:rPr lang="en-GB" sz="1200" dirty="0">
+                <a:solidFill>
+                  <a:srgbClr val="00376C"/>
+                </a:solidFill>
+              </a:rPr>
+              <a:t>, Lang, </a:t>
+            </a:r>
+            <a:r>
+              <a:rPr lang="en-GB" sz="1200" dirty="0" err="1">
+                <a:solidFill>
+                  <a:srgbClr val="00376C"/>
+                </a:solidFill>
+              </a:rPr>
+              <a:t>Schneidereit</a:t>
+            </a:r>
+            <a:r>
+              <a:rPr lang="en-GB" sz="1200" dirty="0">
+                <a:solidFill>
+                  <a:srgbClr val="00376C"/>
+                </a:solidFill>
+              </a:rPr>
+              <a:t>, Klug - 14.07.2021</a:t>
+            </a:r>
           </a:p>
         </p:txBody>
       </p:sp>
@@ -4369,7 +6186,723 @@
 </p:sld>
 </file>
 
-<file path=ppt/slides/slide6.xml><?xml version="1.0" encoding="utf-8"?>
+<file path=ppt/slides/slide7.xml><?xml version="1.0" encoding="utf-8"?>
+<p:sld xmlns:a="http://schemas.openxmlformats.org/drawingml/2006/main" xmlns:r="http://schemas.openxmlformats.org/officeDocument/2006/relationships" xmlns:p="http://schemas.openxmlformats.org/presentationml/2006/main">
+  <p:cSld>
+    <p:spTree>
+      <p:nvGrpSpPr>
+        <p:cNvPr id="1" name=""/>
+        <p:cNvGrpSpPr/>
+        <p:nvPr/>
+      </p:nvGrpSpPr>
+      <p:grpSpPr>
+        <a:xfrm>
+          <a:off x="0" y="0"/>
+          <a:ext cx="0" cy="0"/>
+          <a:chOff x="0" y="0"/>
+          <a:chExt cx="0" cy="0"/>
+        </a:xfrm>
+      </p:grpSpPr>
+      <p:sp>
+        <p:nvSpPr>
+          <p:cNvPr id="2" name="Title 1">
+            <a:extLst>
+              <a:ext uri="{FF2B5EF4-FFF2-40B4-BE49-F238E27FC236}">
+                <a16:creationId xmlns:a16="http://schemas.microsoft.com/office/drawing/2014/main" id="{A0228E93-0075-2D4D-A872-CE9FC690174F}"/>
+              </a:ext>
+            </a:extLst>
+          </p:cNvPr>
+          <p:cNvSpPr>
+            <a:spLocks noGrp="1"/>
+          </p:cNvSpPr>
+          <p:nvPr>
+            <p:ph type="title"/>
+          </p:nvPr>
+        </p:nvSpPr>
+        <p:spPr/>
+        <p:txBody>
+          <a:bodyPr/>
+          <a:lstStyle/>
+          <a:p>
+            <a:r>
+              <a:rPr lang="en-GB" sz="2400" dirty="0"/>
+              <a:t>3. Results </a:t>
+            </a:r>
+            <a:r>
+              <a:rPr lang="en-GB" sz="1800" dirty="0"/>
+              <a:t> </a:t>
+            </a:r>
+            <a:r>
+              <a:rPr lang="en-GB" sz="1800" b="0" dirty="0"/>
+              <a:t>Non-Woody vegetation fraction</a:t>
+            </a:r>
+          </a:p>
+        </p:txBody>
+      </p:sp>
+      <p:pic>
+        <p:nvPicPr>
+          <p:cNvPr id="11" name="Grafik 10">
+            <a:extLst>
+              <a:ext uri="{FF2B5EF4-FFF2-40B4-BE49-F238E27FC236}">
+                <a16:creationId xmlns:a16="http://schemas.microsoft.com/office/drawing/2014/main" id="{9364F1AA-C26C-A447-8603-361308BC33D1}"/>
+              </a:ext>
+            </a:extLst>
+          </p:cNvPr>
+          <p:cNvPicPr>
+            <a:picLocks noChangeAspect="1"/>
+          </p:cNvPicPr>
+          <p:nvPr/>
+        </p:nvPicPr>
+        <p:blipFill>
+          <a:blip r:embed="rId2">
+            <a:extLst>
+              <a:ext uri="{28A0092B-C50C-407E-A947-70E740481C1C}">
+                <a14:useLocalDpi xmlns:a14="http://schemas.microsoft.com/office/drawing/2010/main" val="0"/>
+              </a:ext>
+            </a:extLst>
+          </a:blip>
+          <a:stretch>
+            <a:fillRect/>
+          </a:stretch>
+        </p:blipFill>
+        <p:spPr>
+          <a:xfrm>
+            <a:off x="767408" y="2756364"/>
+            <a:ext cx="10800000" cy="1993343"/>
+          </a:xfrm>
+          <a:prstGeom prst="rect">
+            <a:avLst/>
+          </a:prstGeom>
+        </p:spPr>
+      </p:pic>
+      <p:sp>
+        <p:nvSpPr>
+          <p:cNvPr id="12" name="Rechteck 11">
+            <a:extLst>
+              <a:ext uri="{FF2B5EF4-FFF2-40B4-BE49-F238E27FC236}">
+                <a16:creationId xmlns:a16="http://schemas.microsoft.com/office/drawing/2014/main" id="{1E866BF9-5142-1D45-828B-18D6733A6D16}"/>
+              </a:ext>
+            </a:extLst>
+          </p:cNvPr>
+          <p:cNvSpPr/>
+          <p:nvPr/>
+        </p:nvSpPr>
+        <p:spPr>
+          <a:xfrm>
+            <a:off x="8729381" y="4874113"/>
+            <a:ext cx="2026517" cy="246221"/>
+          </a:xfrm>
+          <a:prstGeom prst="rect">
+            <a:avLst/>
+          </a:prstGeom>
+        </p:spPr>
+        <p:txBody>
+          <a:bodyPr wrap="none">
+            <a:spAutoFit/>
+          </a:bodyPr>
+          <a:lstStyle/>
+          <a:p>
+            <a:pPr lvl="0" algn="ctr"/>
+            <a:r>
+              <a:rPr lang="en-US" altLang="de-DE" b="1" dirty="0">
+                <a:solidFill>
+                  <a:srgbClr val="002060"/>
+                </a:solidFill>
+                <a:ea typeface="Verdana" panose="020B0604030504040204" pitchFamily="34" charset="0"/>
+                <a:cs typeface="Verdana" panose="020B0604030504040204" pitchFamily="34" charset="0"/>
+              </a:rPr>
+              <a:t>Fig.  4:</a:t>
+            </a:r>
+            <a:r>
+              <a:rPr lang="en-US" altLang="de-DE" dirty="0">
+                <a:solidFill>
+                  <a:srgbClr val="002060"/>
+                </a:solidFill>
+                <a:ea typeface="Verdana" panose="020B0604030504040204" pitchFamily="34" charset="0"/>
+                <a:cs typeface="Verdana" panose="020B0604030504040204" pitchFamily="34" charset="0"/>
+              </a:rPr>
+              <a:t> Map 2 (Non-Woody)</a:t>
+            </a:r>
+            <a:endParaRPr lang="en-US" altLang="de-DE" i="1" dirty="0">
+              <a:solidFill>
+                <a:srgbClr val="002060"/>
+              </a:solidFill>
+              <a:ea typeface="Verdana" panose="020B0604030504040204" pitchFamily="34" charset="0"/>
+              <a:cs typeface="Verdana" panose="020B0604030504040204" pitchFamily="34" charset="0"/>
+            </a:endParaRPr>
+          </a:p>
+        </p:txBody>
+      </p:sp>
+      <p:sp>
+        <p:nvSpPr>
+          <p:cNvPr id="13" name="TextBox 1">
+            <a:extLst>
+              <a:ext uri="{FF2B5EF4-FFF2-40B4-BE49-F238E27FC236}">
+                <a16:creationId xmlns:a16="http://schemas.microsoft.com/office/drawing/2014/main" id="{E09AA3E8-56B2-F644-B070-8CFA1CA470A1}"/>
+              </a:ext>
+            </a:extLst>
+          </p:cNvPr>
+          <p:cNvSpPr txBox="1"/>
+          <p:nvPr/>
+        </p:nvSpPr>
+        <p:spPr bwMode="auto">
+          <a:xfrm>
+            <a:off x="10332" y="6525344"/>
+            <a:ext cx="6157676" cy="276551"/>
+          </a:xfrm>
+          <a:prstGeom prst="rect">
+            <a:avLst/>
+          </a:prstGeom>
+          <a:solidFill>
+            <a:schemeClr val="bg1">
+              <a:alpha val="70195"/>
+            </a:schemeClr>
+          </a:solidFill>
+          <a:ln>
+            <a:noFill/>
+          </a:ln>
+          <a:effectLst/>
+          <a:extLst>
+            <a:ext uri="{91240B29-F687-4F45-9708-019B960494DF}">
+              <a14:hiddenLine xmlns:a14="http://schemas.microsoft.com/office/drawing/2010/main" w="9525" algn="ctr">
+                <a:solidFill>
+                  <a:schemeClr val="tx1"/>
+                </a:solidFill>
+                <a:miter lim="800000"/>
+                <a:headEnd/>
+                <a:tailEnd/>
+              </a14:hiddenLine>
+            </a:ext>
+            <a:ext uri="{AF507438-7753-43E0-B8FC-AC1667EBCBE1}">
+              <a14:hiddenEffects xmlns:a14="http://schemas.microsoft.com/office/drawing/2010/main">
+                <a:effectLst>
+                  <a:outerShdw dist="35921" dir="2700000" algn="ctr" rotWithShape="0">
+                    <a:schemeClr val="bg2"/>
+                  </a:outerShdw>
+                </a:effectLst>
+              </a14:hiddenEffects>
+            </a:ext>
+          </a:extLst>
+        </p:spPr>
+        <p:txBody>
+          <a:bodyPr wrap="square" rtlCol="0">
+            <a:spAutoFit/>
+          </a:bodyPr>
+          <a:lstStyle/>
+          <a:p>
+            <a:pPr algn="ctr" eaLnBrk="1" hangingPunct="1">
+              <a:lnSpc>
+                <a:spcPct val="110000"/>
+              </a:lnSpc>
+              <a:spcAft>
+                <a:spcPts val="300"/>
+              </a:spcAft>
+            </a:pPr>
+            <a:r>
+              <a:rPr lang="en-GB" sz="1200" dirty="0">
+                <a:solidFill>
+                  <a:srgbClr val="00376C"/>
+                </a:solidFill>
+              </a:rPr>
+              <a:t>Hyperspectral </a:t>
+            </a:r>
+            <a:r>
+              <a:rPr lang="en-GB" sz="1200" dirty="0" err="1">
+                <a:solidFill>
+                  <a:srgbClr val="00376C"/>
+                </a:solidFill>
+              </a:rPr>
+              <a:t>Unmixing</a:t>
+            </a:r>
+            <a:r>
+              <a:rPr lang="en-GB" sz="1200" dirty="0">
+                <a:solidFill>
+                  <a:srgbClr val="00376C"/>
+                </a:solidFill>
+              </a:rPr>
+              <a:t> – </a:t>
+            </a:r>
+            <a:r>
+              <a:rPr lang="en-GB" sz="1200" dirty="0" err="1">
+                <a:solidFill>
+                  <a:srgbClr val="00376C"/>
+                </a:solidFill>
+              </a:rPr>
+              <a:t>Liehr</a:t>
+            </a:r>
+            <a:r>
+              <a:rPr lang="en-GB" sz="1200" dirty="0">
+                <a:solidFill>
+                  <a:srgbClr val="00376C"/>
+                </a:solidFill>
+              </a:rPr>
+              <a:t>, Lang, </a:t>
+            </a:r>
+            <a:r>
+              <a:rPr lang="en-GB" sz="1200" dirty="0" err="1">
+                <a:solidFill>
+                  <a:srgbClr val="00376C"/>
+                </a:solidFill>
+              </a:rPr>
+              <a:t>Schneidereit</a:t>
+            </a:r>
+            <a:r>
+              <a:rPr lang="en-GB" sz="1200" dirty="0">
+                <a:solidFill>
+                  <a:srgbClr val="00376C"/>
+                </a:solidFill>
+              </a:rPr>
+              <a:t>, Klug - 14.07.2021</a:t>
+            </a:r>
+          </a:p>
+        </p:txBody>
+      </p:sp>
+    </p:spTree>
+    <p:extLst>
+      <p:ext uri="{BB962C8B-B14F-4D97-AF65-F5344CB8AC3E}">
+        <p14:creationId xmlns:p14="http://schemas.microsoft.com/office/powerpoint/2010/main" val="2456863629"/>
+      </p:ext>
+    </p:extLst>
+  </p:cSld>
+  <p:clrMapOvr>
+    <a:masterClrMapping/>
+  </p:clrMapOvr>
+</p:sld>
+</file>
+
+<file path=ppt/slides/slide8.xml><?xml version="1.0" encoding="utf-8"?>
+<p:sld xmlns:a="http://schemas.openxmlformats.org/drawingml/2006/main" xmlns:r="http://schemas.openxmlformats.org/officeDocument/2006/relationships" xmlns:p="http://schemas.openxmlformats.org/presentationml/2006/main">
+  <p:cSld>
+    <p:spTree>
+      <p:nvGrpSpPr>
+        <p:cNvPr id="1" name=""/>
+        <p:cNvGrpSpPr/>
+        <p:nvPr/>
+      </p:nvGrpSpPr>
+      <p:grpSpPr>
+        <a:xfrm>
+          <a:off x="0" y="0"/>
+          <a:ext cx="0" cy="0"/>
+          <a:chOff x="0" y="0"/>
+          <a:chExt cx="0" cy="0"/>
+        </a:xfrm>
+      </p:grpSpPr>
+      <p:sp>
+        <p:nvSpPr>
+          <p:cNvPr id="2" name="Title 1">
+            <a:extLst>
+              <a:ext uri="{FF2B5EF4-FFF2-40B4-BE49-F238E27FC236}">
+                <a16:creationId xmlns:a16="http://schemas.microsoft.com/office/drawing/2014/main" id="{A0228E93-0075-2D4D-A872-CE9FC690174F}"/>
+              </a:ext>
+            </a:extLst>
+          </p:cNvPr>
+          <p:cNvSpPr>
+            <a:spLocks noGrp="1"/>
+          </p:cNvSpPr>
+          <p:nvPr>
+            <p:ph type="title"/>
+          </p:nvPr>
+        </p:nvSpPr>
+        <p:spPr/>
+        <p:txBody>
+          <a:bodyPr/>
+          <a:lstStyle/>
+          <a:p>
+            <a:r>
+              <a:rPr lang="en-GB" sz="2400" dirty="0"/>
+              <a:t>3. Results  </a:t>
+            </a:r>
+            <a:r>
+              <a:rPr lang="en-GB" sz="1800" b="0" dirty="0"/>
+              <a:t>Woody vegetation class fraction</a:t>
+            </a:r>
+          </a:p>
+        </p:txBody>
+      </p:sp>
+      <p:pic>
+        <p:nvPicPr>
+          <p:cNvPr id="4" name="Grafik 3">
+            <a:extLst>
+              <a:ext uri="{FF2B5EF4-FFF2-40B4-BE49-F238E27FC236}">
+                <a16:creationId xmlns:a16="http://schemas.microsoft.com/office/drawing/2014/main" id="{704BA882-EEA9-5646-B691-3BF6E85001BF}"/>
+              </a:ext>
+            </a:extLst>
+          </p:cNvPr>
+          <p:cNvPicPr>
+            <a:picLocks noChangeAspect="1"/>
+          </p:cNvPicPr>
+          <p:nvPr/>
+        </p:nvPicPr>
+        <p:blipFill>
+          <a:blip r:embed="rId2">
+            <a:extLst>
+              <a:ext uri="{28A0092B-C50C-407E-A947-70E740481C1C}">
+                <a14:useLocalDpi xmlns:a14="http://schemas.microsoft.com/office/drawing/2010/main" val="0"/>
+              </a:ext>
+            </a:extLst>
+          </a:blip>
+          <a:stretch>
+            <a:fillRect/>
+          </a:stretch>
+        </p:blipFill>
+        <p:spPr>
+          <a:xfrm>
+            <a:off x="839416" y="2961714"/>
+            <a:ext cx="10800000" cy="1942683"/>
+          </a:xfrm>
+          <a:prstGeom prst="rect">
+            <a:avLst/>
+          </a:prstGeom>
+        </p:spPr>
+      </p:pic>
+      <p:sp>
+        <p:nvSpPr>
+          <p:cNvPr id="8" name="Rechteck 7">
+            <a:extLst>
+              <a:ext uri="{FF2B5EF4-FFF2-40B4-BE49-F238E27FC236}">
+                <a16:creationId xmlns:a16="http://schemas.microsoft.com/office/drawing/2014/main" id="{D416E969-A4B4-5140-8179-025A0F51F44A}"/>
+              </a:ext>
+            </a:extLst>
+          </p:cNvPr>
+          <p:cNvSpPr/>
+          <p:nvPr/>
+        </p:nvSpPr>
+        <p:spPr>
+          <a:xfrm>
+            <a:off x="7608168" y="4874113"/>
+            <a:ext cx="3930884" cy="400110"/>
+          </a:xfrm>
+          <a:prstGeom prst="rect">
+            <a:avLst/>
+          </a:prstGeom>
+        </p:spPr>
+        <p:txBody>
+          <a:bodyPr wrap="none">
+            <a:spAutoFit/>
+          </a:bodyPr>
+          <a:lstStyle/>
+          <a:p>
+            <a:pPr lvl="0"/>
+            <a:r>
+              <a:rPr lang="en-US" altLang="de-DE" b="1" dirty="0">
+                <a:solidFill>
+                  <a:srgbClr val="002060"/>
+                </a:solidFill>
+                <a:ea typeface="Verdana" panose="020B0604030504040204" pitchFamily="34" charset="0"/>
+                <a:cs typeface="Verdana" panose="020B0604030504040204" pitchFamily="34" charset="0"/>
+              </a:rPr>
+              <a:t>Fig.  5  top: </a:t>
+            </a:r>
+            <a:r>
+              <a:rPr lang="en-US" altLang="de-DE" dirty="0">
+                <a:solidFill>
+                  <a:srgbClr val="002060"/>
+                </a:solidFill>
+                <a:ea typeface="Verdana" panose="020B0604030504040204" pitchFamily="34" charset="0"/>
+                <a:cs typeface="Verdana" panose="020B0604030504040204" pitchFamily="34" charset="0"/>
+              </a:rPr>
+              <a:t>Hyperspectral image </a:t>
+            </a:r>
+          </a:p>
+          <a:p>
+            <a:pPr lvl="0" algn="ctr"/>
+            <a:r>
+              <a:rPr lang="en-US" altLang="de-DE" b="1" dirty="0">
+                <a:solidFill>
+                  <a:srgbClr val="002060"/>
+                </a:solidFill>
+                <a:ea typeface="Verdana" panose="020B0604030504040204" pitchFamily="34" charset="0"/>
+                <a:cs typeface="Verdana" panose="020B0604030504040204" pitchFamily="34" charset="0"/>
+              </a:rPr>
+              <a:t>           bottom: </a:t>
+            </a:r>
+            <a:r>
+              <a:rPr lang="en-US" altLang="de-DE" dirty="0">
+                <a:solidFill>
+                  <a:srgbClr val="002060"/>
+                </a:solidFill>
+                <a:ea typeface="Verdana" panose="020B0604030504040204" pitchFamily="34" charset="0"/>
+                <a:cs typeface="Verdana" panose="020B0604030504040204" pitchFamily="34" charset="0"/>
+              </a:rPr>
+              <a:t>Map 1 (Woody vegetation class fraction)</a:t>
+            </a:r>
+            <a:endParaRPr lang="en-US" altLang="de-DE" i="1" dirty="0">
+              <a:solidFill>
+                <a:srgbClr val="002060"/>
+              </a:solidFill>
+              <a:ea typeface="Verdana" panose="020B0604030504040204" pitchFamily="34" charset="0"/>
+              <a:cs typeface="Verdana" panose="020B0604030504040204" pitchFamily="34" charset="0"/>
+            </a:endParaRPr>
+          </a:p>
+        </p:txBody>
+      </p:sp>
+      <p:sp>
+        <p:nvSpPr>
+          <p:cNvPr id="9" name="Rechteck 8">
+            <a:extLst>
+              <a:ext uri="{FF2B5EF4-FFF2-40B4-BE49-F238E27FC236}">
+                <a16:creationId xmlns:a16="http://schemas.microsoft.com/office/drawing/2014/main" id="{92B27212-54B9-B54F-B62A-12224ADC240C}"/>
+              </a:ext>
+            </a:extLst>
+          </p:cNvPr>
+          <p:cNvSpPr/>
+          <p:nvPr/>
+        </p:nvSpPr>
+        <p:spPr>
+          <a:xfrm>
+            <a:off x="1631504" y="3284984"/>
+            <a:ext cx="952928" cy="739498"/>
+          </a:xfrm>
+          <a:prstGeom prst="rect">
+            <a:avLst/>
+          </a:prstGeom>
+        </p:spPr>
+        <p:txBody>
+          <a:bodyPr wrap="square">
+            <a:spAutoFit/>
+          </a:bodyPr>
+          <a:lstStyle/>
+          <a:p>
+            <a:pPr lvl="0">
+              <a:lnSpc>
+                <a:spcPct val="120000"/>
+              </a:lnSpc>
+            </a:pPr>
+            <a:r>
+              <a:rPr lang="en-US" altLang="de-DE" sz="900" i="1" dirty="0">
+                <a:solidFill>
+                  <a:srgbClr val="002060"/>
+                </a:solidFill>
+                <a:ea typeface="Verdana" panose="020B0604030504040204" pitchFamily="34" charset="0"/>
+                <a:cs typeface="Verdana" panose="020B0604030504040204" pitchFamily="34" charset="0"/>
+              </a:rPr>
+              <a:t>Shrub </a:t>
+            </a:r>
+          </a:p>
+          <a:p>
+            <a:pPr lvl="0">
+              <a:lnSpc>
+                <a:spcPct val="120000"/>
+              </a:lnSpc>
+            </a:pPr>
+            <a:r>
+              <a:rPr lang="en-US" altLang="de-DE" sz="900" i="1" dirty="0">
+                <a:solidFill>
+                  <a:srgbClr val="002060"/>
+                </a:solidFill>
+                <a:ea typeface="Verdana" panose="020B0604030504040204" pitchFamily="34" charset="0"/>
+                <a:cs typeface="Verdana" panose="020B0604030504040204" pitchFamily="34" charset="0"/>
+              </a:rPr>
+              <a:t>Broadleaf</a:t>
+            </a:r>
+          </a:p>
+          <a:p>
+            <a:pPr lvl="0">
+              <a:lnSpc>
+                <a:spcPct val="120000"/>
+              </a:lnSpc>
+            </a:pPr>
+            <a:r>
+              <a:rPr lang="en-US" altLang="de-DE" sz="900" i="1" dirty="0">
+                <a:solidFill>
+                  <a:srgbClr val="002060"/>
+                </a:solidFill>
+                <a:ea typeface="Verdana" panose="020B0604030504040204" pitchFamily="34" charset="0"/>
+                <a:cs typeface="Verdana" panose="020B0604030504040204" pitchFamily="34" charset="0"/>
+              </a:rPr>
+              <a:t>Coniferous</a:t>
+            </a:r>
+          </a:p>
+          <a:p>
+            <a:pPr lvl="0" algn="ctr">
+              <a:lnSpc>
+                <a:spcPct val="120000"/>
+              </a:lnSpc>
+            </a:pPr>
+            <a:endParaRPr lang="en-US" altLang="de-DE" sz="900" i="1" dirty="0">
+              <a:solidFill>
+                <a:srgbClr val="002060"/>
+              </a:solidFill>
+              <a:ea typeface="Verdana" panose="020B0604030504040204" pitchFamily="34" charset="0"/>
+              <a:cs typeface="Verdana" panose="020B0604030504040204" pitchFamily="34" charset="0"/>
+            </a:endParaRPr>
+          </a:p>
+        </p:txBody>
+      </p:sp>
+      <p:pic>
+        <p:nvPicPr>
+          <p:cNvPr id="10" name="Grafik 9">
+            <a:extLst>
+              <a:ext uri="{FF2B5EF4-FFF2-40B4-BE49-F238E27FC236}">
+                <a16:creationId xmlns:a16="http://schemas.microsoft.com/office/drawing/2014/main" id="{DA92AA5E-C59A-BC47-8F3D-F08B91551A7A}"/>
+              </a:ext>
+            </a:extLst>
+          </p:cNvPr>
+          <p:cNvPicPr>
+            <a:picLocks noChangeAspect="1"/>
+          </p:cNvPicPr>
+          <p:nvPr/>
+        </p:nvPicPr>
+        <p:blipFill>
+          <a:blip r:embed="rId3">
+            <a:extLst>
+              <a:ext uri="{28A0092B-C50C-407E-A947-70E740481C1C}">
+                <a14:useLocalDpi xmlns:a14="http://schemas.microsoft.com/office/drawing/2010/main" val="0"/>
+              </a:ext>
+            </a:extLst>
+          </a:blip>
+          <a:stretch>
+            <a:fillRect/>
+          </a:stretch>
+        </p:blipFill>
+        <p:spPr>
+          <a:xfrm>
+            <a:off x="7824192" y="836712"/>
+            <a:ext cx="3690576" cy="1789370"/>
+          </a:xfrm>
+          <a:prstGeom prst="rect">
+            <a:avLst/>
+          </a:prstGeom>
+        </p:spPr>
+      </p:pic>
+      <p:sp>
+        <p:nvSpPr>
+          <p:cNvPr id="12" name="TextBox 1">
+            <a:extLst>
+              <a:ext uri="{FF2B5EF4-FFF2-40B4-BE49-F238E27FC236}">
+                <a16:creationId xmlns:a16="http://schemas.microsoft.com/office/drawing/2014/main" id="{96AAC5F1-FB03-0243-9BDC-8437E3DBDB3E}"/>
+              </a:ext>
+            </a:extLst>
+          </p:cNvPr>
+          <p:cNvSpPr txBox="1"/>
+          <p:nvPr/>
+        </p:nvSpPr>
+        <p:spPr bwMode="auto">
+          <a:xfrm>
+            <a:off x="10332" y="6525344"/>
+            <a:ext cx="6157676" cy="276551"/>
+          </a:xfrm>
+          <a:prstGeom prst="rect">
+            <a:avLst/>
+          </a:prstGeom>
+          <a:solidFill>
+            <a:schemeClr val="bg1">
+              <a:alpha val="70195"/>
+            </a:schemeClr>
+          </a:solidFill>
+          <a:ln>
+            <a:noFill/>
+          </a:ln>
+          <a:effectLst/>
+          <a:extLst>
+            <a:ext uri="{91240B29-F687-4F45-9708-019B960494DF}">
+              <a14:hiddenLine xmlns:a14="http://schemas.microsoft.com/office/drawing/2010/main" w="9525" algn="ctr">
+                <a:solidFill>
+                  <a:schemeClr val="tx1"/>
+                </a:solidFill>
+                <a:miter lim="800000"/>
+                <a:headEnd/>
+                <a:tailEnd/>
+              </a14:hiddenLine>
+            </a:ext>
+            <a:ext uri="{AF507438-7753-43E0-B8FC-AC1667EBCBE1}">
+              <a14:hiddenEffects xmlns:a14="http://schemas.microsoft.com/office/drawing/2010/main">
+                <a:effectLst>
+                  <a:outerShdw dist="35921" dir="2700000" algn="ctr" rotWithShape="0">
+                    <a:schemeClr val="bg2"/>
+                  </a:outerShdw>
+                </a:effectLst>
+              </a14:hiddenEffects>
+            </a:ext>
+          </a:extLst>
+        </p:spPr>
+        <p:txBody>
+          <a:bodyPr wrap="square" rtlCol="0">
+            <a:spAutoFit/>
+          </a:bodyPr>
+          <a:lstStyle/>
+          <a:p>
+            <a:pPr algn="ctr" eaLnBrk="1" hangingPunct="1">
+              <a:lnSpc>
+                <a:spcPct val="110000"/>
+              </a:lnSpc>
+              <a:spcAft>
+                <a:spcPts val="300"/>
+              </a:spcAft>
+            </a:pPr>
+            <a:r>
+              <a:rPr lang="en-GB" sz="1200" dirty="0">
+                <a:solidFill>
+                  <a:srgbClr val="00376C"/>
+                </a:solidFill>
+              </a:rPr>
+              <a:t>Hyperspectral </a:t>
+            </a:r>
+            <a:r>
+              <a:rPr lang="en-GB" sz="1200" dirty="0" err="1">
+                <a:solidFill>
+                  <a:srgbClr val="00376C"/>
+                </a:solidFill>
+              </a:rPr>
+              <a:t>Unmixing</a:t>
+            </a:r>
+            <a:r>
+              <a:rPr lang="en-GB" sz="1200" dirty="0">
+                <a:solidFill>
+                  <a:srgbClr val="00376C"/>
+                </a:solidFill>
+              </a:rPr>
+              <a:t> – </a:t>
+            </a:r>
+            <a:r>
+              <a:rPr lang="en-GB" sz="1200" dirty="0" err="1">
+                <a:solidFill>
+                  <a:srgbClr val="00376C"/>
+                </a:solidFill>
+              </a:rPr>
+              <a:t>Liehr</a:t>
+            </a:r>
+            <a:r>
+              <a:rPr lang="en-GB" sz="1200" dirty="0">
+                <a:solidFill>
+                  <a:srgbClr val="00376C"/>
+                </a:solidFill>
+              </a:rPr>
+              <a:t>, Lang, </a:t>
+            </a:r>
+            <a:r>
+              <a:rPr lang="en-GB" sz="1200" dirty="0" err="1">
+                <a:solidFill>
+                  <a:srgbClr val="00376C"/>
+                </a:solidFill>
+              </a:rPr>
+              <a:t>Schneidereit</a:t>
+            </a:r>
+            <a:r>
+              <a:rPr lang="en-GB" sz="1200" dirty="0">
+                <a:solidFill>
+                  <a:srgbClr val="00376C"/>
+                </a:solidFill>
+              </a:rPr>
+              <a:t>, Klug - 14.07.2021</a:t>
+            </a:r>
+          </a:p>
+        </p:txBody>
+      </p:sp>
+    </p:spTree>
+    <p:extLst>
+      <p:ext uri="{BB962C8B-B14F-4D97-AF65-F5344CB8AC3E}">
+        <p14:creationId xmlns:p14="http://schemas.microsoft.com/office/powerpoint/2010/main" val="1402459444"/>
+      </p:ext>
+    </p:extLst>
+  </p:cSld>
+  <p:clrMapOvr>
+    <a:masterClrMapping/>
+  </p:clrMapOvr>
+</p:sld>
+</file>
+
+<file path=ppt/slides/slide9.xml><?xml version="1.0" encoding="utf-8"?>
 <p:sld xmlns:a="http://schemas.openxmlformats.org/drawingml/2006/main" xmlns:r="http://schemas.openxmlformats.org/officeDocument/2006/relationships" xmlns:p="http://schemas.openxmlformats.org/presentationml/2006/main">
   <p:cSld>
     <p:spTree>
@@ -4408,8 +6941,8 @@
           <a:lstStyle/>
           <a:p>
             <a:r>
-              <a:rPr lang="en-GB" dirty="0"/>
-              <a:t>Main Results </a:t>
+              <a:rPr lang="en-GB" sz="2400" dirty="0"/>
+              <a:t>4.   Discussion</a:t>
             </a:r>
           </a:p>
         </p:txBody>
@@ -4430,24 +6963,85 @@
             <p:ph idx="1"/>
           </p:nvPr>
         </p:nvSpPr>
-        <p:spPr/>
+        <p:spPr>
+          <a:xfrm>
+            <a:off x="685875" y="1513359"/>
+            <a:ext cx="10954741" cy="4525963"/>
+          </a:xfrm>
+        </p:spPr>
         <p:txBody>
           <a:bodyPr/>
           <a:lstStyle/>
           <a:p>
+            <a:pPr marL="457200" indent="-457200">
+              <a:buAutoNum type="arabicPeriod"/>
+            </a:pPr>
             <a:r>
               <a:rPr lang="en-GB" dirty="0"/>
-              <a:t>three main results</a:t>
-            </a:r>
+              <a:t>Use of hyperspectral imagery led to </a:t>
+            </a:r>
+            <a:r>
+              <a:rPr lang="en-GB" i="1" dirty="0"/>
+              <a:t>seemingly </a:t>
+            </a:r>
+            <a:r>
+              <a:rPr lang="en-GB" dirty="0"/>
+              <a:t>adequate fractional    cover estimations across the study area</a:t>
+            </a:r>
+          </a:p>
+          <a:p>
+            <a:pPr marL="0" indent="0">
+              <a:buNone/>
+            </a:pPr>
+            <a:endParaRPr lang="en-GB" dirty="0"/>
+          </a:p>
+          <a:p>
+            <a:pPr marL="0" indent="0">
+              <a:buNone/>
+            </a:pPr>
+            <a:r>
+              <a:rPr lang="en-GB" dirty="0"/>
+              <a:t>2. Endmembers affected by data artefacts from flight paths</a:t>
+            </a:r>
+          </a:p>
+          <a:p>
+            <a:pPr marL="0" indent="0">
+              <a:buNone/>
+            </a:pPr>
+            <a:endParaRPr lang="en-GB" dirty="0"/>
+          </a:p>
+          <a:p>
+            <a:pPr marL="0" indent="0">
+              <a:buNone/>
+            </a:pPr>
+            <a:r>
+              <a:rPr lang="en-GB" dirty="0"/>
+              <a:t>3. Hyperspectral and multi-temporal multi-spectral imagery requires </a:t>
+            </a:r>
+          </a:p>
+          <a:p>
+            <a:pPr marL="0" indent="0">
+              <a:buNone/>
+            </a:pPr>
+            <a:r>
+              <a:rPr lang="en-GB" dirty="0"/>
+              <a:t>    extensive computational resources…</a:t>
+            </a:r>
+          </a:p>
+          <a:p>
+            <a:pPr marL="0" indent="0">
+              <a:buNone/>
+            </a:pPr>
+            <a:endParaRPr lang="en-GB" dirty="0"/>
           </a:p>
         </p:txBody>
       </p:sp>
       <p:sp>
         <p:nvSpPr>
-          <p:cNvPr id="6" name="TextBox 1">
+          <p:cNvPr id="7" name="TextBox 1">
             <a:extLst>
               <a:ext uri="{FF2B5EF4-FFF2-40B4-BE49-F238E27FC236}">
-                <a16:creationId xmlns:a16="http://schemas.microsoft.com/office/drawing/2014/main" id="{0EA5D92B-9DBE-AD4B-B02B-9B5204641C2D}"/>
+                <a16:creationId xmlns:a16="http://schemas.microsoft.com/office/drawing/2014/main" id="{679F5719-AB13-D543-8346-33F6A57B9861}"/>
               </a:ext>
             </a:extLst>
           </p:cNvPr>
@@ -4456,8 +7050,8 @@
         </p:nvSpPr>
         <p:spPr bwMode="auto">
           <a:xfrm>
-            <a:off x="119336" y="6525344"/>
-            <a:ext cx="3134704" cy="276551"/>
+            <a:off x="10332" y="6525344"/>
+            <a:ext cx="6157676" cy="276551"/>
           </a:xfrm>
           <a:prstGeom prst="rect">
             <a:avLst/>
@@ -4494,7 +7088,7 @@
           </a:extLst>
         </p:spPr>
         <p:txBody>
-          <a:bodyPr wrap="none" rtlCol="0">
+          <a:bodyPr wrap="square" rtlCol="0">
             <a:spAutoFit/>
           </a:bodyPr>
           <a:lstStyle/>
@@ -4529,7 +7123,39 @@
                   <a:srgbClr val="00376C"/>
                 </a:solidFill>
               </a:rPr>
-              <a:t> – 14.07.2021</a:t>
+              <a:t> – </a:t>
+            </a:r>
+            <a:r>
+              <a:rPr lang="en-GB" sz="1200" dirty="0" err="1">
+                <a:solidFill>
+                  <a:srgbClr val="00376C"/>
+                </a:solidFill>
+              </a:rPr>
+              <a:t>Liehr</a:t>
+            </a:r>
+            <a:r>
+              <a:rPr lang="en-GB" sz="1200" dirty="0">
+                <a:solidFill>
+                  <a:srgbClr val="00376C"/>
+                </a:solidFill>
+              </a:rPr>
+              <a:t>, Lang, </a:t>
+            </a:r>
+            <a:r>
+              <a:rPr lang="en-GB" sz="1200" dirty="0" err="1">
+                <a:solidFill>
+                  <a:srgbClr val="00376C"/>
+                </a:solidFill>
+              </a:rPr>
+              <a:t>Schneidereit</a:t>
+            </a:r>
+            <a:r>
+              <a:rPr lang="en-GB" sz="1200" dirty="0">
+                <a:solidFill>
+                  <a:srgbClr val="00376C"/>
+                </a:solidFill>
+              </a:rPr>
+              <a:t>, Klug - 14.07.2021</a:t>
             </a:r>
           </a:p>
         </p:txBody>
@@ -4538,172 +7164,6 @@
     <p:extLst>
       <p:ext uri="{BB962C8B-B14F-4D97-AF65-F5344CB8AC3E}">
         <p14:creationId xmlns:p14="http://schemas.microsoft.com/office/powerpoint/2010/main" val="947592245"/>
-      </p:ext>
-    </p:extLst>
-  </p:cSld>
-  <p:clrMapOvr>
-    <a:masterClrMapping/>
-  </p:clrMapOvr>
-</p:sld>
-</file>
-
-<file path=ppt/slides/slide7.xml><?xml version="1.0" encoding="utf-8"?>
-<p:sld xmlns:a="http://schemas.openxmlformats.org/drawingml/2006/main" xmlns:r="http://schemas.openxmlformats.org/officeDocument/2006/relationships" xmlns:p="http://schemas.openxmlformats.org/presentationml/2006/main">
-  <p:cSld>
-    <p:spTree>
-      <p:nvGrpSpPr>
-        <p:cNvPr id="1" name=""/>
-        <p:cNvGrpSpPr/>
-        <p:nvPr/>
-      </p:nvGrpSpPr>
-      <p:grpSpPr>
-        <a:xfrm>
-          <a:off x="0" y="0"/>
-          <a:ext cx="0" cy="0"/>
-          <a:chOff x="0" y="0"/>
-          <a:chExt cx="0" cy="0"/>
-        </a:xfrm>
-      </p:grpSpPr>
-      <p:sp>
-        <p:nvSpPr>
-          <p:cNvPr id="2" name="Title 1">
-            <a:extLst>
-              <a:ext uri="{FF2B5EF4-FFF2-40B4-BE49-F238E27FC236}">
-                <a16:creationId xmlns:a16="http://schemas.microsoft.com/office/drawing/2014/main" id="{D6420F34-8623-834C-8512-657F0B9D3AF7}"/>
-              </a:ext>
-            </a:extLst>
-          </p:cNvPr>
-          <p:cNvSpPr>
-            <a:spLocks noGrp="1"/>
-          </p:cNvSpPr>
-          <p:nvPr>
-            <p:ph type="title"/>
-          </p:nvPr>
-        </p:nvSpPr>
-        <p:spPr/>
-        <p:txBody>
-          <a:bodyPr/>
-          <a:lstStyle/>
-          <a:p>
-            <a:r>
-              <a:rPr lang="en-GB" dirty="0"/>
-              <a:t>discussion items</a:t>
-            </a:r>
-          </a:p>
-        </p:txBody>
-      </p:sp>
-      <p:sp>
-        <p:nvSpPr>
-          <p:cNvPr id="3" name="Content Placeholder 2">
-            <a:extLst>
-              <a:ext uri="{FF2B5EF4-FFF2-40B4-BE49-F238E27FC236}">
-                <a16:creationId xmlns:a16="http://schemas.microsoft.com/office/drawing/2014/main" id="{90DE9C72-CBB3-C844-87A6-A7E8FC5B9B7D}"/>
-              </a:ext>
-            </a:extLst>
-          </p:cNvPr>
-          <p:cNvSpPr>
-            <a:spLocks noGrp="1"/>
-          </p:cNvSpPr>
-          <p:nvPr>
-            <p:ph idx="1"/>
-          </p:nvPr>
-        </p:nvSpPr>
-        <p:spPr/>
-        <p:txBody>
-          <a:bodyPr/>
-          <a:lstStyle/>
-          <a:p>
-            <a:r>
-              <a:rPr lang="en-GB" dirty="0"/>
-              <a:t>as three discussion items</a:t>
-            </a:r>
-          </a:p>
-        </p:txBody>
-      </p:sp>
-    </p:spTree>
-    <p:extLst>
-      <p:ext uri="{BB962C8B-B14F-4D97-AF65-F5344CB8AC3E}">
-        <p14:creationId xmlns:p14="http://schemas.microsoft.com/office/powerpoint/2010/main" val="1040427492"/>
-      </p:ext>
-    </p:extLst>
-  </p:cSld>
-  <p:clrMapOvr>
-    <a:masterClrMapping/>
-  </p:clrMapOvr>
-</p:sld>
-</file>
-
-<file path=ppt/slides/slide8.xml><?xml version="1.0" encoding="utf-8"?>
-<p:sld xmlns:a="http://schemas.openxmlformats.org/drawingml/2006/main" xmlns:r="http://schemas.openxmlformats.org/officeDocument/2006/relationships" xmlns:p="http://schemas.openxmlformats.org/presentationml/2006/main">
-  <p:cSld>
-    <p:spTree>
-      <p:nvGrpSpPr>
-        <p:cNvPr id="1" name=""/>
-        <p:cNvGrpSpPr/>
-        <p:nvPr/>
-      </p:nvGrpSpPr>
-      <p:grpSpPr>
-        <a:xfrm>
-          <a:off x="0" y="0"/>
-          <a:ext cx="0" cy="0"/>
-          <a:chOff x="0" y="0"/>
-          <a:chExt cx="0" cy="0"/>
-        </a:xfrm>
-      </p:grpSpPr>
-      <p:sp>
-        <p:nvSpPr>
-          <p:cNvPr id="2" name="Title 1">
-            <a:extLst>
-              <a:ext uri="{FF2B5EF4-FFF2-40B4-BE49-F238E27FC236}">
-                <a16:creationId xmlns:a16="http://schemas.microsoft.com/office/drawing/2014/main" id="{75A4E1DD-CC4C-344F-82B6-55AED2427895}"/>
-              </a:ext>
-            </a:extLst>
-          </p:cNvPr>
-          <p:cNvSpPr>
-            <a:spLocks noGrp="1"/>
-          </p:cNvSpPr>
-          <p:nvPr>
-            <p:ph type="title"/>
-          </p:nvPr>
-        </p:nvSpPr>
-        <p:spPr/>
-        <p:txBody>
-          <a:bodyPr/>
-          <a:lstStyle/>
-          <a:p>
-            <a:endParaRPr lang="en-GB" dirty="0"/>
-          </a:p>
-        </p:txBody>
-      </p:sp>
-      <p:sp>
-        <p:nvSpPr>
-          <p:cNvPr id="3" name="Content Placeholder 2">
-            <a:extLst>
-              <a:ext uri="{FF2B5EF4-FFF2-40B4-BE49-F238E27FC236}">
-                <a16:creationId xmlns:a16="http://schemas.microsoft.com/office/drawing/2014/main" id="{AD442604-8CD6-4746-ACFC-6878A1893F4E}"/>
-              </a:ext>
-            </a:extLst>
-          </p:cNvPr>
-          <p:cNvSpPr>
-            <a:spLocks noGrp="1"/>
-          </p:cNvSpPr>
-          <p:nvPr>
-            <p:ph idx="1"/>
-          </p:nvPr>
-        </p:nvSpPr>
-        <p:spPr/>
-        <p:txBody>
-          <a:bodyPr/>
-          <a:lstStyle/>
-          <a:p>
-            <a:endParaRPr lang="en-GB"/>
-          </a:p>
-        </p:txBody>
-      </p:sp>
-    </p:spTree>
-    <p:extLst>
-      <p:ext uri="{BB962C8B-B14F-4D97-AF65-F5344CB8AC3E}">
-        <p14:creationId xmlns:p14="http://schemas.microsoft.com/office/powerpoint/2010/main" val="2134024908"/>
       </p:ext>
     </p:extLst>
   </p:cSld>

--- a/presentation/EO2020_hyperspec_presentation.pptx
+++ b/presentation/EO2020_hyperspec_presentation.pptx
@@ -5,23 +5,24 @@
     <p:sldMasterId id="2147483688" r:id="rId1"/>
   </p:sldMasterIdLst>
   <p:notesMasterIdLst>
-    <p:notesMasterId r:id="rId13"/>
+    <p:notesMasterId r:id="rId14"/>
   </p:notesMasterIdLst>
   <p:handoutMasterIdLst>
-    <p:handoutMasterId r:id="rId14"/>
+    <p:handoutMasterId r:id="rId15"/>
   </p:handoutMasterIdLst>
   <p:sldIdLst>
     <p:sldId id="738" r:id="rId2"/>
     <p:sldId id="777" r:id="rId3"/>
     <p:sldId id="789" r:id="rId4"/>
     <p:sldId id="778" r:id="rId5"/>
-    <p:sldId id="779" r:id="rId6"/>
-    <p:sldId id="780" r:id="rId7"/>
-    <p:sldId id="784" r:id="rId8"/>
-    <p:sldId id="785" r:id="rId9"/>
-    <p:sldId id="781" r:id="rId10"/>
-    <p:sldId id="787" r:id="rId11"/>
-    <p:sldId id="788" r:id="rId12"/>
+    <p:sldId id="790" r:id="rId6"/>
+    <p:sldId id="779" r:id="rId7"/>
+    <p:sldId id="780" r:id="rId8"/>
+    <p:sldId id="784" r:id="rId9"/>
+    <p:sldId id="785" r:id="rId10"/>
+    <p:sldId id="781" r:id="rId11"/>
+    <p:sldId id="787" r:id="rId12"/>
+    <p:sldId id="788" r:id="rId13"/>
   </p:sldIdLst>
   <p:sldSz cx="12192000" cy="6858000"/>
   <p:notesSz cx="7099300" cy="10234613"/>
@@ -1561,7 +1562,7 @@
                 <a:tabLst/>
                 <a:defRPr/>
               </a:pPr>
-              <a:t>10</a:t>
+              <a:t>11</a:t>
             </a:fld>
             <a:endParaRPr kumimoji="0" lang="de-DE" altLang="en-US" sz="1300" b="0" i="0" u="none" strike="noStrike" kern="1200" cap="none" spc="0" normalizeH="0" baseline="0" noProof="0">
               <a:ln>
@@ -3357,6 +3358,277 @@
       </p:grpSpPr>
       <p:sp>
         <p:nvSpPr>
+          <p:cNvPr id="2" name="Title 1">
+            <a:extLst>
+              <a:ext uri="{FF2B5EF4-FFF2-40B4-BE49-F238E27FC236}">
+                <a16:creationId xmlns:a16="http://schemas.microsoft.com/office/drawing/2014/main" id="{40F8A973-A44F-8446-B50C-603300C9C0F5}"/>
+              </a:ext>
+            </a:extLst>
+          </p:cNvPr>
+          <p:cNvSpPr>
+            <a:spLocks noGrp="1"/>
+          </p:cNvSpPr>
+          <p:nvPr>
+            <p:ph type="title"/>
+          </p:nvPr>
+        </p:nvSpPr>
+        <p:spPr/>
+        <p:txBody>
+          <a:bodyPr/>
+          <a:lstStyle/>
+          <a:p>
+            <a:r>
+              <a:rPr lang="en-GB" sz="2400" dirty="0"/>
+              <a:t>4.   Discussion</a:t>
+            </a:r>
+          </a:p>
+        </p:txBody>
+      </p:sp>
+      <p:sp>
+        <p:nvSpPr>
+          <p:cNvPr id="3" name="Content Placeholder 2">
+            <a:extLst>
+              <a:ext uri="{FF2B5EF4-FFF2-40B4-BE49-F238E27FC236}">
+                <a16:creationId xmlns:a16="http://schemas.microsoft.com/office/drawing/2014/main" id="{DB101D12-631E-F649-BC3C-4EDB189ED5EE}"/>
+              </a:ext>
+            </a:extLst>
+          </p:cNvPr>
+          <p:cNvSpPr>
+            <a:spLocks noGrp="1"/>
+          </p:cNvSpPr>
+          <p:nvPr>
+            <p:ph idx="1"/>
+          </p:nvPr>
+        </p:nvSpPr>
+        <p:spPr>
+          <a:xfrm>
+            <a:off x="685875" y="1513359"/>
+            <a:ext cx="10954741" cy="4525963"/>
+          </a:xfrm>
+        </p:spPr>
+        <p:txBody>
+          <a:bodyPr/>
+          <a:lstStyle/>
+          <a:p>
+            <a:pPr marL="457200" indent="-457200">
+              <a:buAutoNum type="arabicPeriod"/>
+            </a:pPr>
+            <a:r>
+              <a:rPr lang="en-GB" dirty="0"/>
+              <a:t>Use of hyperspectral imagery led to </a:t>
+            </a:r>
+            <a:r>
+              <a:rPr lang="en-GB" i="1" dirty="0"/>
+              <a:t>seemingly </a:t>
+            </a:r>
+            <a:r>
+              <a:rPr lang="en-GB" dirty="0"/>
+              <a:t>adequate fractional    cover estimations across the study area</a:t>
+            </a:r>
+          </a:p>
+          <a:p>
+            <a:pPr marL="0" indent="0">
+              <a:buNone/>
+            </a:pPr>
+            <a:endParaRPr lang="en-GB" dirty="0"/>
+          </a:p>
+          <a:p>
+            <a:pPr marL="0" indent="0">
+              <a:buNone/>
+            </a:pPr>
+            <a:r>
+              <a:rPr lang="en-GB" dirty="0"/>
+              <a:t>2. Endmembers affected by data artefacts from flight paths</a:t>
+            </a:r>
+          </a:p>
+          <a:p>
+            <a:pPr marL="0" indent="0">
+              <a:buNone/>
+            </a:pPr>
+            <a:endParaRPr lang="en-GB" dirty="0"/>
+          </a:p>
+          <a:p>
+            <a:pPr marL="0" indent="0">
+              <a:buNone/>
+            </a:pPr>
+            <a:r>
+              <a:rPr lang="en-GB" dirty="0"/>
+              <a:t>3. Hyperspectral and multi-temporal multi-spectral imagery requires </a:t>
+            </a:r>
+          </a:p>
+          <a:p>
+            <a:pPr marL="0" indent="0">
+              <a:buNone/>
+            </a:pPr>
+            <a:r>
+              <a:rPr lang="en-GB" dirty="0"/>
+              <a:t>    extensive computational resources…</a:t>
+            </a:r>
+          </a:p>
+          <a:p>
+            <a:pPr marL="0" indent="0">
+              <a:buNone/>
+            </a:pPr>
+            <a:endParaRPr lang="en-GB" dirty="0"/>
+          </a:p>
+        </p:txBody>
+      </p:sp>
+      <p:sp>
+        <p:nvSpPr>
+          <p:cNvPr id="7" name="TextBox 1">
+            <a:extLst>
+              <a:ext uri="{FF2B5EF4-FFF2-40B4-BE49-F238E27FC236}">
+                <a16:creationId xmlns:a16="http://schemas.microsoft.com/office/drawing/2014/main" id="{679F5719-AB13-D543-8346-33F6A57B9861}"/>
+              </a:ext>
+            </a:extLst>
+          </p:cNvPr>
+          <p:cNvSpPr txBox="1"/>
+          <p:nvPr/>
+        </p:nvSpPr>
+        <p:spPr bwMode="auto">
+          <a:xfrm>
+            <a:off x="10332" y="6525344"/>
+            <a:ext cx="6157676" cy="276551"/>
+          </a:xfrm>
+          <a:prstGeom prst="rect">
+            <a:avLst/>
+          </a:prstGeom>
+          <a:solidFill>
+            <a:schemeClr val="bg1">
+              <a:alpha val="70195"/>
+            </a:schemeClr>
+          </a:solidFill>
+          <a:ln>
+            <a:noFill/>
+          </a:ln>
+          <a:effectLst/>
+          <a:extLst>
+            <a:ext uri="{91240B29-F687-4F45-9708-019B960494DF}">
+              <a14:hiddenLine xmlns:a14="http://schemas.microsoft.com/office/drawing/2010/main" w="9525" algn="ctr">
+                <a:solidFill>
+                  <a:schemeClr val="tx1"/>
+                </a:solidFill>
+                <a:miter lim="800000"/>
+                <a:headEnd/>
+                <a:tailEnd/>
+              </a14:hiddenLine>
+            </a:ext>
+            <a:ext uri="{AF507438-7753-43E0-B8FC-AC1667EBCBE1}">
+              <a14:hiddenEffects xmlns:a14="http://schemas.microsoft.com/office/drawing/2010/main">
+                <a:effectLst>
+                  <a:outerShdw dist="35921" dir="2700000" algn="ctr" rotWithShape="0">
+                    <a:schemeClr val="bg2"/>
+                  </a:outerShdw>
+                </a:effectLst>
+              </a14:hiddenEffects>
+            </a:ext>
+          </a:extLst>
+        </p:spPr>
+        <p:txBody>
+          <a:bodyPr wrap="square" rtlCol="0">
+            <a:spAutoFit/>
+          </a:bodyPr>
+          <a:lstStyle/>
+          <a:p>
+            <a:pPr algn="ctr" eaLnBrk="1" hangingPunct="1">
+              <a:lnSpc>
+                <a:spcPct val="110000"/>
+              </a:lnSpc>
+              <a:spcAft>
+                <a:spcPts val="300"/>
+              </a:spcAft>
+            </a:pPr>
+            <a:r>
+              <a:rPr lang="en-GB" sz="1200" dirty="0">
+                <a:solidFill>
+                  <a:srgbClr val="00376C"/>
+                </a:solidFill>
+              </a:rPr>
+              <a:t>Hyperspectral </a:t>
+            </a:r>
+            <a:r>
+              <a:rPr lang="en-GB" sz="1200" dirty="0" err="1">
+                <a:solidFill>
+                  <a:srgbClr val="00376C"/>
+                </a:solidFill>
+              </a:rPr>
+              <a:t>Unmixing</a:t>
+            </a:r>
+            <a:r>
+              <a:rPr lang="en-GB" sz="1200" dirty="0">
+                <a:solidFill>
+                  <a:srgbClr val="00376C"/>
+                </a:solidFill>
+              </a:rPr>
+              <a:t> – </a:t>
+            </a:r>
+            <a:r>
+              <a:rPr lang="en-GB" sz="1200" dirty="0" err="1">
+                <a:solidFill>
+                  <a:srgbClr val="00376C"/>
+                </a:solidFill>
+              </a:rPr>
+              <a:t>Liehr</a:t>
+            </a:r>
+            <a:r>
+              <a:rPr lang="en-GB" sz="1200" dirty="0">
+                <a:solidFill>
+                  <a:srgbClr val="00376C"/>
+                </a:solidFill>
+              </a:rPr>
+              <a:t>, Lang, </a:t>
+            </a:r>
+            <a:r>
+              <a:rPr lang="en-GB" sz="1200" dirty="0" err="1">
+                <a:solidFill>
+                  <a:srgbClr val="00376C"/>
+                </a:solidFill>
+              </a:rPr>
+              <a:t>Schneidereit</a:t>
+            </a:r>
+            <a:r>
+              <a:rPr lang="en-GB" sz="1200" dirty="0">
+                <a:solidFill>
+                  <a:srgbClr val="00376C"/>
+                </a:solidFill>
+              </a:rPr>
+              <a:t>, Klug - 14.07.2021</a:t>
+            </a:r>
+          </a:p>
+        </p:txBody>
+      </p:sp>
+    </p:spTree>
+    <p:extLst>
+      <p:ext uri="{BB962C8B-B14F-4D97-AF65-F5344CB8AC3E}">
+        <p14:creationId xmlns:p14="http://schemas.microsoft.com/office/powerpoint/2010/main" val="947592245"/>
+      </p:ext>
+    </p:extLst>
+  </p:cSld>
+  <p:clrMapOvr>
+    <a:masterClrMapping/>
+  </p:clrMapOvr>
+</p:sld>
+</file>
+
+<file path=ppt/slides/slide11.xml><?xml version="1.0" encoding="utf-8"?>
+<p:sld xmlns:a="http://schemas.openxmlformats.org/drawingml/2006/main" xmlns:r="http://schemas.openxmlformats.org/officeDocument/2006/relationships" xmlns:p="http://schemas.openxmlformats.org/presentationml/2006/main">
+  <p:cSld>
+    <p:spTree>
+      <p:nvGrpSpPr>
+        <p:cNvPr id="1" name=""/>
+        <p:cNvGrpSpPr/>
+        <p:nvPr/>
+      </p:nvGrpSpPr>
+      <p:grpSpPr>
+        <a:xfrm>
+          <a:off x="0" y="0"/>
+          <a:ext cx="0" cy="0"/>
+          <a:chOff x="0" y="0"/>
+          <a:chExt cx="0" cy="0"/>
+        </a:xfrm>
+      </p:grpSpPr>
+      <p:sp>
+        <p:nvSpPr>
           <p:cNvPr id="6" name="Textplatzhalter 16"/>
           <p:cNvSpPr txBox="1">
             <a:spLocks/>
@@ -3610,7 +3882,7 @@
 </p:sld>
 </file>
 
-<file path=ppt/slides/slide11.xml><?xml version="1.0" encoding="utf-8"?>
+<file path=ppt/slides/slide12.xml><?xml version="1.0" encoding="utf-8"?>
 <p:sld xmlns:a="http://schemas.openxmlformats.org/drawingml/2006/main" xmlns:r="http://schemas.openxmlformats.org/officeDocument/2006/relationships" xmlns:p="http://schemas.openxmlformats.org/presentationml/2006/main">
   <p:cSld>
     <p:spTree>
@@ -4502,6 +4774,15 @@
             <a:r>
               <a:rPr lang="en-GB" sz="1800" dirty="0"/>
               <a:t>	Study Area</a:t>
+            </a:r>
+          </a:p>
+          <a:p>
+            <a:pPr marL="0" indent="0">
+              <a:buNone/>
+            </a:pPr>
+            <a:r>
+              <a:rPr lang="en-GB" sz="1800" dirty="0"/>
+              <a:t>	Vegetation classes</a:t>
             </a:r>
           </a:p>
           <a:p>
@@ -5479,6 +5760,541 @@
 </file>
 
 <file path=ppt/slides/slide5.xml><?xml version="1.0" encoding="utf-8"?>
+<p:sld xmlns:a="http://schemas.openxmlformats.org/drawingml/2006/main" xmlns:r="http://schemas.openxmlformats.org/officeDocument/2006/relationships" xmlns:p="http://schemas.openxmlformats.org/presentationml/2006/main">
+  <p:cSld>
+    <p:spTree>
+      <p:nvGrpSpPr>
+        <p:cNvPr id="1" name=""/>
+        <p:cNvGrpSpPr/>
+        <p:nvPr/>
+      </p:nvGrpSpPr>
+      <p:grpSpPr>
+        <a:xfrm>
+          <a:off x="0" y="0"/>
+          <a:ext cx="0" cy="0"/>
+          <a:chOff x="0" y="0"/>
+          <a:chExt cx="0" cy="0"/>
+        </a:xfrm>
+      </p:grpSpPr>
+      <p:sp>
+        <p:nvSpPr>
+          <p:cNvPr id="2" name="Title 1">
+            <a:extLst>
+              <a:ext uri="{FF2B5EF4-FFF2-40B4-BE49-F238E27FC236}">
+                <a16:creationId xmlns:a16="http://schemas.microsoft.com/office/drawing/2014/main" id="{0BCE90BC-C87D-0647-93CE-1E7B68BFDF02}"/>
+              </a:ext>
+            </a:extLst>
+          </p:cNvPr>
+          <p:cNvSpPr>
+            <a:spLocks noGrp="1"/>
+          </p:cNvSpPr>
+          <p:nvPr>
+            <p:ph type="title"/>
+          </p:nvPr>
+        </p:nvSpPr>
+        <p:spPr/>
+        <p:txBody>
+          <a:bodyPr/>
+          <a:lstStyle/>
+          <a:p>
+            <a:r>
+              <a:rPr lang="en-GB" sz="2400" dirty="0"/>
+              <a:t>2. Methods </a:t>
+            </a:r>
+            <a:r>
+              <a:rPr lang="en-GB" sz="1800" dirty="0"/>
+              <a:t>  </a:t>
+            </a:r>
+            <a:r>
+              <a:rPr lang="en-GB" sz="1800" b="0" dirty="0"/>
+              <a:t>Vegetation classes</a:t>
+            </a:r>
+          </a:p>
+        </p:txBody>
+      </p:sp>
+      <p:sp>
+        <p:nvSpPr>
+          <p:cNvPr id="3" name="Content Placeholder 2">
+            <a:extLst>
+              <a:ext uri="{FF2B5EF4-FFF2-40B4-BE49-F238E27FC236}">
+                <a16:creationId xmlns:a16="http://schemas.microsoft.com/office/drawing/2014/main" id="{97CBA0A9-57F3-5B49-861E-B00E6FFA9301}"/>
+              </a:ext>
+            </a:extLst>
+          </p:cNvPr>
+          <p:cNvSpPr>
+            <a:spLocks noGrp="1"/>
+          </p:cNvSpPr>
+          <p:nvPr>
+            <p:ph idx="1"/>
+          </p:nvPr>
+        </p:nvSpPr>
+        <p:spPr>
+          <a:xfrm>
+            <a:off x="695400" y="1351309"/>
+            <a:ext cx="10503841" cy="4525963"/>
+          </a:xfrm>
+        </p:spPr>
+        <p:txBody>
+          <a:bodyPr/>
+          <a:lstStyle/>
+          <a:p>
+            <a:pPr marL="0" lvl="0" indent="0">
+              <a:lnSpc>
+                <a:spcPct val="150000"/>
+              </a:lnSpc>
+              <a:buSzPct val="45000"/>
+              <a:buNone/>
+            </a:pPr>
+            <a:endParaRPr lang="en-GB" sz="1200" dirty="0"/>
+          </a:p>
+          <a:p>
+            <a:pPr lvl="0">
+              <a:lnSpc>
+                <a:spcPct val="150000"/>
+              </a:lnSpc>
+              <a:buSzPct val="45000"/>
+              <a:buFont typeface="StarSymbol"/>
+              <a:buChar char="●"/>
+            </a:pPr>
+            <a:r>
+              <a:rPr lang="en-GB" sz="1800" dirty="0"/>
+              <a:t>Land cover characterised by e. g. urban, water, forest, shrub- and grassland</a:t>
+            </a:r>
+          </a:p>
+          <a:p>
+            <a:pPr lvl="0">
+              <a:lnSpc>
+                <a:spcPct val="150000"/>
+              </a:lnSpc>
+              <a:buSzPct val="45000"/>
+              <a:buFont typeface="StarSymbol"/>
+              <a:buChar char="●"/>
+            </a:pPr>
+            <a:r>
+              <a:rPr lang="en-GB" sz="1800" dirty="0"/>
+              <a:t>Agriculture dominated by viticulture (wine falls under class </a:t>
+            </a:r>
+            <a:r>
+              <a:rPr lang="en-GB" sz="1800" i="1" dirty="0"/>
+              <a:t>shrub</a:t>
+            </a:r>
+            <a:r>
+              <a:rPr lang="en-GB" sz="1800" dirty="0"/>
+              <a:t>)</a:t>
+            </a:r>
+          </a:p>
+          <a:p>
+            <a:pPr lvl="0">
+              <a:lnSpc>
+                <a:spcPct val="150000"/>
+              </a:lnSpc>
+              <a:buSzPct val="45000"/>
+              <a:buFont typeface="StarSymbol"/>
+              <a:buChar char="●"/>
+            </a:pPr>
+            <a:r>
+              <a:rPr lang="en-GB" sz="1800" dirty="0"/>
+              <a:t>Vegetation classes based on hierarchical approach with four levels</a:t>
+            </a:r>
+          </a:p>
+          <a:p>
+            <a:pPr marL="0" indent="0">
+              <a:buNone/>
+            </a:pPr>
+            <a:endParaRPr lang="en-GB" sz="1800" dirty="0"/>
+          </a:p>
+          <a:p>
+            <a:pPr marL="0" indent="0">
+              <a:buNone/>
+            </a:pPr>
+            <a:endParaRPr lang="en-GB" dirty="0"/>
+          </a:p>
+        </p:txBody>
+      </p:sp>
+      <p:sp>
+        <p:nvSpPr>
+          <p:cNvPr id="4" name="Rectangle 2">
+            <a:extLst>
+              <a:ext uri="{FF2B5EF4-FFF2-40B4-BE49-F238E27FC236}">
+                <a16:creationId xmlns:a16="http://schemas.microsoft.com/office/drawing/2014/main" id="{57AB79F0-5734-9546-859A-8B853CDAD7DF}"/>
+              </a:ext>
+            </a:extLst>
+          </p:cNvPr>
+          <p:cNvSpPr>
+            <a:spLocks noChangeArrowheads="1"/>
+          </p:cNvSpPr>
+          <p:nvPr/>
+        </p:nvSpPr>
+        <p:spPr bwMode="auto">
+          <a:xfrm>
+            <a:off x="1991544" y="2395736"/>
+            <a:ext cx="12192000" cy="457200"/>
+          </a:xfrm>
+          <a:prstGeom prst="rect">
+            <a:avLst/>
+          </a:prstGeom>
+          <a:noFill/>
+          <a:ln>
+            <a:noFill/>
+          </a:ln>
+          <a:effectLst/>
+          <a:extLst>
+            <a:ext uri="{909E8E84-426E-40DD-AFC4-6F175D3DCCD1}">
+              <a14:hiddenFill xmlns:a14="http://schemas.microsoft.com/office/drawing/2010/main">
+                <a:solidFill>
+                  <a:schemeClr val="accent1"/>
+                </a:solidFill>
+              </a14:hiddenFill>
+            </a:ext>
+            <a:ext uri="{91240B29-F687-4F45-9708-019B960494DF}">
+              <a14:hiddenLine xmlns:a14="http://schemas.microsoft.com/office/drawing/2010/main" w="9525">
+                <a:solidFill>
+                  <a:schemeClr val="tx1"/>
+                </a:solidFill>
+                <a:miter lim="800000"/>
+                <a:headEnd/>
+                <a:tailEnd/>
+              </a14:hiddenLine>
+            </a:ext>
+            <a:ext uri="{AF507438-7753-43E0-B8FC-AC1667EBCBE1}">
+              <a14:hiddenEffects xmlns:a14="http://schemas.microsoft.com/office/drawing/2010/main">
+                <a:effectLst>
+                  <a:outerShdw dist="35921" dir="2700000" algn="ctr" rotWithShape="0">
+                    <a:schemeClr val="bg2"/>
+                  </a:outerShdw>
+                </a:effectLst>
+              </a14:hiddenEffects>
+            </a:ext>
+          </a:extLst>
+        </p:spPr>
+        <p:txBody>
+          <a:bodyPr vert="horz" wrap="none" lIns="91440" tIns="45720" rIns="91440" bIns="45720" numCol="1" anchor="ctr" anchorCtr="0" compatLnSpc="1">
+            <a:prstTxWarp prst="textNoShape">
+              <a:avLst/>
+            </a:prstTxWarp>
+            <a:spAutoFit/>
+          </a:bodyPr>
+          <a:lstStyle/>
+          <a:p>
+            <a:endParaRPr lang="de-DE"/>
+          </a:p>
+        </p:txBody>
+      </p:sp>
+      <p:sp>
+        <p:nvSpPr>
+          <p:cNvPr id="5" name="Rectangle 3">
+            <a:extLst>
+              <a:ext uri="{FF2B5EF4-FFF2-40B4-BE49-F238E27FC236}">
+                <a16:creationId xmlns:a16="http://schemas.microsoft.com/office/drawing/2014/main" id="{3F1D03E0-62A3-8744-A059-58368231D25A}"/>
+              </a:ext>
+            </a:extLst>
+          </p:cNvPr>
+          <p:cNvSpPr>
+            <a:spLocks noChangeArrowheads="1"/>
+          </p:cNvSpPr>
+          <p:nvPr/>
+        </p:nvSpPr>
+        <p:spPr bwMode="auto">
+          <a:xfrm>
+            <a:off x="695400" y="3789641"/>
+            <a:ext cx="3986990" cy="215444"/>
+          </a:xfrm>
+          <a:prstGeom prst="rect">
+            <a:avLst/>
+          </a:prstGeom>
+          <a:noFill/>
+          <a:ln>
+            <a:noFill/>
+          </a:ln>
+          <a:effectLst/>
+          <a:extLst>
+            <a:ext uri="{909E8E84-426E-40DD-AFC4-6F175D3DCCD1}">
+              <a14:hiddenFill xmlns:a14="http://schemas.microsoft.com/office/drawing/2010/main">
+                <a:solidFill>
+                  <a:schemeClr val="accent1"/>
+                </a:solidFill>
+              </a14:hiddenFill>
+            </a:ext>
+            <a:ext uri="{91240B29-F687-4F45-9708-019B960494DF}">
+              <a14:hiddenLine xmlns:a14="http://schemas.microsoft.com/office/drawing/2010/main" w="9525">
+                <a:solidFill>
+                  <a:schemeClr val="tx1"/>
+                </a:solidFill>
+                <a:miter lim="800000"/>
+                <a:headEnd/>
+                <a:tailEnd/>
+              </a14:hiddenLine>
+            </a:ext>
+            <a:ext uri="{AF507438-7753-43E0-B8FC-AC1667EBCBE1}">
+              <a14:hiddenEffects xmlns:a14="http://schemas.microsoft.com/office/drawing/2010/main">
+                <a:effectLst>
+                  <a:outerShdw dist="35921" dir="2700000" algn="ctr" rotWithShape="0">
+                    <a:schemeClr val="bg2"/>
+                  </a:outerShdw>
+                </a:effectLst>
+              </a14:hiddenEffects>
+            </a:ext>
+          </a:extLst>
+        </p:spPr>
+        <p:txBody>
+          <a:bodyPr vert="horz" wrap="none" lIns="91440" tIns="45720" rIns="91440" bIns="45720" numCol="1" anchor="ctr" anchorCtr="0" compatLnSpc="1">
+            <a:prstTxWarp prst="textNoShape">
+              <a:avLst/>
+            </a:prstTxWarp>
+            <a:spAutoFit/>
+          </a:bodyPr>
+          <a:lstStyle/>
+          <a:p>
+            <a:pPr marL="0" marR="0" lvl="0" indent="0" algn="ctr" defTabSz="914400" rtl="0" eaLnBrk="0" fontAlgn="base" latinLnBrk="0" hangingPunct="0">
+              <a:lnSpc>
+                <a:spcPct val="100000"/>
+              </a:lnSpc>
+              <a:spcBef>
+                <a:spcPct val="0"/>
+              </a:spcBef>
+              <a:spcAft>
+                <a:spcPct val="0"/>
+              </a:spcAft>
+              <a:buClrTx/>
+              <a:buSzTx/>
+              <a:buFontTx/>
+              <a:buNone/>
+              <a:tabLst/>
+            </a:pPr>
+            <a:r>
+              <a:rPr lang="en-US" altLang="de-DE" sz="800" b="1" dirty="0">
+                <a:solidFill>
+                  <a:srgbClr val="002060"/>
+                </a:solidFill>
+                <a:ea typeface="Verdana" panose="020B0604030504040204" pitchFamily="34" charset="0"/>
+                <a:cs typeface="Verdana" panose="020B0604030504040204" pitchFamily="34" charset="0"/>
+              </a:rPr>
+              <a:t>Tab. 1: </a:t>
+            </a:r>
+            <a:r>
+              <a:rPr kumimoji="0" lang="en-US" altLang="de-DE" sz="800" b="1" i="0" u="none" strike="noStrike" cap="none" normalizeH="0" baseline="0" dirty="0">
+                <a:ln>
+                  <a:noFill/>
+                </a:ln>
+                <a:solidFill>
+                  <a:srgbClr val="002060"/>
+                </a:solidFill>
+                <a:effectLst/>
+                <a:ea typeface="Verdana" panose="020B0604030504040204" pitchFamily="34" charset="0"/>
+                <a:cs typeface="Verdana" panose="020B0604030504040204" pitchFamily="34" charset="0"/>
+              </a:rPr>
+              <a:t>Hierarchical vegetation classes </a:t>
+            </a:r>
+            <a:r>
+              <a:rPr lang="en-US" altLang="de-DE" sz="800" i="1" dirty="0">
+                <a:solidFill>
+                  <a:srgbClr val="002060"/>
+                </a:solidFill>
+                <a:ea typeface="Verdana" panose="020B0604030504040204" pitchFamily="34" charset="0"/>
+                <a:cs typeface="Verdana" panose="020B0604030504040204" pitchFamily="34" charset="0"/>
+              </a:rPr>
+              <a:t>ref. to </a:t>
+            </a:r>
+            <a:r>
+              <a:rPr lang="en-US" altLang="de-DE" sz="800" dirty="0">
+                <a:solidFill>
+                  <a:srgbClr val="002060"/>
+                </a:solidFill>
+                <a:ea typeface="Verdana" panose="020B0604030504040204" pitchFamily="34" charset="0"/>
+                <a:cs typeface="Verdana" panose="020B0604030504040204" pitchFamily="34" charset="0"/>
+              </a:rPr>
+              <a:t>Cooper et al. (2020)</a:t>
+            </a:r>
+            <a:endParaRPr kumimoji="0" lang="en-US" altLang="de-DE" sz="1800" i="0" u="none" strike="noStrike" cap="none" normalizeH="0" baseline="0" dirty="0">
+              <a:ln>
+                <a:noFill/>
+              </a:ln>
+              <a:solidFill>
+                <a:srgbClr val="002060"/>
+              </a:solidFill>
+              <a:effectLst/>
+              <a:ea typeface="Verdana" panose="020B0604030504040204" pitchFamily="34" charset="0"/>
+              <a:cs typeface="Verdana" panose="020B0604030504040204" pitchFamily="34" charset="0"/>
+            </a:endParaRPr>
+          </a:p>
+        </p:txBody>
+      </p:sp>
+      <p:sp>
+        <p:nvSpPr>
+          <p:cNvPr id="9" name="TextBox 1">
+            <a:extLst>
+              <a:ext uri="{FF2B5EF4-FFF2-40B4-BE49-F238E27FC236}">
+                <a16:creationId xmlns:a16="http://schemas.microsoft.com/office/drawing/2014/main" id="{D9C9537E-274C-4643-8D7C-57373BB6B1FF}"/>
+              </a:ext>
+            </a:extLst>
+          </p:cNvPr>
+          <p:cNvSpPr txBox="1"/>
+          <p:nvPr/>
+        </p:nvSpPr>
+        <p:spPr bwMode="auto">
+          <a:xfrm>
+            <a:off x="10332" y="6525344"/>
+            <a:ext cx="6157676" cy="276551"/>
+          </a:xfrm>
+          <a:prstGeom prst="rect">
+            <a:avLst/>
+          </a:prstGeom>
+          <a:solidFill>
+            <a:schemeClr val="bg1">
+              <a:alpha val="70195"/>
+            </a:schemeClr>
+          </a:solidFill>
+          <a:ln>
+            <a:noFill/>
+          </a:ln>
+          <a:effectLst/>
+          <a:extLst>
+            <a:ext uri="{91240B29-F687-4F45-9708-019B960494DF}">
+              <a14:hiddenLine xmlns:a14="http://schemas.microsoft.com/office/drawing/2010/main" w="9525" algn="ctr">
+                <a:solidFill>
+                  <a:schemeClr val="tx1"/>
+                </a:solidFill>
+                <a:miter lim="800000"/>
+                <a:headEnd/>
+                <a:tailEnd/>
+              </a14:hiddenLine>
+            </a:ext>
+            <a:ext uri="{AF507438-7753-43E0-B8FC-AC1667EBCBE1}">
+              <a14:hiddenEffects xmlns:a14="http://schemas.microsoft.com/office/drawing/2010/main">
+                <a:effectLst>
+                  <a:outerShdw dist="35921" dir="2700000" algn="ctr" rotWithShape="0">
+                    <a:schemeClr val="bg2"/>
+                  </a:outerShdw>
+                </a:effectLst>
+              </a14:hiddenEffects>
+            </a:ext>
+          </a:extLst>
+        </p:spPr>
+        <p:txBody>
+          <a:bodyPr wrap="square" rtlCol="0">
+            <a:spAutoFit/>
+          </a:bodyPr>
+          <a:lstStyle/>
+          <a:p>
+            <a:pPr algn="ctr" eaLnBrk="1" hangingPunct="1">
+              <a:lnSpc>
+                <a:spcPct val="110000"/>
+              </a:lnSpc>
+              <a:spcAft>
+                <a:spcPts val="300"/>
+              </a:spcAft>
+            </a:pPr>
+            <a:r>
+              <a:rPr lang="en-GB" sz="1200" dirty="0">
+                <a:solidFill>
+                  <a:srgbClr val="00376C"/>
+                </a:solidFill>
+              </a:rPr>
+              <a:t>Hyperspectral </a:t>
+            </a:r>
+            <a:r>
+              <a:rPr lang="en-GB" sz="1200" dirty="0" err="1">
+                <a:solidFill>
+                  <a:srgbClr val="00376C"/>
+                </a:solidFill>
+              </a:rPr>
+              <a:t>Unmixing</a:t>
+            </a:r>
+            <a:r>
+              <a:rPr lang="en-GB" sz="1200" dirty="0">
+                <a:solidFill>
+                  <a:srgbClr val="00376C"/>
+                </a:solidFill>
+              </a:rPr>
+              <a:t> – </a:t>
+            </a:r>
+            <a:r>
+              <a:rPr lang="en-GB" sz="1200" dirty="0" err="1">
+                <a:solidFill>
+                  <a:srgbClr val="00376C"/>
+                </a:solidFill>
+              </a:rPr>
+              <a:t>Liehr</a:t>
+            </a:r>
+            <a:r>
+              <a:rPr lang="en-GB" sz="1200" dirty="0">
+                <a:solidFill>
+                  <a:srgbClr val="00376C"/>
+                </a:solidFill>
+              </a:rPr>
+              <a:t>, Lang, </a:t>
+            </a:r>
+            <a:r>
+              <a:rPr lang="en-GB" sz="1200" dirty="0" err="1">
+                <a:solidFill>
+                  <a:srgbClr val="00376C"/>
+                </a:solidFill>
+              </a:rPr>
+              <a:t>Schneidereit</a:t>
+            </a:r>
+            <a:r>
+              <a:rPr lang="en-GB" sz="1200" dirty="0">
+                <a:solidFill>
+                  <a:srgbClr val="00376C"/>
+                </a:solidFill>
+              </a:rPr>
+              <a:t>, Klug - 14.07.2021</a:t>
+            </a:r>
+          </a:p>
+        </p:txBody>
+      </p:sp>
+      <p:pic>
+        <p:nvPicPr>
+          <p:cNvPr id="8" name="Grafik 7">
+            <a:extLst>
+              <a:ext uri="{FF2B5EF4-FFF2-40B4-BE49-F238E27FC236}">
+                <a16:creationId xmlns:a16="http://schemas.microsoft.com/office/drawing/2014/main" id="{62F981EC-7752-FC42-B1E5-0750E314B479}"/>
+              </a:ext>
+            </a:extLst>
+          </p:cNvPr>
+          <p:cNvPicPr>
+            <a:picLocks noChangeAspect="1"/>
+          </p:cNvPicPr>
+          <p:nvPr/>
+        </p:nvPicPr>
+        <p:blipFill>
+          <a:blip r:embed="rId2">
+            <a:lum/>
+            <a:alphaModFix/>
+          </a:blip>
+          <a:srcRect/>
+          <a:stretch>
+            <a:fillRect/>
+          </a:stretch>
+        </p:blipFill>
+        <p:spPr>
+          <a:xfrm>
+            <a:off x="768608" y="4149080"/>
+            <a:ext cx="10800000" cy="1005760"/>
+          </a:xfrm>
+          <a:prstGeom prst="rect">
+            <a:avLst/>
+          </a:prstGeom>
+          <a:noFill/>
+          <a:ln>
+            <a:noFill/>
+          </a:ln>
+        </p:spPr>
+      </p:pic>
+    </p:spTree>
+    <p:extLst>
+      <p:ext uri="{BB962C8B-B14F-4D97-AF65-F5344CB8AC3E}">
+        <p14:creationId xmlns:p14="http://schemas.microsoft.com/office/powerpoint/2010/main" val="752891524"/>
+      </p:ext>
+    </p:extLst>
+  </p:cSld>
+  <p:clrMapOvr>
+    <a:masterClrMapping/>
+  </p:clrMapOvr>
+</p:sld>
+</file>
+
+<file path=ppt/slides/slide6.xml><?xml version="1.0" encoding="utf-8"?>
 <p:sld xmlns:a="http://schemas.openxmlformats.org/drawingml/2006/main" xmlns:r="http://schemas.openxmlformats.org/officeDocument/2006/relationships" xmlns:p="http://schemas.openxmlformats.org/presentationml/2006/main">
   <p:cSld>
     <p:spTree>
@@ -5906,7 +6722,7 @@
 </p:sld>
 </file>
 
-<file path=ppt/slides/slide6.xml><?xml version="1.0" encoding="utf-8"?>
+<file path=ppt/slides/slide7.xml><?xml version="1.0" encoding="utf-8"?>
 <p:sld xmlns:a="http://schemas.openxmlformats.org/drawingml/2006/main" xmlns:r="http://schemas.openxmlformats.org/officeDocument/2006/relationships" xmlns:p="http://schemas.openxmlformats.org/presentationml/2006/main">
   <p:cSld>
     <p:spTree>
@@ -6186,7 +7002,7 @@
 </p:sld>
 </file>
 
-<file path=ppt/slides/slide7.xml><?xml version="1.0" encoding="utf-8"?>
+<file path=ppt/slides/slide8.xml><?xml version="1.0" encoding="utf-8"?>
 <p:sld xmlns:a="http://schemas.openxmlformats.org/drawingml/2006/main" xmlns:r="http://schemas.openxmlformats.org/officeDocument/2006/relationships" xmlns:p="http://schemas.openxmlformats.org/presentationml/2006/main">
   <p:cSld>
     <p:spTree>
@@ -6470,7 +7286,7 @@
 </p:sld>
 </file>
 
-<file path=ppt/slides/slide8.xml><?xml version="1.0" encoding="utf-8"?>
+<file path=ppt/slides/slide9.xml><?xml version="1.0" encoding="utf-8"?>
 <p:sld xmlns:a="http://schemas.openxmlformats.org/drawingml/2006/main" xmlns:r="http://schemas.openxmlformats.org/officeDocument/2006/relationships" xmlns:p="http://schemas.openxmlformats.org/presentationml/2006/main">
   <p:cSld>
     <p:spTree>
@@ -6893,277 +7709,6 @@
     <p:extLst>
       <p:ext uri="{BB962C8B-B14F-4D97-AF65-F5344CB8AC3E}">
         <p14:creationId xmlns:p14="http://schemas.microsoft.com/office/powerpoint/2010/main" val="1402459444"/>
-      </p:ext>
-    </p:extLst>
-  </p:cSld>
-  <p:clrMapOvr>
-    <a:masterClrMapping/>
-  </p:clrMapOvr>
-</p:sld>
-</file>
-
-<file path=ppt/slides/slide9.xml><?xml version="1.0" encoding="utf-8"?>
-<p:sld xmlns:a="http://schemas.openxmlformats.org/drawingml/2006/main" xmlns:r="http://schemas.openxmlformats.org/officeDocument/2006/relationships" xmlns:p="http://schemas.openxmlformats.org/presentationml/2006/main">
-  <p:cSld>
-    <p:spTree>
-      <p:nvGrpSpPr>
-        <p:cNvPr id="1" name=""/>
-        <p:cNvGrpSpPr/>
-        <p:nvPr/>
-      </p:nvGrpSpPr>
-      <p:grpSpPr>
-        <a:xfrm>
-          <a:off x="0" y="0"/>
-          <a:ext cx="0" cy="0"/>
-          <a:chOff x="0" y="0"/>
-          <a:chExt cx="0" cy="0"/>
-        </a:xfrm>
-      </p:grpSpPr>
-      <p:sp>
-        <p:nvSpPr>
-          <p:cNvPr id="2" name="Title 1">
-            <a:extLst>
-              <a:ext uri="{FF2B5EF4-FFF2-40B4-BE49-F238E27FC236}">
-                <a16:creationId xmlns:a16="http://schemas.microsoft.com/office/drawing/2014/main" id="{40F8A973-A44F-8446-B50C-603300C9C0F5}"/>
-              </a:ext>
-            </a:extLst>
-          </p:cNvPr>
-          <p:cNvSpPr>
-            <a:spLocks noGrp="1"/>
-          </p:cNvSpPr>
-          <p:nvPr>
-            <p:ph type="title"/>
-          </p:nvPr>
-        </p:nvSpPr>
-        <p:spPr/>
-        <p:txBody>
-          <a:bodyPr/>
-          <a:lstStyle/>
-          <a:p>
-            <a:r>
-              <a:rPr lang="en-GB" sz="2400" dirty="0"/>
-              <a:t>4.   Discussion</a:t>
-            </a:r>
-          </a:p>
-        </p:txBody>
-      </p:sp>
-      <p:sp>
-        <p:nvSpPr>
-          <p:cNvPr id="3" name="Content Placeholder 2">
-            <a:extLst>
-              <a:ext uri="{FF2B5EF4-FFF2-40B4-BE49-F238E27FC236}">
-                <a16:creationId xmlns:a16="http://schemas.microsoft.com/office/drawing/2014/main" id="{DB101D12-631E-F649-BC3C-4EDB189ED5EE}"/>
-              </a:ext>
-            </a:extLst>
-          </p:cNvPr>
-          <p:cNvSpPr>
-            <a:spLocks noGrp="1"/>
-          </p:cNvSpPr>
-          <p:nvPr>
-            <p:ph idx="1"/>
-          </p:nvPr>
-        </p:nvSpPr>
-        <p:spPr>
-          <a:xfrm>
-            <a:off x="685875" y="1513359"/>
-            <a:ext cx="10954741" cy="4525963"/>
-          </a:xfrm>
-        </p:spPr>
-        <p:txBody>
-          <a:bodyPr/>
-          <a:lstStyle/>
-          <a:p>
-            <a:pPr marL="457200" indent="-457200">
-              <a:buAutoNum type="arabicPeriod"/>
-            </a:pPr>
-            <a:r>
-              <a:rPr lang="en-GB" dirty="0"/>
-              <a:t>Use of hyperspectral imagery led to </a:t>
-            </a:r>
-            <a:r>
-              <a:rPr lang="en-GB" i="1" dirty="0"/>
-              <a:t>seemingly </a:t>
-            </a:r>
-            <a:r>
-              <a:rPr lang="en-GB" dirty="0"/>
-              <a:t>adequate fractional    cover estimations across the study area</a:t>
-            </a:r>
-          </a:p>
-          <a:p>
-            <a:pPr marL="0" indent="0">
-              <a:buNone/>
-            </a:pPr>
-            <a:endParaRPr lang="en-GB" dirty="0"/>
-          </a:p>
-          <a:p>
-            <a:pPr marL="0" indent="0">
-              <a:buNone/>
-            </a:pPr>
-            <a:r>
-              <a:rPr lang="en-GB" dirty="0"/>
-              <a:t>2. Endmembers affected by data artefacts from flight paths</a:t>
-            </a:r>
-          </a:p>
-          <a:p>
-            <a:pPr marL="0" indent="0">
-              <a:buNone/>
-            </a:pPr>
-            <a:endParaRPr lang="en-GB" dirty="0"/>
-          </a:p>
-          <a:p>
-            <a:pPr marL="0" indent="0">
-              <a:buNone/>
-            </a:pPr>
-            <a:r>
-              <a:rPr lang="en-GB" dirty="0"/>
-              <a:t>3. Hyperspectral and multi-temporal multi-spectral imagery requires </a:t>
-            </a:r>
-          </a:p>
-          <a:p>
-            <a:pPr marL="0" indent="0">
-              <a:buNone/>
-            </a:pPr>
-            <a:r>
-              <a:rPr lang="en-GB" dirty="0"/>
-              <a:t>    extensive computational resources…</a:t>
-            </a:r>
-          </a:p>
-          <a:p>
-            <a:pPr marL="0" indent="0">
-              <a:buNone/>
-            </a:pPr>
-            <a:endParaRPr lang="en-GB" dirty="0"/>
-          </a:p>
-        </p:txBody>
-      </p:sp>
-      <p:sp>
-        <p:nvSpPr>
-          <p:cNvPr id="7" name="TextBox 1">
-            <a:extLst>
-              <a:ext uri="{FF2B5EF4-FFF2-40B4-BE49-F238E27FC236}">
-                <a16:creationId xmlns:a16="http://schemas.microsoft.com/office/drawing/2014/main" id="{679F5719-AB13-D543-8346-33F6A57B9861}"/>
-              </a:ext>
-            </a:extLst>
-          </p:cNvPr>
-          <p:cNvSpPr txBox="1"/>
-          <p:nvPr/>
-        </p:nvSpPr>
-        <p:spPr bwMode="auto">
-          <a:xfrm>
-            <a:off x="10332" y="6525344"/>
-            <a:ext cx="6157676" cy="276551"/>
-          </a:xfrm>
-          <a:prstGeom prst="rect">
-            <a:avLst/>
-          </a:prstGeom>
-          <a:solidFill>
-            <a:schemeClr val="bg1">
-              <a:alpha val="70195"/>
-            </a:schemeClr>
-          </a:solidFill>
-          <a:ln>
-            <a:noFill/>
-          </a:ln>
-          <a:effectLst/>
-          <a:extLst>
-            <a:ext uri="{91240B29-F687-4F45-9708-019B960494DF}">
-              <a14:hiddenLine xmlns:a14="http://schemas.microsoft.com/office/drawing/2010/main" w="9525" algn="ctr">
-                <a:solidFill>
-                  <a:schemeClr val="tx1"/>
-                </a:solidFill>
-                <a:miter lim="800000"/>
-                <a:headEnd/>
-                <a:tailEnd/>
-              </a14:hiddenLine>
-            </a:ext>
-            <a:ext uri="{AF507438-7753-43E0-B8FC-AC1667EBCBE1}">
-              <a14:hiddenEffects xmlns:a14="http://schemas.microsoft.com/office/drawing/2010/main">
-                <a:effectLst>
-                  <a:outerShdw dist="35921" dir="2700000" algn="ctr" rotWithShape="0">
-                    <a:schemeClr val="bg2"/>
-                  </a:outerShdw>
-                </a:effectLst>
-              </a14:hiddenEffects>
-            </a:ext>
-          </a:extLst>
-        </p:spPr>
-        <p:txBody>
-          <a:bodyPr wrap="square" rtlCol="0">
-            <a:spAutoFit/>
-          </a:bodyPr>
-          <a:lstStyle/>
-          <a:p>
-            <a:pPr algn="ctr" eaLnBrk="1" hangingPunct="1">
-              <a:lnSpc>
-                <a:spcPct val="110000"/>
-              </a:lnSpc>
-              <a:spcAft>
-                <a:spcPts val="300"/>
-              </a:spcAft>
-            </a:pPr>
-            <a:r>
-              <a:rPr lang="en-GB" sz="1200" dirty="0">
-                <a:solidFill>
-                  <a:srgbClr val="00376C"/>
-                </a:solidFill>
-              </a:rPr>
-              <a:t>Hyperspectral </a:t>
-            </a:r>
-            <a:r>
-              <a:rPr lang="en-GB" sz="1200" dirty="0" err="1">
-                <a:solidFill>
-                  <a:srgbClr val="00376C"/>
-                </a:solidFill>
-              </a:rPr>
-              <a:t>Unmixing</a:t>
-            </a:r>
-            <a:r>
-              <a:rPr lang="en-GB" sz="1200" dirty="0">
-                <a:solidFill>
-                  <a:srgbClr val="00376C"/>
-                </a:solidFill>
-              </a:rPr>
-              <a:t> – </a:t>
-            </a:r>
-            <a:r>
-              <a:rPr lang="en-GB" sz="1200" dirty="0" err="1">
-                <a:solidFill>
-                  <a:srgbClr val="00376C"/>
-                </a:solidFill>
-              </a:rPr>
-              <a:t>Liehr</a:t>
-            </a:r>
-            <a:r>
-              <a:rPr lang="en-GB" sz="1200" dirty="0">
-                <a:solidFill>
-                  <a:srgbClr val="00376C"/>
-                </a:solidFill>
-              </a:rPr>
-              <a:t>, Lang, </a:t>
-            </a:r>
-            <a:r>
-              <a:rPr lang="en-GB" sz="1200" dirty="0" err="1">
-                <a:solidFill>
-                  <a:srgbClr val="00376C"/>
-                </a:solidFill>
-              </a:rPr>
-              <a:t>Schneidereit</a:t>
-            </a:r>
-            <a:r>
-              <a:rPr lang="en-GB" sz="1200" dirty="0">
-                <a:solidFill>
-                  <a:srgbClr val="00376C"/>
-                </a:solidFill>
-              </a:rPr>
-              <a:t>, Klug - 14.07.2021</a:t>
-            </a:r>
-          </a:p>
-        </p:txBody>
-      </p:sp>
-    </p:spTree>
-    <p:extLst>
-      <p:ext uri="{BB962C8B-B14F-4D97-AF65-F5344CB8AC3E}">
-        <p14:creationId xmlns:p14="http://schemas.microsoft.com/office/powerpoint/2010/main" val="947592245"/>
       </p:ext>
     </p:extLst>
   </p:cSld>
